--- a/trunk/slides/sep2017/18-allocs.pptx
+++ b/trunk/slides/sep2017/18-allocs.pptx
@@ -31,27 +31,33 @@
     <p:sldId id="305" r:id="rId25"/>
     <p:sldId id="285" r:id="rId26"/>
     <p:sldId id="291" r:id="rId27"/>
-    <p:sldId id="266" r:id="rId28"/>
-    <p:sldId id="301" r:id="rId29"/>
-    <p:sldId id="267" r:id="rId30"/>
-    <p:sldId id="263" r:id="rId31"/>
+    <p:sldId id="308" r:id="rId28"/>
+    <p:sldId id="266" r:id="rId29"/>
+    <p:sldId id="309" r:id="rId30"/>
+    <p:sldId id="310" r:id="rId31"/>
     <p:sldId id="268" r:id="rId32"/>
-    <p:sldId id="269" r:id="rId33"/>
-    <p:sldId id="292" r:id="rId34"/>
-    <p:sldId id="265" r:id="rId35"/>
-    <p:sldId id="270" r:id="rId36"/>
-    <p:sldId id="271" r:id="rId37"/>
-    <p:sldId id="272" r:id="rId38"/>
-    <p:sldId id="273" r:id="rId39"/>
-    <p:sldId id="274" r:id="rId40"/>
-    <p:sldId id="275" r:id="rId41"/>
-    <p:sldId id="276" r:id="rId42"/>
-    <p:sldId id="277" r:id="rId43"/>
-    <p:sldId id="278" r:id="rId44"/>
-    <p:sldId id="279" r:id="rId45"/>
-    <p:sldId id="293" r:id="rId46"/>
-    <p:sldId id="260" r:id="rId47"/>
-    <p:sldId id="258" r:id="rId48"/>
+    <p:sldId id="312" r:id="rId33"/>
+    <p:sldId id="301" r:id="rId34"/>
+    <p:sldId id="267" r:id="rId35"/>
+    <p:sldId id="313" r:id="rId36"/>
+    <p:sldId id="263" r:id="rId37"/>
+    <p:sldId id="269" r:id="rId38"/>
+    <p:sldId id="311" r:id="rId39"/>
+    <p:sldId id="292" r:id="rId40"/>
+    <p:sldId id="265" r:id="rId41"/>
+    <p:sldId id="270" r:id="rId42"/>
+    <p:sldId id="271" r:id="rId43"/>
+    <p:sldId id="272" r:id="rId44"/>
+    <p:sldId id="273" r:id="rId45"/>
+    <p:sldId id="274" r:id="rId46"/>
+    <p:sldId id="275" r:id="rId47"/>
+    <p:sldId id="276" r:id="rId48"/>
+    <p:sldId id="277" r:id="rId49"/>
+    <p:sldId id="278" r:id="rId50"/>
+    <p:sldId id="279" r:id="rId51"/>
+    <p:sldId id="293" r:id="rId52"/>
+    <p:sldId id="260" r:id="rId53"/>
+    <p:sldId id="258" r:id="rId54"/>
   </p:sldIdLst>
   <p:sldSz cx="12192000" cy="6858000"/>
   <p:notesSz cx="6858000" cy="9144000"/>
@@ -355,7 +361,7 @@
             <a:fld id="{96DFF08F-DC6B-4601-B491-B0F83F6DD2DA}" type="datetimeFigureOut">
               <a:rPr lang="en-US" dirty="0"/>
               <a:pPr/>
-              <a:t>5/18/2018</a:t>
+              <a:t>5/19/2018</a:t>
             </a:fld>
             <a:endParaRPr lang="en-US" dirty="0"/>
           </a:p>
@@ -572,7 +578,7 @@
           <a:p>
             <a:fld id="{96DFF08F-DC6B-4601-B491-B0F83F6DD2DA}" type="datetimeFigureOut">
               <a:rPr lang="en-US" dirty="0"/>
-              <a:t>5/18/2018</a:t>
+              <a:t>5/19/2018</a:t>
             </a:fld>
             <a:endParaRPr lang="en-US" dirty="0"/>
           </a:p>
@@ -747,7 +753,7 @@
           <a:p>
             <a:fld id="{96DFF08F-DC6B-4601-B491-B0F83F6DD2DA}" type="datetimeFigureOut">
               <a:rPr lang="en-US" dirty="0"/>
-              <a:t>5/18/2018</a:t>
+              <a:t>5/19/2018</a:t>
             </a:fld>
             <a:endParaRPr lang="en-US" dirty="0"/>
           </a:p>
@@ -912,7 +918,7 @@
           <a:p>
             <a:fld id="{96DFF08F-DC6B-4601-B491-B0F83F6DD2DA}" type="datetimeFigureOut">
               <a:rPr lang="en-US" dirty="0"/>
-              <a:t>5/18/2018</a:t>
+              <a:t>5/19/2018</a:t>
             </a:fld>
             <a:endParaRPr lang="en-US" dirty="0"/>
           </a:p>
@@ -1158,7 +1164,7 @@
           <a:p>
             <a:fld id="{96DFF08F-DC6B-4601-B491-B0F83F6DD2DA}" type="datetimeFigureOut">
               <a:rPr lang="en-US" dirty="0"/>
-              <a:t>5/18/2018</a:t>
+              <a:t>5/19/2018</a:t>
             </a:fld>
             <a:endParaRPr lang="en-US" dirty="0"/>
           </a:p>
@@ -1476,7 +1482,7 @@
           <a:p>
             <a:fld id="{96DFF08F-DC6B-4601-B491-B0F83F6DD2DA}" type="datetimeFigureOut">
               <a:rPr lang="en-US" dirty="0"/>
-              <a:t>5/18/2018</a:t>
+              <a:t>5/19/2018</a:t>
             </a:fld>
             <a:endParaRPr lang="en-US" dirty="0"/>
           </a:p>
@@ -1895,7 +1901,7 @@
           <a:p>
             <a:fld id="{96DFF08F-DC6B-4601-B491-B0F83F6DD2DA}" type="datetimeFigureOut">
               <a:rPr lang="en-US" dirty="0"/>
-              <a:t>5/18/2018</a:t>
+              <a:t>5/19/2018</a:t>
             </a:fld>
             <a:endParaRPr lang="en-US" dirty="0"/>
           </a:p>
@@ -2008,7 +2014,7 @@
           <a:p>
             <a:fld id="{96DFF08F-DC6B-4601-B491-B0F83F6DD2DA}" type="datetimeFigureOut">
               <a:rPr lang="en-US" dirty="0"/>
-              <a:t>5/18/2018</a:t>
+              <a:t>5/19/2018</a:t>
             </a:fld>
             <a:endParaRPr lang="en-US" dirty="0"/>
           </a:p>
@@ -2098,7 +2104,7 @@
           <a:p>
             <a:fld id="{96DFF08F-DC6B-4601-B491-B0F83F6DD2DA}" type="datetimeFigureOut">
               <a:rPr lang="en-US" dirty="0"/>
-              <a:t>5/18/2018</a:t>
+              <a:t>5/19/2018</a:t>
             </a:fld>
             <a:endParaRPr lang="en-US" dirty="0"/>
           </a:p>
@@ -2383,7 +2389,7 @@
           <a:p>
             <a:fld id="{96DFF08F-DC6B-4601-B491-B0F83F6DD2DA}" type="datetimeFigureOut">
               <a:rPr lang="en-US" dirty="0"/>
-              <a:t>5/18/2018</a:t>
+              <a:t>5/19/2018</a:t>
             </a:fld>
             <a:endParaRPr lang="en-US" dirty="0"/>
           </a:p>
@@ -2650,7 +2656,7 @@
           <a:p>
             <a:fld id="{96DFF08F-DC6B-4601-B491-B0F83F6DD2DA}" type="datetimeFigureOut">
               <a:rPr lang="en-US" dirty="0"/>
-              <a:t>5/18/2018</a:t>
+              <a:t>5/19/2018</a:t>
             </a:fld>
             <a:endParaRPr lang="en-US" dirty="0"/>
           </a:p>
@@ -2899,7 +2905,7 @@
             <a:fld id="{96DFF08F-DC6B-4601-B491-B0F83F6DD2DA}" type="datetimeFigureOut">
               <a:rPr lang="en-US" dirty="0"/>
               <a:pPr/>
-              <a:t>5/18/2018</a:t>
+              <a:t>5/19/2018</a:t>
             </a:fld>
             <a:endParaRPr lang="en-US" dirty="0"/>
           </a:p>
@@ -4107,14 +4113,7 @@
                 <a:latin typeface="Courier" pitchFamily="49" charset="0"/>
                 <a:cs typeface="Times New Roman" panose="02020603050405020304" pitchFamily="18" charset="0"/>
               </a:rPr>
-              <a:t>Implementations of containers described in this International Standard are permitted to </a:t>
-            </a:r>
-            <a:r>
-              <a:rPr lang="en-US">
-                <a:latin typeface="Courier" pitchFamily="49" charset="0"/>
-                <a:cs typeface="Times New Roman" panose="02020603050405020304" pitchFamily="18" charset="0"/>
-              </a:rPr>
-              <a:t>assume </a:t>
+              <a:t>Implementations of containers described in this International Standard are permitted to assume </a:t>
             </a:r>
             <a:r>
               <a:rPr lang="en-US" smtClean="0">
@@ -4145,14 +4144,7 @@
                 <a:latin typeface="Courier" pitchFamily="49" charset="0"/>
                 <a:cs typeface="Times New Roman" panose="02020603050405020304" pitchFamily="18" charset="0"/>
               </a:rPr>
-              <a:t>instances of a given allocator type are required to be interchangeable and always compare </a:t>
-            </a:r>
-            <a:r>
-              <a:rPr lang="en-US">
-                <a:latin typeface="Courier" pitchFamily="49" charset="0"/>
-                <a:cs typeface="Times New Roman" panose="02020603050405020304" pitchFamily="18" charset="0"/>
-              </a:rPr>
-              <a:t>equal </a:t>
+              <a:t>instances of a given allocator type are required to be interchangeable and always compare equal </a:t>
             </a:r>
             <a:r>
               <a:rPr lang="en-US" smtClean="0">
@@ -4183,56 +4175,35 @@
                 <a:latin typeface="Courier" pitchFamily="49" charset="0"/>
                 <a:cs typeface="Times New Roman" panose="02020603050405020304" pitchFamily="18" charset="0"/>
               </a:rPr>
-              <a:t>typedef members pointer, const_pointer, size_type, and </a:t>
-            </a:r>
-            <a:r>
-              <a:rPr lang="en-US">
+              <a:t>typedef members pointer, const_pointer, size_type, and difference_type </a:t>
+            </a:r>
+            <a:r>
+              <a:rPr lang="en-US" smtClean="0">
                 <a:latin typeface="Courier" pitchFamily="49" charset="0"/>
                 <a:cs typeface="Times New Roman" panose="02020603050405020304" pitchFamily="18" charset="0"/>
               </a:rPr>
-              <a:t>difference_type </a:t>
-            </a:r>
-            <a:r>
-              <a:rPr lang="en-US" smtClean="0">
+              <a:t>are</a:t>
+            </a:r>
+            <a:r>
+              <a:rPr lang="en-US">
                 <a:latin typeface="Courier" pitchFamily="49" charset="0"/>
                 <a:cs typeface="Times New Roman" panose="02020603050405020304" pitchFamily="18" charset="0"/>
               </a:rPr>
-              <a:t>are</a:t>
-            </a:r>
-            <a:r>
-              <a:rPr lang="en-US">
+              <a:t> </a:t>
+            </a:r>
+            <a:r>
+              <a:rPr lang="en-US" smtClean="0">
                 <a:latin typeface="Courier" pitchFamily="49" charset="0"/>
                 <a:cs typeface="Times New Roman" panose="02020603050405020304" pitchFamily="18" charset="0"/>
               </a:rPr>
-              <a:t> </a:t>
-            </a:r>
-            <a:r>
-              <a:rPr lang="en-US" smtClean="0">
+              <a:t>required </a:t>
+            </a:r>
+            <a:r>
+              <a:rPr lang="en-US">
                 <a:latin typeface="Courier" pitchFamily="49" charset="0"/>
                 <a:cs typeface="Times New Roman" panose="02020603050405020304" pitchFamily="18" charset="0"/>
               </a:rPr>
-              <a:t>required </a:t>
-            </a:r>
-            <a:r>
-              <a:rPr lang="en-US">
-                <a:latin typeface="Courier" pitchFamily="49" charset="0"/>
-                <a:cs typeface="Times New Roman" panose="02020603050405020304" pitchFamily="18" charset="0"/>
-              </a:rPr>
-              <a:t>to be T*, T const*, std::size_t, and std::ptrdiff_t, </a:t>
-            </a:r>
-            <a:r>
-              <a:rPr lang="en-US">
-                <a:latin typeface="Courier" pitchFamily="49" charset="0"/>
-                <a:cs typeface="Times New Roman" panose="02020603050405020304" pitchFamily="18" charset="0"/>
-              </a:rPr>
-              <a:t>respectively</a:t>
-            </a:r>
-            <a:r>
-              <a:rPr lang="en-US">
-                <a:latin typeface="Courier" pitchFamily="49" charset="0"/>
-                <a:cs typeface="Times New Roman" panose="02020603050405020304" pitchFamily="18" charset="0"/>
-              </a:rPr>
-              <a:t> </a:t>
+              <a:t>to be T*, T const*, std::size_t, and std::ptrdiff_t, respectively </a:t>
             </a:r>
             <a:endParaRPr lang="en-US" smtClean="0">
               <a:latin typeface="Courier" pitchFamily="49" charset="0"/>
@@ -4498,11 +4469,7 @@
             </a:r>
             <a:r>
               <a:rPr lang="ru-RU" smtClean="0"/>
-              <a:t> и наоборот</a:t>
-            </a:r>
-            <a:r>
-              <a:rPr lang="ru-RU" smtClean="0"/>
-              <a:t>.</a:t>
+              <a:t> и наоборот.</a:t>
             </a:r>
             <a:endParaRPr lang="en-US" smtClean="0"/>
           </a:p>
@@ -4535,17 +4502,8 @@
             </a:r>
             <a:r>
               <a:rPr lang="ru-RU" smtClean="0"/>
-              <a:t>куда собрали все редко переопределяем</a:t>
-            </a:r>
-            <a:r>
-              <a:rPr lang="ru-RU" smtClean="0"/>
-              <a:t>ые вещи в качестве разумных значений по умолчанию</a:t>
-            </a:r>
-            <a:r>
-              <a:rPr lang="ru-RU" smtClean="0"/>
-              <a:t>. </a:t>
-            </a:r>
-            <a:endParaRPr lang="ru-RU" smtClean="0"/>
+              <a:t>куда собрали все редко переопределяемые вещи в качестве разумных значений по умолчанию. </a:t>
+            </a:r>
           </a:p>
           <a:p>
             <a:endParaRPr lang="en-US"/>
@@ -4629,13 +4587,174 @@
           <a:p>
             <a:r>
               <a:rPr lang="ru-RU" smtClean="0"/>
-              <a:t>Тут что-то про </a:t>
+              <a:t>Класс </a:t>
             </a:r>
             <a:r>
               <a:rPr lang="en-US" smtClean="0"/>
               <a:t>allocator_traits</a:t>
             </a:r>
+            <a:r>
+              <a:rPr lang="ru-RU" smtClean="0"/>
+              <a:t> содержит:</a:t>
+            </a:r>
+          </a:p>
+          <a:p>
+            <a:pPr lvl="1"/>
+            <a:r>
+              <a:rPr lang="ru-RU" smtClean="0"/>
+              <a:t>Переопределения типов</a:t>
+            </a:r>
+            <a:r>
+              <a:rPr lang="en-US" smtClean="0"/>
+              <a:t>: value_type, pointer, const_pointer </a:t>
+            </a:r>
+            <a:r>
+              <a:rPr lang="ru-RU" smtClean="0"/>
+              <a:t>и прочие</a:t>
+            </a:r>
+          </a:p>
+          <a:p>
+            <a:pPr lvl="1"/>
+            <a:r>
+              <a:rPr lang="ru-RU" smtClean="0"/>
+              <a:t>Селекторы </a:t>
+            </a:r>
+            <a:r>
+              <a:rPr lang="en-US" smtClean="0"/>
+              <a:t>propagate_on_xxx</a:t>
+            </a:r>
+          </a:p>
+          <a:p>
+            <a:pPr lvl="1"/>
+            <a:r>
+              <a:rPr lang="ru-RU" smtClean="0"/>
+              <a:t>Шаблоны </a:t>
+            </a:r>
+            <a:r>
+              <a:rPr lang="en-US" smtClean="0"/>
+              <a:t>rebind_alloc </a:t>
+            </a:r>
+            <a:r>
+              <a:rPr lang="ru-RU" smtClean="0"/>
+              <a:t>и </a:t>
+            </a:r>
+            <a:r>
+              <a:rPr lang="en-US" smtClean="0"/>
+              <a:t>rebind_traits</a:t>
+            </a:r>
+            <a:endParaRPr lang="ru-RU" smtClean="0"/>
+          </a:p>
+          <a:p>
+            <a:pPr lvl="1"/>
+            <a:r>
+              <a:rPr lang="ru-RU" smtClean="0"/>
+              <a:t>Функции</a:t>
+            </a:r>
+            <a:r>
+              <a:rPr lang="en-US" smtClean="0"/>
+              <a:t> allocate/deallocate, </a:t>
+            </a:r>
+            <a:r>
+              <a:rPr lang="ru-RU" smtClean="0"/>
+              <a:t>а также </a:t>
+            </a:r>
+            <a:r>
+              <a:rPr lang="en-US" smtClean="0"/>
+              <a:t>construct </a:t>
+            </a:r>
+            <a:r>
+              <a:rPr lang="ru-RU" smtClean="0"/>
+              <a:t>и </a:t>
+            </a:r>
+            <a:r>
+              <a:rPr lang="en-US" smtClean="0"/>
+              <a:t>destroy</a:t>
+            </a:r>
+          </a:p>
+          <a:p>
+            <a:r>
+              <a:rPr lang="ru-RU" smtClean="0"/>
+              <a:t>Определение для собственного класса тривиально </a:t>
+            </a:r>
+            <a:r>
+              <a:rPr lang="en-US" smtClean="0"/>
+              <a:t>(</a:t>
+            </a:r>
+            <a:r>
+              <a:rPr lang="ru-RU" smtClean="0"/>
+              <a:t>и обычно не нужно)</a:t>
+            </a:r>
             <a:endParaRPr lang="en-US"/>
+          </a:p>
+          <a:p>
+            <a:pPr marL="45720" indent="0">
+              <a:buNone/>
+            </a:pPr>
+            <a:r>
+              <a:rPr lang="en-US" smtClean="0">
+                <a:latin typeface="Consolas" panose="020B0609020204030204" pitchFamily="49" charset="0"/>
+              </a:rPr>
+              <a:t>namespace std {</a:t>
+            </a:r>
+            <a:br>
+              <a:rPr lang="en-US" smtClean="0">
+                <a:latin typeface="Consolas" panose="020B0609020204030204" pitchFamily="49" charset="0"/>
+              </a:rPr>
+            </a:br>
+            <a:r>
+              <a:rPr lang="en-US" smtClean="0">
+                <a:latin typeface="Consolas" panose="020B0609020204030204" pitchFamily="49" charset="0"/>
+              </a:rPr>
+              <a:t>  template &lt;&gt; struct allocator_traits&lt;s_alloc&gt; {</a:t>
+            </a:r>
+            <a:br>
+              <a:rPr lang="en-US" smtClean="0">
+                <a:latin typeface="Consolas" panose="020B0609020204030204" pitchFamily="49" charset="0"/>
+              </a:rPr>
+            </a:br>
+            <a:r>
+              <a:rPr lang="en-US" smtClean="0">
+                <a:latin typeface="Consolas" panose="020B0609020204030204" pitchFamily="49" charset="0"/>
+              </a:rPr>
+              <a:t>    // </a:t>
+            </a:r>
+            <a:r>
+              <a:rPr lang="ru-RU" smtClean="0">
+                <a:latin typeface="Consolas" panose="020B0609020204030204" pitchFamily="49" charset="0"/>
+              </a:rPr>
+              <a:t>тут нужно определить все </a:t>
+            </a:r>
+            <a:r>
+              <a:rPr lang="en-US" smtClean="0">
+                <a:latin typeface="Consolas" panose="020B0609020204030204" pitchFamily="49" charset="0"/>
+              </a:rPr>
+              <a:t>traits</a:t>
+            </a:r>
+            <a:br>
+              <a:rPr lang="en-US" smtClean="0">
+                <a:latin typeface="Consolas" panose="020B0609020204030204" pitchFamily="49" charset="0"/>
+              </a:rPr>
+            </a:br>
+            <a:r>
+              <a:rPr lang="en-US" smtClean="0">
+                <a:latin typeface="Consolas" panose="020B0609020204030204" pitchFamily="49" charset="0"/>
+              </a:rPr>
+              <a:t>  };</a:t>
+            </a:r>
+            <a:br>
+              <a:rPr lang="en-US" smtClean="0">
+                <a:latin typeface="Consolas" panose="020B0609020204030204" pitchFamily="49" charset="0"/>
+              </a:rPr>
+            </a:br>
+            <a:r>
+              <a:rPr lang="en-US" smtClean="0">
+                <a:latin typeface="Consolas" panose="020B0609020204030204" pitchFamily="49" charset="0"/>
+              </a:rPr>
+              <a:t>}</a:t>
+            </a:r>
+            <a:endParaRPr lang="en-US">
+              <a:latin typeface="Consolas" panose="020B0609020204030204" pitchFamily="49" charset="0"/>
+            </a:endParaRPr>
           </a:p>
         </p:txBody>
       </p:sp>
@@ -4872,11 +4991,7 @@
           <a:p>
             <a:r>
               <a:rPr lang="ru-RU" smtClean="0"/>
-              <a:t>В программах с частой вставкой и удалением, это может много </a:t>
-            </a:r>
-            <a:r>
-              <a:rPr lang="ru-RU" smtClean="0"/>
-              <a:t>сэкономить</a:t>
+              <a:t>В программах с частой вставкой и удалением, это может много сэкономить</a:t>
             </a:r>
             <a:endParaRPr lang="en-US" smtClean="0"/>
           </a:p>
@@ -8244,8 +8359,40 @@
               <a:rPr lang="en-US" smtClean="0">
                 <a:latin typeface="Consolas" panose="020B0609020204030204" pitchFamily="49" charset="0"/>
               </a:rPr>
-              <a:t>vec.insert(vec.begin(), x3);</a:t>
-            </a:r>
+              <a:t>vec.insert(vec.begin(), x3</a:t>
+            </a:r>
+            <a:r>
+              <a:rPr lang="en-US" smtClean="0">
+                <a:latin typeface="Consolas" panose="020B0609020204030204" pitchFamily="49" charset="0"/>
+              </a:rPr>
+              <a:t>);</a:t>
+            </a:r>
+          </a:p>
+          <a:p>
+            <a:r>
+              <a:rPr lang="ru-RU" smtClean="0"/>
+              <a:t>При этом память на сам вектор добывается</a:t>
+            </a:r>
+            <a:br>
+              <a:rPr lang="ru-RU" smtClean="0"/>
+            </a:br>
+            <a:r>
+              <a:rPr lang="ru-RU" smtClean="0"/>
+              <a:t>по ста</a:t>
+            </a:r>
+            <a:r>
+              <a:rPr lang="ru-RU" smtClean="0"/>
+              <a:t>рин</a:t>
+            </a:r>
+            <a:r>
+              <a:rPr lang="ru-RU" smtClean="0"/>
+              <a:t>ке из </a:t>
+            </a:r>
+            <a:r>
+              <a:rPr lang="en-US" smtClean="0"/>
+              <a:t>std::allocator</a:t>
+            </a:r>
+            <a:endParaRPr lang="en-US" smtClean="0"/>
           </a:p>
           <a:p>
             <a:pPr marL="45720" indent="0">
@@ -8788,16 +8935,175 @@
             <p:ph idx="1"/>
           </p:nvPr>
         </p:nvSpPr>
-        <p:spPr/>
+        <p:spPr>
+          <a:xfrm>
+            <a:off x="1143000" y="2057400"/>
+            <a:ext cx="10387584" cy="4038600"/>
+          </a:xfrm>
+        </p:spPr>
         <p:txBody>
           <a:bodyPr/>
           <a:lstStyle/>
           <a:p>
             <a:r>
-              <a:rPr lang="en-US" smtClean="0"/>
-              <a:t>TODO: scoped_allocator_adapter</a:t>
-            </a:r>
-            <a:endParaRPr lang="en-US"/>
+              <a:rPr lang="ru-RU" smtClean="0"/>
+              <a:t>Хотелось бы чтобы контейнер при создании элементов спрашивал "ты используешь аллокатор?" и если да, то передавал свой.</a:t>
+            </a:r>
+          </a:p>
+          <a:p>
+            <a:r>
+              <a:rPr lang="ru-RU" smtClean="0"/>
+              <a:t>Для этого служит</a:t>
+            </a:r>
+            <a:r>
+              <a:rPr lang="en-US" smtClean="0"/>
+              <a:t> scoped_allocator_adapter</a:t>
+            </a:r>
+            <a:endParaRPr lang="ru-RU" smtClean="0"/>
+          </a:p>
+          <a:p>
+            <a:pPr marL="45720" indent="0">
+              <a:buNone/>
+            </a:pPr>
+            <a:r>
+              <a:rPr lang="en-US" smtClean="0">
+                <a:latin typeface="Consolas" panose="020B0609020204030204" pitchFamily="49" charset="0"/>
+              </a:rPr>
+              <a:t>namespace cust {</a:t>
+            </a:r>
+            <a:br>
+              <a:rPr lang="en-US" smtClean="0">
+                <a:latin typeface="Consolas" panose="020B0609020204030204" pitchFamily="49" charset="0"/>
+              </a:rPr>
+            </a:br>
+            <a:r>
+              <a:rPr lang="en-US" smtClean="0">
+                <a:latin typeface="Consolas" panose="020B0609020204030204" pitchFamily="49" charset="0"/>
+              </a:rPr>
+              <a:t>  template &lt;typename T&gt; CustomAlloc;</a:t>
+            </a:r>
+          </a:p>
+          <a:p>
+            <a:pPr marL="45720" indent="0">
+              <a:buNone/>
+            </a:pPr>
+            <a:r>
+              <a:rPr lang="en-US">
+                <a:latin typeface="Consolas" panose="020B0609020204030204" pitchFamily="49" charset="0"/>
+              </a:rPr>
+              <a:t> </a:t>
+            </a:r>
+            <a:r>
+              <a:rPr lang="en-US" smtClean="0">
+                <a:latin typeface="Consolas" panose="020B0609020204030204" pitchFamily="49" charset="0"/>
+              </a:rPr>
+              <a:t> template &lt;typename T&gt; using alloc =</a:t>
+            </a:r>
+            <a:br>
+              <a:rPr lang="en-US" smtClean="0">
+                <a:latin typeface="Consolas" panose="020B0609020204030204" pitchFamily="49" charset="0"/>
+              </a:rPr>
+            </a:br>
+            <a:r>
+              <a:rPr lang="en-US" smtClean="0">
+                <a:latin typeface="Consolas" panose="020B0609020204030204" pitchFamily="49" charset="0"/>
+              </a:rPr>
+              <a:t>     ::std::scoped_allocator_adapter&lt;CustomAlloc&lt;T&gt;&gt;;</a:t>
+            </a:r>
+            <a:br>
+              <a:rPr lang="en-US" smtClean="0">
+                <a:latin typeface="Consolas" panose="020B0609020204030204" pitchFamily="49" charset="0"/>
+              </a:rPr>
+            </a:br>
+            <a:r>
+              <a:rPr lang="en-US" smtClean="0">
+                <a:latin typeface="Consolas" panose="020B0609020204030204" pitchFamily="49" charset="0"/>
+              </a:rPr>
+              <a:t> </a:t>
+            </a:r>
+            <a:r>
+              <a:rPr lang="en-US">
+                <a:latin typeface="Consolas" panose="020B0609020204030204" pitchFamily="49" charset="0"/>
+              </a:rPr>
+              <a:t>template &lt;typename T</a:t>
+            </a:r>
+            <a:r>
+              <a:rPr lang="en-US">
+                <a:latin typeface="Consolas" panose="020B0609020204030204" pitchFamily="49" charset="0"/>
+              </a:rPr>
+              <a:t>&gt; </a:t>
+            </a:r>
+            <a:r>
+              <a:rPr lang="en-US" smtClean="0">
+                <a:latin typeface="Consolas" panose="020B0609020204030204" pitchFamily="49" charset="0"/>
+              </a:rPr>
+              <a:t>using vector = ::std::vector&lt;T, alloc&lt;T&gt;&gt;;</a:t>
+            </a:r>
+            <a:br>
+              <a:rPr lang="en-US" smtClean="0">
+                <a:latin typeface="Consolas" panose="020B0609020204030204" pitchFamily="49" charset="0"/>
+              </a:rPr>
+            </a:br>
+            <a:r>
+              <a:rPr lang="en-US" smtClean="0">
+                <a:latin typeface="Consolas" panose="020B0609020204030204" pitchFamily="49" charset="0"/>
+              </a:rPr>
+              <a:t> template &lt;typename T&gt; using string = </a:t>
+            </a:r>
+            <a:br>
+              <a:rPr lang="en-US" smtClean="0">
+                <a:latin typeface="Consolas" panose="020B0609020204030204" pitchFamily="49" charset="0"/>
+              </a:rPr>
+            </a:br>
+            <a:r>
+              <a:rPr lang="en-US" smtClean="0">
+                <a:latin typeface="Consolas" panose="020B0609020204030204" pitchFamily="49" charset="0"/>
+              </a:rPr>
+              <a:t>     ::std::basic_string&lt;char, char_traits&lt;char&gt;, alloc&lt;char&gt;&gt;;</a:t>
+            </a:r>
+            <a:r>
+              <a:rPr lang="en-US">
+                <a:latin typeface="Consolas" panose="020B0609020204030204" pitchFamily="49" charset="0"/>
+              </a:rPr>
+              <a:t/>
+            </a:r>
+            <a:br>
+              <a:rPr lang="en-US">
+                <a:latin typeface="Consolas" panose="020B0609020204030204" pitchFamily="49" charset="0"/>
+              </a:rPr>
+            </a:br>
+            <a:r>
+              <a:rPr lang="en-US" smtClean="0">
+                <a:latin typeface="Consolas" panose="020B0609020204030204" pitchFamily="49" charset="0"/>
+              </a:rPr>
+              <a:t>};</a:t>
+            </a:r>
+          </a:p>
+          <a:p>
+            <a:pPr marL="45720" indent="0">
+              <a:buNone/>
+            </a:pPr>
+            <a:r>
+              <a:rPr lang="en-US" smtClean="0">
+                <a:latin typeface="Consolas" panose="020B0609020204030204" pitchFamily="49" charset="0"/>
+              </a:rPr>
+              <a:t>cust::vector&lt;cust::string&gt; vs(&amp;alloc1); // </a:t>
+            </a:r>
+            <a:r>
+              <a:rPr lang="en-US" smtClean="0">
+                <a:solidFill>
+                  <a:srgbClr val="0000FF"/>
+                </a:solidFill>
+                <a:latin typeface="Consolas" panose="020B0609020204030204" pitchFamily="49" charset="0"/>
+              </a:rPr>
+              <a:t>propagated ok</a:t>
+            </a:r>
+            <a:endParaRPr lang="en-US">
+              <a:solidFill>
+                <a:srgbClr val="0000FF"/>
+              </a:solidFill>
+              <a:latin typeface="Consolas" panose="020B0609020204030204" pitchFamily="49" charset="0"/>
+            </a:endParaRPr>
           </a:p>
         </p:txBody>
       </p:sp>
@@ -8876,13 +9182,8 @@
           <a:p>
             <a:r>
               <a:rPr lang="ru-RU" smtClean="0"/>
-              <a:t>Какие проблемы бросаются в глаза</a:t>
-            </a:r>
-            <a:r>
-              <a:rPr lang="ru-RU" smtClean="0"/>
-              <a:t>?</a:t>
-            </a:r>
-            <a:endParaRPr lang="ru-RU" smtClean="0"/>
+              <a:t>Какие проблемы бросаются в глаза?</a:t>
+            </a:r>
           </a:p>
         </p:txBody>
       </p:sp>
@@ -8967,17 +9268,16 @@
           <a:p>
             <a:r>
               <a:rPr lang="ru-RU" smtClean="0"/>
-              <a:t>Код </a:t>
-            </a:r>
-            <a:r>
-              <a:rPr lang="ru-RU" smtClean="0"/>
-              <a:t>загрязняется вирусными </a:t>
-            </a:r>
-            <a:r>
-              <a:rPr lang="ru-RU" smtClean="0"/>
-              <a:t>шаблонами даже при обычных аллокаторов.</a:t>
-            </a:r>
-            <a:endParaRPr lang="ru-RU" smtClean="0"/>
+              <a:t>Код загрязняется вирусными шаблонами даже </a:t>
+            </a:r>
+            <a:r>
+              <a:rPr lang="ru-RU" smtClean="0"/>
+              <a:t>для обычных </a:t>
+            </a:r>
+            <a:r>
+              <a:rPr lang="ru-RU" smtClean="0"/>
+              <a:t>аллокаторов.</a:t>
+            </a:r>
           </a:p>
           <a:p>
             <a:pPr marL="45720" indent="0">
@@ -9011,11 +9311,31 @@
             </a:r>
             <a:r>
               <a:rPr lang="ru-RU" smtClean="0"/>
-              <a:t>аллокатор это классно, но это </a:t>
-            </a:r>
-            <a:r>
-              <a:rPr lang="en-US" smtClean="0"/>
-              <a:t>write-only</a:t>
+              <a:t>адаптер это </a:t>
+            </a:r>
+            <a:r>
+              <a:rPr lang="ru-RU" smtClean="0"/>
+              <a:t>классно, но это </a:t>
+            </a:r>
+            <a:r>
+              <a:rPr lang="ru-RU" smtClean="0"/>
+              <a:t>может очень серьёзно увеличить писанину шаблонов: в более-менее серьёзном проекте туда придётся руками затаскивать не только </a:t>
+            </a:r>
+            <a:r>
+              <a:rPr lang="en-US" smtClean="0"/>
+              <a:t>string </a:t>
+            </a:r>
+            <a:r>
+              <a:rPr lang="ru-RU" smtClean="0"/>
+              <a:t>и </a:t>
+            </a:r>
+            <a:r>
+              <a:rPr lang="en-US" smtClean="0"/>
+              <a:t>vector, </a:t>
+            </a:r>
+            <a:r>
+              <a:rPr lang="ru-RU" smtClean="0"/>
+              <a:t>а вообще всё.</a:t>
             </a:r>
             <a:endParaRPr lang="ru-RU" smtClean="0"/>
           </a:p>
@@ -9215,7 +9535,7 @@
           <a:p>
             <a:r>
               <a:rPr lang="ru-RU" smtClean="0"/>
-              <a:t>Абстракция ресурса в памяти</a:t>
+              <a:t>Вернёмся к пройденному</a:t>
             </a:r>
             <a:endParaRPr lang="en-US"/>
           </a:p>
@@ -9231,78 +9551,186 @@
             <p:ph idx="1"/>
           </p:nvPr>
         </p:nvSpPr>
-        <p:spPr/>
+        <p:spPr>
+          <a:xfrm>
+            <a:off x="1143000" y="2057400"/>
+            <a:ext cx="10296144" cy="4038600"/>
+          </a:xfrm>
+        </p:spPr>
         <p:txBody>
           <a:bodyPr/>
           <a:lstStyle/>
           <a:p>
             <a:r>
-              <a:rPr lang="en-US" smtClean="0"/>
-              <a:t>TODO:</a:t>
-            </a:r>
-            <a:r>
-              <a:rPr lang="ru-RU"/>
+              <a:rPr lang="ru-RU" smtClean="0"/>
+              <a:t>Когда мы проектировали наивный аллокатор мы спроектировали его просто</a:t>
+            </a:r>
+            <a:endParaRPr lang="en-US" smtClean="0"/>
+          </a:p>
+          <a:p>
+            <a:pPr marL="45720" indent="0">
+              <a:buNone/>
+            </a:pPr>
+            <a:r>
+              <a:rPr lang="en-US" smtClean="0">
+                <a:latin typeface="Consolas" panose="020B0609020204030204" pitchFamily="49" charset="0"/>
+              </a:rPr>
+              <a:t>template&lt;typename T&gt; struct </a:t>
+            </a:r>
+            <a:r>
+              <a:rPr lang="en-US" smtClean="0">
+                <a:latin typeface="Consolas" panose="020B0609020204030204" pitchFamily="49" charset="0"/>
+              </a:rPr>
+              <a:t>memory_resource </a:t>
+            </a:r>
+            <a:r>
+              <a:rPr lang="en-US" smtClean="0">
+                <a:latin typeface="Consolas" panose="020B0609020204030204" pitchFamily="49" charset="0"/>
+              </a:rPr>
+              <a:t>{</a:t>
+            </a:r>
+            <a:br>
+              <a:rPr lang="en-US" smtClean="0">
+                <a:latin typeface="Consolas" panose="020B0609020204030204" pitchFamily="49" charset="0"/>
+              </a:rPr>
+            </a:br>
+            <a:r>
+              <a:rPr lang="ru-RU" smtClean="0">
+                <a:latin typeface="Consolas" panose="020B0609020204030204" pitchFamily="49" charset="0"/>
+              </a:rPr>
+              <a:t>  </a:t>
+            </a:r>
+            <a:r>
+              <a:rPr lang="en-US" smtClean="0">
+                <a:latin typeface="Consolas" panose="020B0609020204030204" pitchFamily="49" charset="0"/>
+              </a:rPr>
+              <a:t>T*</a:t>
+            </a:r>
+            <a:r>
+              <a:rPr lang="en-US" smtClean="0">
+                <a:solidFill>
+                  <a:srgbClr val="FF0000"/>
+                </a:solidFill>
+                <a:latin typeface="Consolas" panose="020B0609020204030204" pitchFamily="49" charset="0"/>
+              </a:rPr>
               <a:t> </a:t>
             </a:r>
             <a:r>
-              <a:rPr lang="ru-RU" smtClean="0"/>
-              <a:t>тут про </a:t>
-            </a:r>
-            <a:r>
-              <a:rPr lang="en-US" smtClean="0"/>
-              <a:t>memory_resource</a:t>
-            </a:r>
-          </a:p>
-          <a:p>
-            <a:r>
-              <a:rPr lang="ru-RU" smtClean="0"/>
-              <a:t>Главное: предоставляет функции </a:t>
-            </a:r>
-            <a:r>
-              <a:rPr lang="en-US" smtClean="0"/>
+              <a:rPr lang="en-US" smtClean="0">
+                <a:latin typeface="Consolas" panose="020B0609020204030204" pitchFamily="49" charset="0"/>
+              </a:rPr>
               <a:t>allocate </a:t>
             </a:r>
             <a:r>
-              <a:rPr lang="ru-RU" smtClean="0"/>
-              <a:t>и </a:t>
-            </a:r>
-            <a:r>
-              <a:rPr lang="en-US" smtClean="0"/>
-              <a:t>deallocate </a:t>
-            </a:r>
-            <a:r>
-              <a:rPr lang="ru-RU" smtClean="0"/>
-              <a:t>как </a:t>
-            </a:r>
-            <a:r>
-              <a:rPr lang="en-US" smtClean="0"/>
-              <a:t>NVI</a:t>
-            </a:r>
-          </a:p>
-          <a:p>
-            <a:r>
-              <a:rPr lang="ru-RU" smtClean="0"/>
-              <a:t>Пользователь переопределяет </a:t>
-            </a:r>
-            <a:r>
-              <a:rPr lang="en-US" smtClean="0"/>
-              <a:t>do_allocate </a:t>
-            </a:r>
-            <a:r>
-              <a:rPr lang="ru-RU" smtClean="0"/>
-              <a:t>и </a:t>
-            </a:r>
-            <a:r>
-              <a:rPr lang="en-US" smtClean="0"/>
-              <a:t>do_deallocate, do_is_equal (private, virtual)</a:t>
-            </a:r>
+              <a:rPr lang="en-US">
+                <a:latin typeface="Consolas" panose="020B0609020204030204" pitchFamily="49" charset="0"/>
+              </a:rPr>
+              <a:t>(</a:t>
+            </a:r>
+            <a:r>
+              <a:rPr lang="en-US" smtClean="0">
+                <a:latin typeface="Consolas" panose="020B0609020204030204" pitchFamily="49" charset="0"/>
+              </a:rPr>
+              <a:t>size_t n</a:t>
+            </a:r>
+            <a:r>
+              <a:rPr lang="ru-RU" smtClean="0">
+                <a:latin typeface="Consolas" panose="020B0609020204030204" pitchFamily="49" charset="0"/>
+              </a:rPr>
+              <a:t>)</a:t>
+            </a:r>
+            <a:r>
+              <a:rPr lang="en-US">
+                <a:latin typeface="Consolas" panose="020B0609020204030204" pitchFamily="49" charset="0"/>
+              </a:rPr>
+              <a:t>;</a:t>
+            </a:r>
+            <a:r>
+              <a:rPr lang="ru-RU" smtClean="0">
+                <a:latin typeface="Consolas" panose="020B0609020204030204" pitchFamily="49" charset="0"/>
+              </a:rPr>
+              <a:t/>
+            </a:r>
+            <a:br>
+              <a:rPr lang="ru-RU" smtClean="0">
+                <a:latin typeface="Consolas" panose="020B0609020204030204" pitchFamily="49" charset="0"/>
+              </a:rPr>
+            </a:br>
+            <a:r>
+              <a:rPr lang="en-US" smtClean="0">
+                <a:latin typeface="Consolas" panose="020B0609020204030204" pitchFamily="49" charset="0"/>
+              </a:rPr>
+              <a:t>  void </a:t>
+            </a:r>
+            <a:r>
+              <a:rPr lang="en-US" smtClean="0">
+                <a:latin typeface="Consolas" panose="020B0609020204030204" pitchFamily="49" charset="0"/>
+              </a:rPr>
+              <a:t>deallocate(T* </a:t>
+            </a:r>
+            <a:r>
+              <a:rPr lang="en-US" smtClean="0">
+                <a:latin typeface="Consolas" panose="020B0609020204030204" pitchFamily="49" charset="0"/>
+              </a:rPr>
+              <a:t>p, size_t n</a:t>
+            </a:r>
+            <a:r>
+              <a:rPr lang="en-US" smtClean="0">
+                <a:latin typeface="Consolas" panose="020B0609020204030204" pitchFamily="49" charset="0"/>
+              </a:rPr>
+              <a:t>);</a:t>
+            </a:r>
+            <a:r>
+              <a:rPr lang="ru-RU" smtClean="0">
+                <a:latin typeface="Consolas" panose="020B0609020204030204" pitchFamily="49" charset="0"/>
+              </a:rPr>
+              <a:t/>
+            </a:r>
+            <a:br>
+              <a:rPr lang="ru-RU" smtClean="0">
+                <a:latin typeface="Consolas" panose="020B0609020204030204" pitchFamily="49" charset="0"/>
+              </a:rPr>
+            </a:br>
+            <a:r>
+              <a:rPr lang="en-US" smtClean="0">
+                <a:latin typeface="Consolas" panose="020B0609020204030204" pitchFamily="49" charset="0"/>
+              </a:rPr>
+              <a:t>};</a:t>
+            </a:r>
+          </a:p>
+          <a:p>
+            <a:r>
+              <a:rPr lang="ru-RU" smtClean="0"/>
+              <a:t>Время показало, что полезна также функция </a:t>
+            </a:r>
+            <a:r>
+              <a:rPr lang="en-US" smtClean="0"/>
+              <a:t>is_equal </a:t>
+            </a:r>
+            <a:r>
+              <a:rPr lang="ru-RU" smtClean="0"/>
+              <a:t>особенно если мы разрешаем состояние</a:t>
+            </a:r>
+          </a:p>
+          <a:p>
+            <a:r>
+              <a:rPr lang="ru-RU" smtClean="0"/>
+              <a:t>Что если отсюда удалить типы</a:t>
+            </a:r>
+            <a:r>
+              <a:rPr lang="en-US" smtClean="0"/>
+              <a:t>?</a:t>
+            </a:r>
+            <a:endParaRPr lang="en-US">
+              <a:latin typeface="Consolas" panose="020B0609020204030204" pitchFamily="49" charset="0"/>
+            </a:endParaRPr>
           </a:p>
         </p:txBody>
       </p:sp>
     </p:spTree>
     <p:extLst>
       <p:ext uri="{BB962C8B-B14F-4D97-AF65-F5344CB8AC3E}">
-        <p14:creationId xmlns:p14="http://schemas.microsoft.com/office/powerpoint/2010/main" val="3604005854"/>
+        <p14:creationId xmlns:p14="http://schemas.microsoft.com/office/powerpoint/2010/main" val="692974658"/>
       </p:ext>
     </p:extLst>
   </p:cSld>
@@ -9346,7 +9774,7 @@
           <a:p>
             <a:r>
               <a:rPr lang="ru-RU" smtClean="0"/>
-              <a:t>Интригующий пример</a:t>
+              <a:t>Абстракция ресурса в памяти</a:t>
             </a:r>
             <a:endParaRPr lang="en-US"/>
           </a:p>
@@ -9369,85 +9797,38 @@
           <a:p>
             <a:r>
               <a:rPr lang="ru-RU" smtClean="0"/>
-              <a:t>Следующий пример почти возможен в </a:t>
-            </a:r>
-            <a:r>
-              <a:rPr lang="en-US" smtClean="0"/>
-              <a:t>C++17</a:t>
-            </a:r>
-            <a:endParaRPr lang="ru-RU" smtClean="0"/>
+              <a:t>Если убрать типы, то мы должны вручную передать </a:t>
+            </a:r>
+            <a:r>
+              <a:rPr lang="en-US" smtClean="0"/>
+              <a:t>alignment </a:t>
+            </a:r>
+            <a:r>
+              <a:rPr lang="ru-RU" smtClean="0"/>
+              <a:t>и сделать этот класс виртуальной базой</a:t>
+            </a:r>
           </a:p>
           <a:p>
             <a:pPr marL="45720" indent="0">
               <a:buNone/>
             </a:pPr>
             <a:r>
-              <a:rPr lang="en-US" smtClean="0">
-                <a:latin typeface="Consolas" panose="020B0609020204030204" pitchFamily="49" charset="0"/>
-              </a:rPr>
-              <a:t>constexpr </a:t>
-            </a:r>
-            <a:r>
-              <a:rPr lang="en-US">
-                <a:latin typeface="Consolas" panose="020B0609020204030204" pitchFamily="49" charset="0"/>
-              </a:rPr>
-              <a:t>size_t sz = 1000 * </a:t>
-            </a:r>
-            <a:r>
-              <a:rPr lang="en-US">
-                <a:latin typeface="Consolas" panose="020B0609020204030204" pitchFamily="49" charset="0"/>
-              </a:rPr>
-              <a:t>sizeof(double</a:t>
-            </a:r>
-            <a:r>
-              <a:rPr lang="en-US" smtClean="0">
-                <a:latin typeface="Consolas" panose="020B0609020204030204" pitchFamily="49" charset="0"/>
-              </a:rPr>
-              <a:t>);</a:t>
-            </a:r>
-            <a:r>
-              <a:rPr lang="ru-RU" smtClean="0">
-                <a:latin typeface="Consolas" panose="020B0609020204030204" pitchFamily="49" charset="0"/>
-              </a:rPr>
-              <a:t/>
+              <a:rPr lang="en-US">
+                <a:latin typeface="Consolas" panose="020B0609020204030204" pitchFamily="49" charset="0"/>
+              </a:rPr>
+              <a:t>struct memory_resource {</a:t>
             </a:r>
             <a:br>
-              <a:rPr lang="ru-RU" smtClean="0">
+              <a:rPr lang="en-US">
                 <a:latin typeface="Consolas" panose="020B0609020204030204" pitchFamily="49" charset="0"/>
               </a:rPr>
             </a:br>
             <a:r>
-              <a:rPr lang="en-US" smtClean="0">
-                <a:latin typeface="Consolas" panose="020B0609020204030204" pitchFamily="49" charset="0"/>
-              </a:rPr>
-              <a:t>char </a:t>
-            </a:r>
-            <a:r>
-              <a:rPr lang="en-US">
-                <a:latin typeface="Consolas" panose="020B0609020204030204" pitchFamily="49" charset="0"/>
-              </a:rPr>
-              <a:t>buffer[sz] </a:t>
-            </a:r>
-            <a:r>
-              <a:rPr lang="en-US">
-                <a:latin typeface="Consolas" panose="020B0609020204030204" pitchFamily="49" charset="0"/>
-              </a:rPr>
-              <a:t>alignas(double</a:t>
-            </a:r>
-            <a:r>
-              <a:rPr lang="en-US" smtClean="0">
-                <a:latin typeface="Consolas" panose="020B0609020204030204" pitchFamily="49" charset="0"/>
-              </a:rPr>
-              <a:t>);</a:t>
-            </a:r>
-            <a:endParaRPr lang="en-US">
-              <a:latin typeface="Consolas" panose="020B0609020204030204" pitchFamily="49" charset="0"/>
-            </a:endParaRPr>
-          </a:p>
-          <a:p>
-            <a:pPr marL="45720" indent="0">
-              <a:buNone/>
-            </a:pPr>
+              <a:rPr lang="ru-RU">
+                <a:latin typeface="Consolas" panose="020B0609020204030204" pitchFamily="49" charset="0"/>
+              </a:rPr>
+              <a:t>  </a:t>
+            </a:r>
             <a:r>
               <a:rPr lang="en-US" smtClean="0">
                 <a:solidFill>
@@ -9455,10 +9836,13 @@
                 </a:solidFill>
                 <a:latin typeface="Consolas" panose="020B0609020204030204" pitchFamily="49" charset="0"/>
               </a:rPr>
-              <a:t>pmr::monotonic_buffer_resource</a:t>
-            </a:r>
-            <a:r>
-              <a:rPr lang="en-US" smtClean="0">
+              <a:t>virtual void*</a:t>
+            </a:r>
+            <a:r>
+              <a:rPr lang="en-US" smtClean="0">
+                <a:solidFill>
+                  <a:srgbClr val="FF0000"/>
+                </a:solidFill>
                 <a:latin typeface="Consolas" panose="020B0609020204030204" pitchFamily="49" charset="0"/>
               </a:rPr>
               <a:t> </a:t>
@@ -9467,205 +9851,195 @@
               <a:rPr lang="en-US">
                 <a:latin typeface="Consolas" panose="020B0609020204030204" pitchFamily="49" charset="0"/>
               </a:rPr>
-              <a:t>alloc(buffer, </a:t>
-            </a:r>
-            <a:r>
-              <a:rPr lang="en-US">
-                <a:latin typeface="Consolas" panose="020B0609020204030204" pitchFamily="49" charset="0"/>
-              </a:rPr>
-              <a:t>sz</a:t>
-            </a:r>
-            <a:r>
-              <a:rPr lang="en-US" smtClean="0">
-                <a:latin typeface="Consolas" panose="020B0609020204030204" pitchFamily="49" charset="0"/>
-              </a:rPr>
-              <a:t>);</a:t>
-            </a:r>
-            <a:endParaRPr lang="en-US">
-              <a:latin typeface="Consolas" panose="020B0609020204030204" pitchFamily="49" charset="0"/>
-            </a:endParaRPr>
-          </a:p>
-          <a:p>
-            <a:pPr marL="45720" indent="0">
-              <a:buNone/>
-            </a:pPr>
-            <a:r>
-              <a:rPr lang="en-US" smtClean="0">
-                <a:latin typeface="Consolas" panose="020B0609020204030204" pitchFamily="49" charset="0"/>
-              </a:rPr>
-              <a:t>double </a:t>
-            </a:r>
-            <a:r>
-              <a:rPr lang="en-US">
-                <a:latin typeface="Consolas" panose="020B0609020204030204" pitchFamily="49" charset="0"/>
-              </a:rPr>
-              <a:t>start </a:t>
-            </a:r>
-            <a:r>
-              <a:rPr lang="en-US">
-                <a:latin typeface="Consolas" panose="020B0609020204030204" pitchFamily="49" charset="0"/>
-              </a:rPr>
-              <a:t>= </a:t>
-            </a:r>
-            <a:r>
-              <a:rPr lang="en-US" smtClean="0">
-                <a:latin typeface="Consolas" panose="020B0609020204030204" pitchFamily="49" charset="0"/>
-              </a:rPr>
-              <a:t>0.0;</a:t>
-            </a:r>
-            <a:r>
-              <a:rPr lang="ru-RU" smtClean="0">
-                <a:latin typeface="Consolas" panose="020B0609020204030204" pitchFamily="49" charset="0"/>
-              </a:rPr>
-              <a:t/>
+              <a:t>allocate (</a:t>
+            </a:r>
+            <a:r>
+              <a:rPr lang="en-US">
+                <a:latin typeface="Consolas" panose="020B0609020204030204" pitchFamily="49" charset="0"/>
+              </a:rPr>
+              <a:t>size_t </a:t>
+            </a:r>
+            <a:r>
+              <a:rPr lang="en-US">
+                <a:latin typeface="Consolas" panose="020B0609020204030204" pitchFamily="49" charset="0"/>
+              </a:rPr>
+              <a:t>n, </a:t>
             </a:r>
             <a:br>
-              <a:rPr lang="ru-RU" smtClean="0">
+              <a:rPr lang="en-US">
                 <a:latin typeface="Consolas" panose="020B0609020204030204" pitchFamily="49" charset="0"/>
               </a:rPr>
             </a:br>
             <a:r>
-              <a:rPr lang="en-US" smtClean="0">
+              <a:rPr lang="en-US">
+                <a:latin typeface="Consolas" panose="020B0609020204030204" pitchFamily="49" charset="0"/>
+              </a:rPr>
+              <a:t>    </a:t>
+            </a:r>
+            <a:r>
+              <a:rPr lang="en-US">
                 <a:solidFill>
                   <a:srgbClr val="0000FF"/>
                 </a:solidFill>
                 <a:latin typeface="Consolas" panose="020B0609020204030204" pitchFamily="49" charset="0"/>
               </a:rPr>
-              <a:t>pmr::vector</a:t>
-            </a:r>
-            <a:r>
-              <a:rPr lang="en-US" smtClean="0">
-                <a:latin typeface="Consolas" panose="020B0609020204030204" pitchFamily="49" charset="0"/>
-              </a:rPr>
-              <a:t>&lt;double</a:t>
-            </a:r>
-            <a:r>
-              <a:rPr lang="en-US">
-                <a:latin typeface="Consolas" panose="020B0609020204030204" pitchFamily="49" charset="0"/>
-              </a:rPr>
-              <a:t>&gt; v1(&amp;</a:t>
-            </a:r>
-            <a:r>
-              <a:rPr lang="en-US">
-                <a:latin typeface="Consolas" panose="020B0609020204030204" pitchFamily="49" charset="0"/>
-              </a:rPr>
-              <a:t>alloc</a:t>
-            </a:r>
-            <a:r>
-              <a:rPr lang="en-US" smtClean="0">
-                <a:latin typeface="Consolas" panose="020B0609020204030204" pitchFamily="49" charset="0"/>
-              </a:rPr>
-              <a:t>);</a:t>
+              <a:t>size_t </a:t>
+            </a:r>
+            <a:r>
+              <a:rPr lang="en-US">
+                <a:solidFill>
+                  <a:srgbClr val="0000FF"/>
+                </a:solidFill>
+                <a:latin typeface="Consolas" panose="020B0609020204030204" pitchFamily="49" charset="0"/>
+              </a:rPr>
+              <a:t>align </a:t>
+            </a:r>
+            <a:r>
+              <a:rPr lang="en-US" smtClean="0">
+                <a:solidFill>
+                  <a:srgbClr val="0000FF"/>
+                </a:solidFill>
+                <a:latin typeface="Consolas" panose="020B0609020204030204" pitchFamily="49" charset="0"/>
+              </a:rPr>
+              <a:t>= </a:t>
+            </a:r>
+            <a:r>
+              <a:rPr lang="en-US">
+                <a:solidFill>
+                  <a:srgbClr val="0000FF"/>
+                </a:solidFill>
+                <a:latin typeface="Consolas" panose="020B0609020204030204" pitchFamily="49" charset="0"/>
+              </a:rPr>
+              <a:t>alignof(std::max_align_t)</a:t>
             </a:r>
             <a:r>
               <a:rPr lang="ru-RU" smtClean="0">
                 <a:latin typeface="Consolas" panose="020B0609020204030204" pitchFamily="49" charset="0"/>
               </a:rPr>
+              <a:t>)</a:t>
+            </a:r>
+            <a:r>
+              <a:rPr lang="en-US" smtClean="0">
+                <a:latin typeface="Consolas" panose="020B0609020204030204" pitchFamily="49" charset="0"/>
+              </a:rPr>
+              <a:t> = 0;</a:t>
+            </a:r>
+            <a:r>
+              <a:rPr lang="ru-RU">
+                <a:latin typeface="Consolas" panose="020B0609020204030204" pitchFamily="49" charset="0"/>
+              </a:rPr>
               <a:t/>
             </a:r>
             <a:br>
-              <a:rPr lang="ru-RU" smtClean="0">
+              <a:rPr lang="ru-RU">
                 <a:latin typeface="Consolas" panose="020B0609020204030204" pitchFamily="49" charset="0"/>
               </a:rPr>
             </a:br>
             <a:r>
-              <a:rPr lang="en-US" smtClean="0">
-                <a:latin typeface="Consolas" panose="020B0609020204030204" pitchFamily="49" charset="0"/>
-              </a:rPr>
-              <a:t>generate_n(back_inserter(v1</a:t>
-            </a:r>
-            <a:r>
-              <a:rPr lang="en-US">
-                <a:latin typeface="Consolas" panose="020B0609020204030204" pitchFamily="49" charset="0"/>
-              </a:rPr>
-              <a:t>), 100</a:t>
-            </a:r>
-            <a:r>
-              <a:rPr lang="en-US">
-                <a:latin typeface="Consolas" panose="020B0609020204030204" pitchFamily="49" charset="0"/>
-              </a:rPr>
-              <a:t>, </a:t>
-            </a:r>
-            <a:r>
-              <a:rPr lang="ru-RU" smtClean="0">
+              <a:rPr lang="en-US">
+                <a:latin typeface="Consolas" panose="020B0609020204030204" pitchFamily="49" charset="0"/>
+              </a:rPr>
+              <a:t>  </a:t>
+            </a:r>
+            <a:r>
+              <a:rPr lang="en-US" smtClean="0">
+                <a:latin typeface="Consolas" panose="020B0609020204030204" pitchFamily="49" charset="0"/>
+              </a:rPr>
+              <a:t>virtual void deallocate(</a:t>
+            </a:r>
+            <a:r>
+              <a:rPr lang="en-US" smtClean="0">
+                <a:solidFill>
+                  <a:srgbClr val="0000FF"/>
+                </a:solidFill>
+                <a:latin typeface="Consolas" panose="020B0609020204030204" pitchFamily="49" charset="0"/>
+              </a:rPr>
+              <a:t>void* </a:t>
+            </a:r>
+            <a:r>
+              <a:rPr lang="en-US">
+                <a:solidFill>
+                  <a:srgbClr val="0000FF"/>
+                </a:solidFill>
+                <a:latin typeface="Consolas" panose="020B0609020204030204" pitchFamily="49" charset="0"/>
+              </a:rPr>
+              <a:t>p</a:t>
+            </a:r>
+            <a:r>
+              <a:rPr lang="en-US">
+                <a:latin typeface="Consolas" panose="020B0609020204030204" pitchFamily="49" charset="0"/>
+              </a:rPr>
+              <a:t>, size_t </a:t>
+            </a:r>
+            <a:r>
+              <a:rPr lang="en-US">
+                <a:latin typeface="Consolas" panose="020B0609020204030204" pitchFamily="49" charset="0"/>
+              </a:rPr>
+              <a:t>n</a:t>
+            </a:r>
+            <a:r>
+              <a:rPr lang="en-US" smtClean="0">
+                <a:latin typeface="Consolas" panose="020B0609020204030204" pitchFamily="49" charset="0"/>
+              </a:rPr>
+              <a:t>) = 0;</a:t>
+            </a:r>
+            <a:br>
+              <a:rPr lang="en-US" smtClean="0">
+                <a:latin typeface="Consolas" panose="020B0609020204030204" pitchFamily="49" charset="0"/>
+              </a:rPr>
+            </a:br>
+            <a:r>
+              <a:rPr lang="en-US" smtClean="0">
+                <a:latin typeface="Consolas" panose="020B0609020204030204" pitchFamily="49" charset="0"/>
+              </a:rPr>
+              <a:t>  virtual bool is_equal(</a:t>
+            </a:r>
+            <a:r>
+              <a:rPr lang="en-US" smtClean="0">
+                <a:solidFill>
+                  <a:srgbClr val="0000FF"/>
+                </a:solidFill>
+                <a:latin typeface="Consolas" panose="020B0609020204030204" pitchFamily="49" charset="0"/>
+              </a:rPr>
+              <a:t>const memory_resource&amp;</a:t>
+            </a:r>
+            <a:r>
+              <a:rPr lang="en-US" smtClean="0">
+                <a:latin typeface="Consolas" panose="020B0609020204030204" pitchFamily="49" charset="0"/>
+              </a:rPr>
+              <a:t>) const = 0;</a:t>
+            </a:r>
+            <a:r>
+              <a:rPr lang="ru-RU">
                 <a:latin typeface="Consolas" panose="020B0609020204030204" pitchFamily="49" charset="0"/>
               </a:rPr>
               <a:t/>
             </a:r>
             <a:br>
-              <a:rPr lang="ru-RU" smtClean="0">
+              <a:rPr lang="ru-RU">
                 <a:latin typeface="Consolas" panose="020B0609020204030204" pitchFamily="49" charset="0"/>
               </a:rPr>
             </a:br>
             <a:r>
-              <a:rPr lang="ru-RU" smtClean="0">
-                <a:latin typeface="Consolas" panose="020B0609020204030204" pitchFamily="49" charset="0"/>
-              </a:rPr>
-              <a:t>  </a:t>
-            </a:r>
-            <a:r>
-              <a:rPr lang="en-US" smtClean="0">
-                <a:latin typeface="Consolas" panose="020B0609020204030204" pitchFamily="49" charset="0"/>
-              </a:rPr>
-              <a:t>[</a:t>
-            </a:r>
-            <a:r>
-              <a:rPr lang="en-US">
-                <a:latin typeface="Consolas" panose="020B0609020204030204" pitchFamily="49" charset="0"/>
-              </a:rPr>
-              <a:t>start] () mutable { return (start += 1.1); });</a:t>
-            </a:r>
-            <a:endParaRPr lang="ru-RU" smtClean="0">
-              <a:latin typeface="Consolas" panose="020B0609020204030204" pitchFamily="49" charset="0"/>
-            </a:endParaRPr>
-          </a:p>
-          <a:p>
-            <a:r>
-              <a:rPr lang="ru-RU" smtClean="0"/>
-              <a:t>В этом примере</a:t>
-            </a:r>
-            <a:r>
-              <a:rPr lang="en-US" smtClean="0"/>
-              <a:t> </a:t>
-            </a:r>
-            <a:r>
-              <a:rPr lang="ru-RU" smtClean="0"/>
-              <a:t>самое интригующее то, что</a:t>
-            </a:r>
-            <a:r>
-              <a:rPr lang="en-US" smtClean="0"/>
-              <a:t> generate_n </a:t>
-            </a:r>
-            <a:r>
-              <a:rPr lang="ru-RU" smtClean="0"/>
-              <a:t>не вызывает никаких аллокаций памяти</a:t>
-            </a:r>
-          </a:p>
-          <a:p>
-            <a:r>
-              <a:rPr lang="ru-RU" smtClean="0"/>
-              <a:t>см. </a:t>
-            </a:r>
-            <a:r>
-              <a:rPr lang="en-US" smtClean="0"/>
-              <a:t>case study </a:t>
-            </a:r>
-            <a:r>
-              <a:rPr lang="en-US" smtClean="0">
-                <a:latin typeface="Consolas" panose="020B0609020204030204" pitchFamily="49" charset="0"/>
-              </a:rPr>
-              <a:t>04-memresource.cc</a:t>
-            </a:r>
-            <a:endParaRPr lang="en-US">
-              <a:latin typeface="Consolas" panose="020B0609020204030204" pitchFamily="49" charset="0"/>
-            </a:endParaRPr>
+              <a:rPr lang="en-US" smtClean="0">
+                <a:latin typeface="Consolas" panose="020B0609020204030204" pitchFamily="49" charset="0"/>
+              </a:rPr>
+              <a:t>};</a:t>
+            </a:r>
+          </a:p>
+          <a:p>
+            <a:r>
+              <a:rPr lang="ru-RU" smtClean="0"/>
+              <a:t>Это очень плохой дизайн. Что вам не нравится здесь?</a:t>
+            </a:r>
+            <a:endParaRPr lang="en-US" smtClean="0"/>
           </a:p>
         </p:txBody>
       </p:sp>
     </p:spTree>
     <p:extLst>
       <p:ext uri="{BB962C8B-B14F-4D97-AF65-F5344CB8AC3E}">
-        <p14:creationId xmlns:p14="http://schemas.microsoft.com/office/powerpoint/2010/main" val="202987846"/>
+        <p14:creationId xmlns:p14="http://schemas.microsoft.com/office/powerpoint/2010/main" val="3604005854"/>
       </p:ext>
     </p:extLst>
   </p:cSld>
@@ -9709,7 +10083,7 @@
           <a:p>
             <a:r>
               <a:rPr lang="ru-RU" smtClean="0"/>
-              <a:t>Абстракция аллокатора</a:t>
+              <a:t>Абстракция ресурса в памяти</a:t>
             </a:r>
             <a:endParaRPr lang="en-US"/>
           </a:p>
@@ -9732,23 +10106,15 @@
           <a:p>
             <a:r>
               <a:rPr lang="ru-RU" smtClean="0"/>
-              <a:t>Тут про </a:t>
-            </a:r>
-            <a:r>
-              <a:rPr lang="en-US" smtClean="0"/>
-              <a:t>polymorphic_allocator</a:t>
-            </a:r>
-          </a:p>
-          <a:p>
-            <a:r>
-              <a:rPr lang="en-US" smtClean="0"/>
-              <a:t>Halpern, 17:14</a:t>
-            </a:r>
-          </a:p>
-          <a:p>
-            <a:r>
-              <a:rPr lang="ru-RU" smtClean="0"/>
-              <a:t>Основная идея:</a:t>
+              <a:t>Если убрать типы, то мы должны вручную передать </a:t>
+            </a:r>
+            <a:r>
+              <a:rPr lang="en-US" smtClean="0"/>
+              <a:t>alignment </a:t>
+            </a:r>
+            <a:r>
+              <a:rPr lang="ru-RU" smtClean="0"/>
+              <a:t>и сделать этот класс виртуальной базой</a:t>
             </a:r>
           </a:p>
           <a:p>
@@ -9756,35 +10122,239 @@
               <a:buNone/>
             </a:pPr>
             <a:r>
-              <a:rPr lang="en-US" smtClean="0"/>
-              <a:t>polymorphic_allocator</a:t>
-            </a:r>
-            <a:r>
-              <a:rPr lang="ru-RU" smtClean="0"/>
-              <a:t>(</a:t>
-            </a:r>
-            <a:r>
-              <a:rPr lang="en-US" smtClean="0"/>
-              <a:t>memory_resource *)</a:t>
-            </a:r>
-          </a:p>
-          <a:p>
-            <a:r>
-              <a:rPr lang="ru-RU" smtClean="0"/>
-              <a:t>Т.е. это обёртка над </a:t>
-            </a:r>
-            <a:r>
-              <a:rPr lang="en-US" smtClean="0"/>
-              <a:t>memory_resource</a:t>
-            </a:r>
-            <a:endParaRPr lang="en-US"/>
+              <a:rPr lang="en-US">
+                <a:latin typeface="Consolas" panose="020B0609020204030204" pitchFamily="49" charset="0"/>
+              </a:rPr>
+              <a:t>struct memory_resource {</a:t>
+            </a:r>
+            <a:br>
+              <a:rPr lang="en-US">
+                <a:latin typeface="Consolas" panose="020B0609020204030204" pitchFamily="49" charset="0"/>
+              </a:rPr>
+            </a:br>
+            <a:r>
+              <a:rPr lang="ru-RU">
+                <a:latin typeface="Consolas" panose="020B0609020204030204" pitchFamily="49" charset="0"/>
+              </a:rPr>
+              <a:t>  </a:t>
+            </a:r>
+            <a:r>
+              <a:rPr lang="en-US" smtClean="0">
+                <a:solidFill>
+                  <a:srgbClr val="0000FF"/>
+                </a:solidFill>
+                <a:latin typeface="Consolas" panose="020B0609020204030204" pitchFamily="49" charset="0"/>
+              </a:rPr>
+              <a:t>virtual void*</a:t>
+            </a:r>
+            <a:r>
+              <a:rPr lang="en-US" smtClean="0">
+                <a:solidFill>
+                  <a:srgbClr val="FF0000"/>
+                </a:solidFill>
+                <a:latin typeface="Consolas" panose="020B0609020204030204" pitchFamily="49" charset="0"/>
+              </a:rPr>
+              <a:t> </a:t>
+            </a:r>
+            <a:r>
+              <a:rPr lang="en-US">
+                <a:latin typeface="Consolas" panose="020B0609020204030204" pitchFamily="49" charset="0"/>
+              </a:rPr>
+              <a:t>allocate (</a:t>
+            </a:r>
+            <a:r>
+              <a:rPr lang="en-US">
+                <a:latin typeface="Consolas" panose="020B0609020204030204" pitchFamily="49" charset="0"/>
+              </a:rPr>
+              <a:t>size_t </a:t>
+            </a:r>
+            <a:r>
+              <a:rPr lang="en-US">
+                <a:latin typeface="Consolas" panose="020B0609020204030204" pitchFamily="49" charset="0"/>
+              </a:rPr>
+              <a:t>n, </a:t>
+            </a:r>
+            <a:br>
+              <a:rPr lang="en-US">
+                <a:latin typeface="Consolas" panose="020B0609020204030204" pitchFamily="49" charset="0"/>
+              </a:rPr>
+            </a:br>
+            <a:r>
+              <a:rPr lang="en-US">
+                <a:latin typeface="Consolas" panose="020B0609020204030204" pitchFamily="49" charset="0"/>
+              </a:rPr>
+              <a:t>    </a:t>
+            </a:r>
+            <a:r>
+              <a:rPr lang="en-US">
+                <a:solidFill>
+                  <a:srgbClr val="FF0000"/>
+                </a:solidFill>
+                <a:latin typeface="Consolas" panose="020B0609020204030204" pitchFamily="49" charset="0"/>
+              </a:rPr>
+              <a:t>size_t </a:t>
+            </a:r>
+            <a:r>
+              <a:rPr lang="en-US">
+                <a:solidFill>
+                  <a:srgbClr val="FF0000"/>
+                </a:solidFill>
+                <a:latin typeface="Consolas" panose="020B0609020204030204" pitchFamily="49" charset="0"/>
+              </a:rPr>
+              <a:t>align </a:t>
+            </a:r>
+            <a:r>
+              <a:rPr lang="en-US" smtClean="0">
+                <a:solidFill>
+                  <a:srgbClr val="FF0000"/>
+                </a:solidFill>
+                <a:latin typeface="Consolas" panose="020B0609020204030204" pitchFamily="49" charset="0"/>
+              </a:rPr>
+              <a:t>= </a:t>
+            </a:r>
+            <a:r>
+              <a:rPr lang="en-US">
+                <a:solidFill>
+                  <a:srgbClr val="FF0000"/>
+                </a:solidFill>
+                <a:latin typeface="Consolas" panose="020B0609020204030204" pitchFamily="49" charset="0"/>
+              </a:rPr>
+              <a:t>alignof(std::max_align_t)</a:t>
+            </a:r>
+            <a:r>
+              <a:rPr lang="ru-RU" smtClean="0">
+                <a:latin typeface="Consolas" panose="020B0609020204030204" pitchFamily="49" charset="0"/>
+              </a:rPr>
+              <a:t>)</a:t>
+            </a:r>
+            <a:r>
+              <a:rPr lang="en-US" smtClean="0">
+                <a:latin typeface="Consolas" panose="020B0609020204030204" pitchFamily="49" charset="0"/>
+              </a:rPr>
+              <a:t> = 0;</a:t>
+            </a:r>
+            <a:r>
+              <a:rPr lang="ru-RU">
+                <a:latin typeface="Consolas" panose="020B0609020204030204" pitchFamily="49" charset="0"/>
+              </a:rPr>
+              <a:t/>
+            </a:r>
+            <a:br>
+              <a:rPr lang="ru-RU">
+                <a:latin typeface="Consolas" panose="020B0609020204030204" pitchFamily="49" charset="0"/>
+              </a:rPr>
+            </a:br>
+            <a:r>
+              <a:rPr lang="en-US">
+                <a:latin typeface="Consolas" panose="020B0609020204030204" pitchFamily="49" charset="0"/>
+              </a:rPr>
+              <a:t>  </a:t>
+            </a:r>
+            <a:r>
+              <a:rPr lang="en-US" smtClean="0">
+                <a:latin typeface="Consolas" panose="020B0609020204030204" pitchFamily="49" charset="0"/>
+              </a:rPr>
+              <a:t>virtual void deallocate(</a:t>
+            </a:r>
+            <a:r>
+              <a:rPr lang="en-US" smtClean="0">
+                <a:solidFill>
+                  <a:srgbClr val="0000FF"/>
+                </a:solidFill>
+                <a:latin typeface="Consolas" panose="020B0609020204030204" pitchFamily="49" charset="0"/>
+              </a:rPr>
+              <a:t>void* </a:t>
+            </a:r>
+            <a:r>
+              <a:rPr lang="en-US">
+                <a:solidFill>
+                  <a:srgbClr val="0000FF"/>
+                </a:solidFill>
+                <a:latin typeface="Consolas" panose="020B0609020204030204" pitchFamily="49" charset="0"/>
+              </a:rPr>
+              <a:t>p</a:t>
+            </a:r>
+            <a:r>
+              <a:rPr lang="en-US">
+                <a:latin typeface="Consolas" panose="020B0609020204030204" pitchFamily="49" charset="0"/>
+              </a:rPr>
+              <a:t>, size_t </a:t>
+            </a:r>
+            <a:r>
+              <a:rPr lang="en-US">
+                <a:latin typeface="Consolas" panose="020B0609020204030204" pitchFamily="49" charset="0"/>
+              </a:rPr>
+              <a:t>n</a:t>
+            </a:r>
+            <a:r>
+              <a:rPr lang="en-US" smtClean="0">
+                <a:latin typeface="Consolas" panose="020B0609020204030204" pitchFamily="49" charset="0"/>
+              </a:rPr>
+              <a:t>) = 0;</a:t>
+            </a:r>
+            <a:br>
+              <a:rPr lang="en-US" smtClean="0">
+                <a:latin typeface="Consolas" panose="020B0609020204030204" pitchFamily="49" charset="0"/>
+              </a:rPr>
+            </a:br>
+            <a:r>
+              <a:rPr lang="en-US" smtClean="0">
+                <a:latin typeface="Consolas" panose="020B0609020204030204" pitchFamily="49" charset="0"/>
+              </a:rPr>
+              <a:t>  virtual bool is_equal(</a:t>
+            </a:r>
+            <a:r>
+              <a:rPr lang="en-US" smtClean="0">
+                <a:solidFill>
+                  <a:srgbClr val="0000FF"/>
+                </a:solidFill>
+                <a:latin typeface="Consolas" panose="020B0609020204030204" pitchFamily="49" charset="0"/>
+              </a:rPr>
+              <a:t>const memory_resource&amp;</a:t>
+            </a:r>
+            <a:r>
+              <a:rPr lang="en-US" smtClean="0">
+                <a:latin typeface="Consolas" panose="020B0609020204030204" pitchFamily="49" charset="0"/>
+              </a:rPr>
+              <a:t>) const = 0;</a:t>
+            </a:r>
+            <a:r>
+              <a:rPr lang="ru-RU">
+                <a:latin typeface="Consolas" panose="020B0609020204030204" pitchFamily="49" charset="0"/>
+              </a:rPr>
+              <a:t/>
+            </a:r>
+            <a:br>
+              <a:rPr lang="ru-RU">
+                <a:latin typeface="Consolas" panose="020B0609020204030204" pitchFamily="49" charset="0"/>
+              </a:rPr>
+            </a:br>
+            <a:r>
+              <a:rPr lang="en-US" smtClean="0">
+                <a:latin typeface="Consolas" panose="020B0609020204030204" pitchFamily="49" charset="0"/>
+              </a:rPr>
+              <a:t>};</a:t>
+            </a:r>
+          </a:p>
+          <a:p>
+            <a:r>
+              <a:rPr lang="ru-RU" smtClean="0"/>
+              <a:t>Это очень плохой дизайн. Что вам не нравится здесь?</a:t>
+            </a:r>
+          </a:p>
+          <a:p>
+            <a:r>
+              <a:rPr lang="ru-RU" smtClean="0"/>
+              <a:t>Параметр по умолчанию в виртуальной функции это очень нехорошо. Он свяжется статически, а не динамически.</a:t>
+            </a:r>
+            <a:endParaRPr lang="en-US" smtClean="0"/>
           </a:p>
         </p:txBody>
       </p:sp>
     </p:spTree>
     <p:extLst>
       <p:ext uri="{BB962C8B-B14F-4D97-AF65-F5344CB8AC3E}">
-        <p14:creationId xmlns:p14="http://schemas.microsoft.com/office/powerpoint/2010/main" val="3203119822"/>
+        <p14:creationId xmlns:p14="http://schemas.microsoft.com/office/powerpoint/2010/main" val="2334832109"/>
       </p:ext>
     </p:extLst>
   </p:cSld>
@@ -9928,6 +10498,10 @@
           <a:bodyPr/>
           <a:lstStyle/>
           <a:p>
+            <a:r>
+              <a:rPr lang="ru-RU" smtClean="0"/>
+              <a:t>Абстракция ресурса в памяти</a:t>
+            </a:r>
             <a:endParaRPr lang="en-US"/>
           </a:p>
         </p:txBody>
@@ -9942,37 +10516,268 @@
             <p:ph idx="1"/>
           </p:nvPr>
         </p:nvSpPr>
-        <p:spPr/>
+        <p:spPr>
+          <a:xfrm>
+            <a:off x="1143000" y="2057400"/>
+            <a:ext cx="10323576" cy="4038600"/>
+          </a:xfrm>
+        </p:spPr>
         <p:txBody>
           <a:bodyPr/>
           <a:lstStyle/>
           <a:p>
             <a:r>
-              <a:rPr lang="en-US"/>
-              <a:t>https://</a:t>
-            </a:r>
-            <a:r>
-              <a:rPr lang="en-US" smtClean="0"/>
-              <a:t>www.youtube.com/watch?v=v3dz-AKOVL8 (</a:t>
-            </a:r>
-            <a:r>
-              <a:rPr lang="ru-RU" smtClean="0"/>
-              <a:t>около 30 минуты)</a:t>
-            </a:r>
-          </a:p>
-          <a:p>
-            <a:r>
-              <a:rPr lang="en-US" smtClean="0"/>
-              <a:t>github.com/phalpern/CppCon2017Code</a:t>
-            </a:r>
-            <a:endParaRPr lang="en-US"/>
+              <a:rPr lang="ru-RU" smtClean="0"/>
+              <a:t>Чтобы решить эту проблему, давайте сделаем ресурс в памяти с использованием идиомы </a:t>
+            </a:r>
+            <a:r>
+              <a:rPr lang="en-US" smtClean="0"/>
+              <a:t>NVI</a:t>
+            </a:r>
+            <a:endParaRPr lang="ru-RU" smtClean="0"/>
+          </a:p>
+          <a:p>
+            <a:pPr marL="45720" indent="0">
+              <a:buNone/>
+            </a:pPr>
+            <a:r>
+              <a:rPr lang="en-US">
+                <a:latin typeface="Consolas" panose="020B0609020204030204" pitchFamily="49" charset="0"/>
+              </a:rPr>
+              <a:t>struct memory_resource {</a:t>
+            </a:r>
+            <a:br>
+              <a:rPr lang="en-US">
+                <a:latin typeface="Consolas" panose="020B0609020204030204" pitchFamily="49" charset="0"/>
+              </a:rPr>
+            </a:br>
+            <a:r>
+              <a:rPr lang="ru-RU">
+                <a:latin typeface="Consolas" panose="020B0609020204030204" pitchFamily="49" charset="0"/>
+              </a:rPr>
+              <a:t>  </a:t>
+            </a:r>
+            <a:r>
+              <a:rPr lang="en-US" smtClean="0">
+                <a:latin typeface="Consolas" panose="020B0609020204030204" pitchFamily="49" charset="0"/>
+              </a:rPr>
+              <a:t>void* allocate(size_t </a:t>
+            </a:r>
+            <a:r>
+              <a:rPr lang="en-US">
+                <a:latin typeface="Consolas" panose="020B0609020204030204" pitchFamily="49" charset="0"/>
+              </a:rPr>
+              <a:t>n</a:t>
+            </a:r>
+            <a:r>
+              <a:rPr lang="en-US">
+                <a:latin typeface="Consolas" panose="020B0609020204030204" pitchFamily="49" charset="0"/>
+              </a:rPr>
+              <a:t>, </a:t>
+            </a:r>
+            <a:r>
+              <a:rPr lang="en-US" smtClean="0">
+                <a:solidFill>
+                  <a:srgbClr val="0000FF"/>
+                </a:solidFill>
+                <a:latin typeface="Consolas" panose="020B0609020204030204" pitchFamily="49" charset="0"/>
+              </a:rPr>
+              <a:t>size_t </a:t>
+            </a:r>
+            <a:r>
+              <a:rPr lang="en-US">
+                <a:solidFill>
+                  <a:srgbClr val="0000FF"/>
+                </a:solidFill>
+                <a:latin typeface="Consolas" panose="020B0609020204030204" pitchFamily="49" charset="0"/>
+              </a:rPr>
+              <a:t>align </a:t>
+            </a:r>
+            <a:r>
+              <a:rPr lang="en-US" smtClean="0">
+                <a:solidFill>
+                  <a:srgbClr val="0000FF"/>
+                </a:solidFill>
+                <a:latin typeface="Consolas" panose="020B0609020204030204" pitchFamily="49" charset="0"/>
+              </a:rPr>
+              <a:t>= alignof(max_align_t</a:t>
+            </a:r>
+            <a:r>
+              <a:rPr lang="en-US">
+                <a:solidFill>
+                  <a:srgbClr val="0000FF"/>
+                </a:solidFill>
+                <a:latin typeface="Consolas" panose="020B0609020204030204" pitchFamily="49" charset="0"/>
+              </a:rPr>
+              <a:t>)</a:t>
+            </a:r>
+            <a:r>
+              <a:rPr lang="ru-RU" smtClean="0">
+                <a:latin typeface="Consolas" panose="020B0609020204030204" pitchFamily="49" charset="0"/>
+              </a:rPr>
+              <a:t>)</a:t>
+            </a:r>
+            <a:r>
+              <a:rPr lang="en-US" smtClean="0">
+                <a:latin typeface="Consolas" panose="020B0609020204030204" pitchFamily="49" charset="0"/>
+              </a:rPr>
+              <a:t>;</a:t>
+            </a:r>
+            <a:r>
+              <a:rPr lang="ru-RU">
+                <a:latin typeface="Consolas" panose="020B0609020204030204" pitchFamily="49" charset="0"/>
+              </a:rPr>
+              <a:t/>
+            </a:r>
+            <a:br>
+              <a:rPr lang="ru-RU">
+                <a:latin typeface="Consolas" panose="020B0609020204030204" pitchFamily="49" charset="0"/>
+              </a:rPr>
+            </a:br>
+            <a:r>
+              <a:rPr lang="en-US">
+                <a:latin typeface="Consolas" panose="020B0609020204030204" pitchFamily="49" charset="0"/>
+              </a:rPr>
+              <a:t>  </a:t>
+            </a:r>
+            <a:r>
+              <a:rPr lang="en-US" smtClean="0">
+                <a:latin typeface="Consolas" panose="020B0609020204030204" pitchFamily="49" charset="0"/>
+              </a:rPr>
+              <a:t>void deallocate(void* </a:t>
+            </a:r>
+            <a:r>
+              <a:rPr lang="en-US">
+                <a:latin typeface="Consolas" panose="020B0609020204030204" pitchFamily="49" charset="0"/>
+              </a:rPr>
+              <a:t>p, size_t </a:t>
+            </a:r>
+            <a:r>
+              <a:rPr lang="en-US">
+                <a:latin typeface="Consolas" panose="020B0609020204030204" pitchFamily="49" charset="0"/>
+              </a:rPr>
+              <a:t>n</a:t>
+            </a:r>
+            <a:r>
+              <a:rPr lang="en-US" smtClean="0">
+                <a:latin typeface="Consolas" panose="020B0609020204030204" pitchFamily="49" charset="0"/>
+              </a:rPr>
+              <a:t>);</a:t>
+            </a:r>
+            <a:br>
+              <a:rPr lang="en-US" smtClean="0">
+                <a:latin typeface="Consolas" panose="020B0609020204030204" pitchFamily="49" charset="0"/>
+              </a:rPr>
+            </a:br>
+            <a:r>
+              <a:rPr lang="en-US" smtClean="0">
+                <a:latin typeface="Consolas" panose="020B0609020204030204" pitchFamily="49" charset="0"/>
+              </a:rPr>
+              <a:t>  bool is_equal(const memory_resource&amp;) const noexcept;</a:t>
+            </a:r>
+          </a:p>
+          <a:p>
+            <a:pPr marL="45720" indent="0">
+              <a:buNone/>
+            </a:pPr>
+            <a:r>
+              <a:rPr lang="en-US" smtClean="0">
+                <a:solidFill>
+                  <a:srgbClr val="0000FF"/>
+                </a:solidFill>
+                <a:latin typeface="Consolas" panose="020B0609020204030204" pitchFamily="49" charset="0"/>
+              </a:rPr>
+              <a:t>protected:</a:t>
+            </a:r>
+            <a:br>
+              <a:rPr lang="en-US" smtClean="0">
+                <a:solidFill>
+                  <a:srgbClr val="0000FF"/>
+                </a:solidFill>
+                <a:latin typeface="Consolas" panose="020B0609020204030204" pitchFamily="49" charset="0"/>
+              </a:rPr>
+            </a:br>
+            <a:r>
+              <a:rPr lang="en-US" smtClean="0">
+                <a:solidFill>
+                  <a:srgbClr val="0000FF"/>
+                </a:solidFill>
+                <a:latin typeface="Consolas" panose="020B0609020204030204" pitchFamily="49" charset="0"/>
+              </a:rPr>
+              <a:t>  virtual </a:t>
+            </a:r>
+            <a:r>
+              <a:rPr lang="en-US" smtClean="0">
+                <a:latin typeface="Consolas" panose="020B0609020204030204" pitchFamily="49" charset="0"/>
+              </a:rPr>
+              <a:t>void* do_allocate(</a:t>
+            </a:r>
+            <a:r>
+              <a:rPr lang="en-US">
+                <a:latin typeface="Consolas" panose="020B0609020204030204" pitchFamily="49" charset="0"/>
+              </a:rPr>
+              <a:t>size_t n, </a:t>
+            </a:r>
+            <a:r>
+              <a:rPr lang="en-US">
+                <a:latin typeface="Consolas" panose="020B0609020204030204" pitchFamily="49" charset="0"/>
+              </a:rPr>
+              <a:t>size_t </a:t>
+            </a:r>
+            <a:r>
+              <a:rPr lang="en-US" smtClean="0">
+                <a:latin typeface="Consolas" panose="020B0609020204030204" pitchFamily="49" charset="0"/>
+              </a:rPr>
+              <a:t>align) = 0;</a:t>
+            </a:r>
+            <a:br>
+              <a:rPr lang="en-US" smtClean="0">
+                <a:latin typeface="Consolas" panose="020B0609020204030204" pitchFamily="49" charset="0"/>
+              </a:rPr>
+            </a:br>
+            <a:r>
+              <a:rPr lang="en-US" smtClean="0">
+                <a:latin typeface="Consolas" panose="020B0609020204030204" pitchFamily="49" charset="0"/>
+              </a:rPr>
+              <a:t>  // </a:t>
+            </a:r>
+            <a:r>
+              <a:rPr lang="ru-RU" smtClean="0">
+                <a:latin typeface="Consolas" panose="020B0609020204030204" pitchFamily="49" charset="0"/>
+              </a:rPr>
+              <a:t>и остальные две так же</a:t>
+            </a:r>
+            <a:r>
+              <a:rPr lang="ru-RU">
+                <a:latin typeface="Consolas" panose="020B0609020204030204" pitchFamily="49" charset="0"/>
+              </a:rPr>
+              <a:t/>
+            </a:r>
+            <a:br>
+              <a:rPr lang="ru-RU">
+                <a:latin typeface="Consolas" panose="020B0609020204030204" pitchFamily="49" charset="0"/>
+              </a:rPr>
+            </a:br>
+            <a:r>
+              <a:rPr lang="en-US" smtClean="0">
+                <a:latin typeface="Consolas" panose="020B0609020204030204" pitchFamily="49" charset="0"/>
+              </a:rPr>
+              <a:t>};</a:t>
+            </a:r>
+          </a:p>
+          <a:p>
+            <a:r>
+              <a:rPr lang="ru-RU" smtClean="0"/>
+              <a:t>Теперь всё почти готово к использованию</a:t>
+            </a:r>
+            <a:endParaRPr lang="en-US" smtClean="0"/>
           </a:p>
         </p:txBody>
       </p:sp>
     </p:spTree>
     <p:extLst>
       <p:ext uri="{BB962C8B-B14F-4D97-AF65-F5344CB8AC3E}">
-        <p14:creationId xmlns:p14="http://schemas.microsoft.com/office/powerpoint/2010/main" val="388794836"/>
+        <p14:creationId xmlns:p14="http://schemas.microsoft.com/office/powerpoint/2010/main" val="3128312296"/>
       </p:ext>
     </p:extLst>
   </p:cSld>
@@ -10038,49 +10843,129 @@
           <a:lstStyle/>
           <a:p>
             <a:r>
-              <a:rPr lang="en-US" smtClean="0"/>
-              <a:t>TODO: </a:t>
-            </a:r>
-            <a:r>
-              <a:rPr lang="ru-RU" smtClean="0"/>
-              <a:t>тут взять из Лакоса про отличия глобальных аллокаторов, пула и монотонных аллокаторов</a:t>
-            </a:r>
-          </a:p>
-          <a:p>
+              <a:rPr lang="ru-RU" smtClean="0"/>
+              <a:t>Теперь, когда существует </a:t>
+            </a:r>
+            <a:r>
+              <a:rPr lang="en-US" smtClean="0"/>
+              <a:t>memory_resource, </a:t>
+            </a:r>
+            <a:r>
+              <a:rPr lang="ru-RU" smtClean="0"/>
+              <a:t>от него можно наследовать</a:t>
+            </a:r>
+            <a:endParaRPr lang="ru-RU" smtClean="0"/>
+          </a:p>
+          <a:p>
+            <a:pPr lvl="1"/>
             <a:r>
               <a:rPr lang="en-US" smtClean="0"/>
               <a:t>null_memory_resource</a:t>
             </a:r>
-          </a:p>
-          <a:p>
+            <a:r>
+              <a:rPr lang="ru-RU" smtClean="0"/>
+              <a:t> – </a:t>
+            </a:r>
+            <a:r>
+              <a:rPr lang="ru-RU" smtClean="0"/>
+              <a:t>самый интересный ресурс, всегда </a:t>
+            </a:r>
+            <a:r>
+              <a:rPr lang="en-US" smtClean="0"/>
+              <a:t>nullptr</a:t>
+            </a:r>
+            <a:endParaRPr lang="en-US" smtClean="0"/>
+          </a:p>
+          <a:p>
+            <a:pPr lvl="1"/>
             <a:r>
               <a:rPr lang="en-US" smtClean="0"/>
               <a:t>new_delete_resource</a:t>
             </a:r>
-          </a:p>
-          <a:p>
-            <a:r>
-              <a:rPr lang="en-US" smtClean="0"/>
-              <a:t>synchronize_pool_resource</a:t>
-            </a:r>
-          </a:p>
-          <a:p>
+            <a:r>
+              <a:rPr lang="ru-RU"/>
+              <a:t> </a:t>
+            </a:r>
+            <a:r>
+              <a:rPr lang="ru-RU" smtClean="0"/>
+              <a:t>– стандартный ресурс с </a:t>
+            </a:r>
+            <a:r>
+              <a:rPr lang="en-US" smtClean="0"/>
+              <a:t>new/delete</a:t>
+            </a:r>
+            <a:endParaRPr lang="en-US" smtClean="0"/>
+          </a:p>
+          <a:p>
+            <a:pPr lvl="1"/>
+            <a:r>
+              <a:rPr lang="en-US" smtClean="0"/>
+              <a:t>synchronize_pool_resource </a:t>
+            </a:r>
+            <a:r>
+              <a:rPr lang="ru-RU" smtClean="0"/>
+              <a:t>–</a:t>
+            </a:r>
+            <a:r>
+              <a:rPr lang="en-US" smtClean="0"/>
+              <a:t> </a:t>
+            </a:r>
+            <a:r>
+              <a:rPr lang="ru-RU" smtClean="0"/>
+              <a:t>мультипул с многопоточной синхронизацией</a:t>
+            </a:r>
+            <a:endParaRPr lang="en-US" smtClean="0"/>
+          </a:p>
+          <a:p>
+            <a:pPr lvl="1"/>
             <a:r>
               <a:rPr lang="en-US" smtClean="0"/>
               <a:t>unsynchronize_pool_resource</a:t>
             </a:r>
+            <a:r>
+              <a:rPr lang="ru-RU"/>
+              <a:t> </a:t>
+            </a:r>
+            <a:r>
+              <a:rPr lang="ru-RU" smtClean="0"/>
+              <a:t>– быстрый мультипул без синхронизации</a:t>
+            </a:r>
             <a:endParaRPr lang="en-US"/>
           </a:p>
           <a:p>
+            <a:pPr lvl="1"/>
             <a:r>
               <a:rPr lang="en-US" smtClean="0"/>
               <a:t>monotonic_buffer_resource</a:t>
             </a:r>
-          </a:p>
-          <a:p>
-            <a:r>
-              <a:rPr lang="ru-RU" smtClean="0"/>
-              <a:t>+ про возможность склеивать их в цепочки</a:t>
+            <a:r>
+              <a:rPr lang="ru-RU"/>
+              <a:t> </a:t>
+            </a:r>
+            <a:r>
+              <a:rPr lang="ru-RU" smtClean="0"/>
+              <a:t>– монтонное выделение</a:t>
+            </a:r>
+            <a:endParaRPr lang="en-US" smtClean="0"/>
+          </a:p>
+          <a:p>
+            <a:r>
+              <a:rPr lang="ru-RU"/>
+              <a:t>Тут встречаются два новых </a:t>
+            </a:r>
+            <a:r>
+              <a:rPr lang="ru-RU"/>
+              <a:t>термина </a:t>
+            </a:r>
+            <a:r>
+              <a:rPr lang="ru-RU" smtClean="0"/>
+              <a:t>– мультипул и монотонное выделение</a:t>
+            </a:r>
+          </a:p>
+          <a:p>
+            <a:r>
+              <a:rPr lang="ru-RU" smtClean="0"/>
+              <a:t>Это две стратегии работы с памятью, настолько себя зарекомендовавшие, что их предложили в стандарт</a:t>
             </a:r>
             <a:endParaRPr lang="en-US" smtClean="0"/>
           </a:p>
@@ -10134,6 +11019,10 @@
           <a:bodyPr/>
           <a:lstStyle/>
           <a:p>
+            <a:r>
+              <a:rPr lang="en-US" smtClean="0"/>
+              <a:t>Monotonic &amp; multipool</a:t>
+            </a:r>
             <a:endParaRPr lang="en-US"/>
           </a:p>
         </p:txBody>
@@ -10154,21 +11043,331 @@
           <a:lstStyle/>
           <a:p>
             <a:r>
-              <a:rPr lang="en-US" smtClean="0"/>
-              <a:t>do_allocate: parent-&gt;allocate + </a:t>
-            </a:r>
-            <a:r>
-              <a:rPr lang="ru-RU" smtClean="0"/>
-              <a:t>набор статистики. Около 34 минуты</a:t>
-            </a:r>
-            <a:endParaRPr lang="en-US" smtClean="0"/>
+              <a:rPr lang="ru-RU" smtClean="0"/>
+              <a:t>Монотонный ресурс это ресурс, который монотонно выделяет память внутри некоего заранее выделенного буфера. Память не освобождается, в конце работы прибивается сам буфер.</a:t>
+            </a:r>
+          </a:p>
+          <a:p>
+            <a:endParaRPr lang="ru-RU" smtClean="0"/>
+          </a:p>
+          <a:p>
+            <a:endParaRPr lang="ru-RU"/>
+          </a:p>
+          <a:p>
+            <a:r>
+              <a:rPr lang="ru-RU" smtClean="0"/>
+              <a:t>Мультипул ресурс это</a:t>
+            </a:r>
+            <a:r>
+              <a:rPr lang="en-US" smtClean="0"/>
+              <a:t> </a:t>
+            </a:r>
+            <a:r>
+              <a:rPr lang="ru-RU" smtClean="0"/>
+              <a:t>несколько связанных пулов, в которые выделяется и освобождается память. Пулы преаллоцируются и при нехватке, выделяется больший и больший</a:t>
+            </a:r>
+            <a:endParaRPr lang="en-US"/>
+          </a:p>
+        </p:txBody>
+      </p:sp>
+      <p:sp>
+        <p:nvSpPr>
+          <p:cNvPr id="4" name="Rectangle 3"/>
+          <p:cNvSpPr/>
+          <p:nvPr/>
+        </p:nvSpPr>
+        <p:spPr>
+          <a:xfrm>
+            <a:off x="2496312" y="5340096"/>
+            <a:ext cx="914400" cy="914400"/>
+          </a:xfrm>
+          <a:prstGeom prst="rect">
+            <a:avLst/>
+          </a:prstGeom>
+          <a:gradFill flip="none" rotWithShape="1">
+            <a:gsLst>
+              <a:gs pos="0">
+                <a:schemeClr val="accent4">
+                  <a:shade val="30000"/>
+                  <a:satMod val="115000"/>
+                </a:schemeClr>
+              </a:gs>
+              <a:gs pos="50000">
+                <a:schemeClr val="accent4">
+                  <a:shade val="67500"/>
+                  <a:satMod val="115000"/>
+                </a:schemeClr>
+              </a:gs>
+              <a:gs pos="100000">
+                <a:schemeClr val="accent4">
+                  <a:shade val="100000"/>
+                  <a:satMod val="115000"/>
+                </a:schemeClr>
+              </a:gs>
+            </a:gsLst>
+            <a:lin ang="10800000" scaled="1"/>
+            <a:tileRect/>
+          </a:gradFill>
+        </p:spPr>
+        <p:style>
+          <a:lnRef idx="2">
+            <a:schemeClr val="accent4">
+              <a:shade val="50000"/>
+            </a:schemeClr>
+          </a:lnRef>
+          <a:fillRef idx="1">
+            <a:schemeClr val="accent4"/>
+          </a:fillRef>
+          <a:effectRef idx="0">
+            <a:schemeClr val="accent4"/>
+          </a:effectRef>
+          <a:fontRef idx="minor">
+            <a:schemeClr val="lt1"/>
+          </a:fontRef>
+        </p:style>
+        <p:txBody>
+          <a:bodyPr rtlCol="0" anchor="ctr"/>
+          <a:lstStyle/>
+          <a:p>
+            <a:pPr algn="ctr"/>
+            <a:r>
+              <a:rPr lang="en-US" smtClean="0">
+                <a:latin typeface="Consolas" panose="020B0609020204030204" pitchFamily="49" charset="0"/>
+              </a:rPr>
+              <a:t>Pool1</a:t>
+            </a:r>
+            <a:endParaRPr lang="en-US">
+              <a:latin typeface="Consolas" panose="020B0609020204030204" pitchFamily="49" charset="0"/>
+            </a:endParaRPr>
+          </a:p>
+        </p:txBody>
+      </p:sp>
+      <p:sp>
+        <p:nvSpPr>
+          <p:cNvPr id="5" name="Rectangle 4"/>
+          <p:cNvSpPr/>
+          <p:nvPr/>
+        </p:nvSpPr>
+        <p:spPr>
+          <a:xfrm>
+            <a:off x="3813048" y="5340096"/>
+            <a:ext cx="1828800" cy="914400"/>
+          </a:xfrm>
+          <a:prstGeom prst="rect">
+            <a:avLst/>
+          </a:prstGeom>
+          <a:gradFill flip="none" rotWithShape="1">
+            <a:gsLst>
+              <a:gs pos="0">
+                <a:schemeClr val="accent4">
+                  <a:shade val="30000"/>
+                  <a:satMod val="115000"/>
+                </a:schemeClr>
+              </a:gs>
+              <a:gs pos="50000">
+                <a:schemeClr val="accent4">
+                  <a:shade val="67500"/>
+                  <a:satMod val="115000"/>
+                </a:schemeClr>
+              </a:gs>
+              <a:gs pos="100000">
+                <a:schemeClr val="accent4">
+                  <a:shade val="100000"/>
+                  <a:satMod val="115000"/>
+                </a:schemeClr>
+              </a:gs>
+            </a:gsLst>
+            <a:lin ang="10800000" scaled="1"/>
+            <a:tileRect/>
+          </a:gradFill>
+        </p:spPr>
+        <p:style>
+          <a:lnRef idx="2">
+            <a:schemeClr val="accent4">
+              <a:shade val="50000"/>
+            </a:schemeClr>
+          </a:lnRef>
+          <a:fillRef idx="1">
+            <a:schemeClr val="accent4"/>
+          </a:fillRef>
+          <a:effectRef idx="0">
+            <a:schemeClr val="accent4"/>
+          </a:effectRef>
+          <a:fontRef idx="minor">
+            <a:schemeClr val="lt1"/>
+          </a:fontRef>
+        </p:style>
+        <p:txBody>
+          <a:bodyPr rtlCol="0" anchor="ctr"/>
+          <a:lstStyle/>
+          <a:p>
+            <a:pPr algn="ctr"/>
+            <a:r>
+              <a:rPr lang="en-US" smtClean="0">
+                <a:latin typeface="Consolas" panose="020B0609020204030204" pitchFamily="49" charset="0"/>
+              </a:rPr>
+              <a:t>Pool2</a:t>
+            </a:r>
+            <a:endParaRPr lang="en-US">
+              <a:latin typeface="Consolas" panose="020B0609020204030204" pitchFamily="49" charset="0"/>
+            </a:endParaRPr>
+          </a:p>
+        </p:txBody>
+      </p:sp>
+      <p:sp>
+        <p:nvSpPr>
+          <p:cNvPr id="6" name="Rectangle 5"/>
+          <p:cNvSpPr/>
+          <p:nvPr/>
+        </p:nvSpPr>
+        <p:spPr>
+          <a:xfrm>
+            <a:off x="6044184" y="5340096"/>
+            <a:ext cx="3657600" cy="914400"/>
+          </a:xfrm>
+          <a:prstGeom prst="rect">
+            <a:avLst/>
+          </a:prstGeom>
+          <a:gradFill flip="none" rotWithShape="1">
+            <a:gsLst>
+              <a:gs pos="0">
+                <a:schemeClr val="accent4">
+                  <a:shade val="30000"/>
+                  <a:satMod val="115000"/>
+                </a:schemeClr>
+              </a:gs>
+              <a:gs pos="50000">
+                <a:schemeClr val="accent4">
+                  <a:shade val="67500"/>
+                  <a:satMod val="115000"/>
+                </a:schemeClr>
+              </a:gs>
+              <a:gs pos="100000">
+                <a:schemeClr val="accent4">
+                  <a:shade val="100000"/>
+                  <a:satMod val="115000"/>
+                </a:schemeClr>
+              </a:gs>
+            </a:gsLst>
+            <a:lin ang="10800000" scaled="1"/>
+            <a:tileRect/>
+          </a:gradFill>
+        </p:spPr>
+        <p:style>
+          <a:lnRef idx="2">
+            <a:schemeClr val="accent4">
+              <a:shade val="50000"/>
+            </a:schemeClr>
+          </a:lnRef>
+          <a:fillRef idx="1">
+            <a:schemeClr val="accent4"/>
+          </a:fillRef>
+          <a:effectRef idx="0">
+            <a:schemeClr val="accent4"/>
+          </a:effectRef>
+          <a:fontRef idx="minor">
+            <a:schemeClr val="lt1"/>
+          </a:fontRef>
+        </p:style>
+        <p:txBody>
+          <a:bodyPr rtlCol="0" anchor="ctr"/>
+          <a:lstStyle/>
+          <a:p>
+            <a:pPr algn="ctr"/>
+            <a:r>
+              <a:rPr lang="en-US" smtClean="0">
+                <a:latin typeface="Consolas" panose="020B0609020204030204" pitchFamily="49" charset="0"/>
+              </a:rPr>
+              <a:t>Pool3</a:t>
+            </a:r>
+            <a:endParaRPr lang="en-US">
+              <a:latin typeface="Consolas" panose="020B0609020204030204" pitchFamily="49" charset="0"/>
+            </a:endParaRPr>
+          </a:p>
+        </p:txBody>
+      </p:sp>
+      <p:sp>
+        <p:nvSpPr>
+          <p:cNvPr id="7" name="Rectangle 6"/>
+          <p:cNvSpPr/>
+          <p:nvPr/>
+        </p:nvSpPr>
+        <p:spPr>
+          <a:xfrm>
+            <a:off x="2496312" y="3101340"/>
+            <a:ext cx="7205472" cy="914400"/>
+          </a:xfrm>
+          <a:prstGeom prst="rect">
+            <a:avLst/>
+          </a:prstGeom>
+          <a:gradFill flip="none" rotWithShape="1">
+            <a:gsLst>
+              <a:gs pos="0">
+                <a:schemeClr val="accent4">
+                  <a:tint val="66000"/>
+                  <a:satMod val="160000"/>
+                </a:schemeClr>
+              </a:gs>
+              <a:gs pos="50000">
+                <a:schemeClr val="accent4">
+                  <a:tint val="44500"/>
+                  <a:satMod val="160000"/>
+                </a:schemeClr>
+              </a:gs>
+              <a:gs pos="100000">
+                <a:schemeClr val="accent4">
+                  <a:tint val="23500"/>
+                  <a:satMod val="160000"/>
+                </a:schemeClr>
+              </a:gs>
+            </a:gsLst>
+            <a:lin ang="10800000" scaled="1"/>
+            <a:tileRect/>
+          </a:gradFill>
+        </p:spPr>
+        <p:style>
+          <a:lnRef idx="2">
+            <a:schemeClr val="accent4">
+              <a:shade val="50000"/>
+            </a:schemeClr>
+          </a:lnRef>
+          <a:fillRef idx="1">
+            <a:schemeClr val="accent4"/>
+          </a:fillRef>
+          <a:effectRef idx="0">
+            <a:schemeClr val="accent4"/>
+          </a:effectRef>
+          <a:fontRef idx="minor">
+            <a:schemeClr val="lt1"/>
+          </a:fontRef>
+        </p:style>
+        <p:txBody>
+          <a:bodyPr rtlCol="0" anchor="ctr"/>
+          <a:lstStyle/>
+          <a:p>
+            <a:pPr algn="ctr"/>
+            <a:r>
+              <a:rPr lang="en-US" smtClean="0">
+                <a:solidFill>
+                  <a:schemeClr val="tx1"/>
+                </a:solidFill>
+                <a:latin typeface="Consolas" panose="020B0609020204030204" pitchFamily="49" charset="0"/>
+              </a:rPr>
+              <a:t>Monotonic buffer</a:t>
+            </a:r>
+            <a:endParaRPr lang="en-US">
+              <a:solidFill>
+                <a:schemeClr val="tx1"/>
+              </a:solidFill>
+              <a:latin typeface="Consolas" panose="020B0609020204030204" pitchFamily="49" charset="0"/>
+            </a:endParaRPr>
           </a:p>
         </p:txBody>
       </p:sp>
     </p:spTree>
     <p:extLst>
       <p:ext uri="{BB962C8B-B14F-4D97-AF65-F5344CB8AC3E}">
-        <p14:creationId xmlns:p14="http://schemas.microsoft.com/office/powerpoint/2010/main" val="4077178870"/>
+        <p14:creationId xmlns:p14="http://schemas.microsoft.com/office/powerpoint/2010/main" val="310075412"/>
       </p:ext>
     </p:extLst>
   </p:cSld>
@@ -10197,6 +11396,29 @@
       </p:grpSpPr>
       <p:sp>
         <p:nvSpPr>
+          <p:cNvPr id="2" name="Title 1"/>
+          <p:cNvSpPr>
+            <a:spLocks noGrp="1"/>
+          </p:cNvSpPr>
+          <p:nvPr>
+            <p:ph type="title"/>
+          </p:nvPr>
+        </p:nvSpPr>
+        <p:spPr/>
+        <p:txBody>
+          <a:bodyPr/>
+          <a:lstStyle/>
+          <a:p>
+            <a:r>
+              <a:rPr lang="ru-RU" smtClean="0"/>
+              <a:t>Интригующий пример</a:t>
+            </a:r>
+            <a:endParaRPr lang="en-US"/>
+          </a:p>
+        </p:txBody>
+      </p:sp>
+      <p:sp>
+        <p:nvSpPr>
           <p:cNvPr id="3" name="Content Placeholder 2"/>
           <p:cNvSpPr>
             <a:spLocks noGrp="1"/>
@@ -10205,92 +11427,308 @@
             <p:ph idx="1"/>
           </p:nvPr>
         </p:nvSpPr>
-        <p:spPr>
-          <a:xfrm>
-            <a:off x="1143000" y="742122"/>
-            <a:ext cx="9872871" cy="5353878"/>
-          </a:xfrm>
-        </p:spPr>
-        <p:txBody>
-          <a:bodyPr>
-            <a:noAutofit/>
-          </a:bodyPr>
-          <a:lstStyle/>
-          <a:p>
-            <a:pPr>
-              <a:lnSpc>
-                <a:spcPct val="150000"/>
-              </a:lnSpc>
-              <a:buFont typeface="Wingdings" panose="05000000000000000000" pitchFamily="2" charset="2"/>
-              <a:buChar char="q"/>
+        <p:spPr/>
+        <p:txBody>
+          <a:bodyPr/>
+          <a:lstStyle/>
+          <a:p>
+            <a:r>
+              <a:rPr lang="ru-RU" smtClean="0"/>
+              <a:t>Следующий пример почти возможен в </a:t>
+            </a:r>
+            <a:r>
+              <a:rPr lang="en-US" smtClean="0"/>
+              <a:t>C++</a:t>
+            </a:r>
+            <a:r>
+              <a:rPr lang="en-US" smtClean="0">
+                <a:latin typeface="Consolas" panose="020B0609020204030204" pitchFamily="49" charset="0"/>
+              </a:rPr>
+              <a:t>17</a:t>
+            </a:r>
+            <a:endParaRPr lang="ru-RU" smtClean="0">
+              <a:latin typeface="Consolas" panose="020B0609020204030204" pitchFamily="49" charset="0"/>
+            </a:endParaRPr>
+          </a:p>
+          <a:p>
+            <a:pPr marL="45720" indent="0">
+              <a:buNone/>
             </a:pPr>
             <a:r>
-              <a:rPr lang="ru-RU" sz="4800" smtClean="0"/>
-              <a:t>  Плохая репутация аллокаторов</a:t>
-            </a:r>
-          </a:p>
-          <a:p>
-            <a:pPr>
-              <a:lnSpc>
-                <a:spcPct val="150000"/>
-              </a:lnSpc>
-              <a:buFont typeface="Wingdings" panose="05000000000000000000" pitchFamily="2" charset="2"/>
-              <a:buChar char="q"/>
+              <a:rPr lang="en-US" smtClean="0">
+                <a:latin typeface="Consolas" panose="020B0609020204030204" pitchFamily="49" charset="0"/>
+              </a:rPr>
+              <a:t>constexpr </a:t>
+            </a:r>
+            <a:r>
+              <a:rPr lang="en-US">
+                <a:latin typeface="Consolas" panose="020B0609020204030204" pitchFamily="49" charset="0"/>
+              </a:rPr>
+              <a:t>size_t sz = 1000 * sizeof(double</a:t>
+            </a:r>
+            <a:r>
+              <a:rPr lang="en-US" smtClean="0">
+                <a:latin typeface="Consolas" panose="020B0609020204030204" pitchFamily="49" charset="0"/>
+              </a:rPr>
+              <a:t>);</a:t>
+            </a:r>
+            <a:r>
+              <a:rPr lang="ru-RU" smtClean="0">
+                <a:latin typeface="Consolas" panose="020B0609020204030204" pitchFamily="49" charset="0"/>
+              </a:rPr>
+              <a:t/>
+            </a:r>
+            <a:br>
+              <a:rPr lang="ru-RU" smtClean="0">
+                <a:latin typeface="Consolas" panose="020B0609020204030204" pitchFamily="49" charset="0"/>
+              </a:rPr>
+            </a:br>
+            <a:r>
+              <a:rPr lang="en-US" smtClean="0">
+                <a:latin typeface="Consolas" panose="020B0609020204030204" pitchFamily="49" charset="0"/>
+              </a:rPr>
+              <a:t>char </a:t>
+            </a:r>
+            <a:r>
+              <a:rPr lang="en-US">
+                <a:latin typeface="Consolas" panose="020B0609020204030204" pitchFamily="49" charset="0"/>
+              </a:rPr>
+              <a:t>buffer[sz] alignas(double</a:t>
+            </a:r>
+            <a:r>
+              <a:rPr lang="en-US" smtClean="0">
+                <a:latin typeface="Consolas" panose="020B0609020204030204" pitchFamily="49" charset="0"/>
+              </a:rPr>
+              <a:t>);</a:t>
+            </a:r>
+            <a:endParaRPr lang="en-US">
+              <a:latin typeface="Consolas" panose="020B0609020204030204" pitchFamily="49" charset="0"/>
+            </a:endParaRPr>
+          </a:p>
+          <a:p>
+            <a:pPr marL="45720" indent="0">
+              <a:buNone/>
             </a:pPr>
             <a:r>
-              <a:rPr lang="ru-RU" sz="4800" smtClean="0"/>
-              <a:t>  Полиморфные аллокаторы</a:t>
-            </a:r>
-          </a:p>
-          <a:p>
-            <a:pPr>
-              <a:lnSpc>
-                <a:spcPct val="150000"/>
-              </a:lnSpc>
-              <a:buFont typeface="Wingdings" panose="05000000000000000000" pitchFamily="2" charset="2"/>
-              <a:buChar char="Ø"/>
+              <a:rPr lang="en-US" smtClean="0">
+                <a:solidFill>
+                  <a:srgbClr val="0000FF"/>
+                </a:solidFill>
+                <a:latin typeface="Consolas" panose="020B0609020204030204" pitchFamily="49" charset="0"/>
+              </a:rPr>
+              <a:t>pmr::monotonic_buffer_resource</a:t>
+            </a:r>
+            <a:r>
+              <a:rPr lang="en-US" smtClean="0">
+                <a:latin typeface="Consolas" panose="020B0609020204030204" pitchFamily="49" charset="0"/>
+              </a:rPr>
+              <a:t> </a:t>
+            </a:r>
+            <a:r>
+              <a:rPr lang="en-US">
+                <a:latin typeface="Consolas" panose="020B0609020204030204" pitchFamily="49" charset="0"/>
+              </a:rPr>
+              <a:t>alloc(buffer, sz</a:t>
+            </a:r>
+            <a:r>
+              <a:rPr lang="en-US" smtClean="0">
+                <a:latin typeface="Consolas" panose="020B0609020204030204" pitchFamily="49" charset="0"/>
+              </a:rPr>
+              <a:t>);</a:t>
+            </a:r>
+            <a:endParaRPr lang="en-US">
+              <a:latin typeface="Consolas" panose="020B0609020204030204" pitchFamily="49" charset="0"/>
+            </a:endParaRPr>
+          </a:p>
+          <a:p>
+            <a:pPr marL="45720" indent="0">
+              <a:buNone/>
             </a:pPr>
             <a:r>
-              <a:rPr lang="ru-RU" sz="4800" smtClean="0"/>
-              <a:t>  Собственный </a:t>
-            </a:r>
-            <a:r>
-              <a:rPr lang="en-US" sz="4800" smtClean="0"/>
-              <a:t>pmr </a:t>
-            </a:r>
-            <a:r>
-              <a:rPr lang="ru-RU" sz="4800" smtClean="0"/>
-              <a:t>контейнер</a:t>
-            </a:r>
-            <a:endParaRPr lang="en-US" sz="4800" smtClean="0"/>
-          </a:p>
-          <a:p>
-            <a:pPr>
-              <a:lnSpc>
-                <a:spcPct val="150000"/>
-              </a:lnSpc>
-              <a:buFont typeface="Wingdings" panose="05000000000000000000" pitchFamily="2" charset="2"/>
-              <a:buChar char="q"/>
-            </a:pPr>
-            <a:r>
-              <a:rPr lang="en-US" sz="4800"/>
+              <a:rPr lang="en-US" smtClean="0">
+                <a:latin typeface="Consolas" panose="020B0609020204030204" pitchFamily="49" charset="0"/>
+              </a:rPr>
+              <a:t>double </a:t>
+            </a:r>
+            <a:r>
+              <a:rPr lang="en-US">
+                <a:latin typeface="Consolas" panose="020B0609020204030204" pitchFamily="49" charset="0"/>
+              </a:rPr>
+              <a:t>start = </a:t>
+            </a:r>
+            <a:r>
+              <a:rPr lang="en-US" smtClean="0">
+                <a:latin typeface="Consolas" panose="020B0609020204030204" pitchFamily="49" charset="0"/>
+              </a:rPr>
+              <a:t>0.0;</a:t>
+            </a:r>
+            <a:r>
+              <a:rPr lang="ru-RU" smtClean="0">
+                <a:latin typeface="Consolas" panose="020B0609020204030204" pitchFamily="49" charset="0"/>
+              </a:rPr>
+              <a:t/>
+            </a:r>
+            <a:br>
+              <a:rPr lang="ru-RU" smtClean="0">
+                <a:latin typeface="Consolas" panose="020B0609020204030204" pitchFamily="49" charset="0"/>
+              </a:rPr>
+            </a:br>
+            <a:r>
+              <a:rPr lang="en-US" smtClean="0">
+                <a:solidFill>
+                  <a:srgbClr val="0000FF"/>
+                </a:solidFill>
+                <a:latin typeface="Consolas" panose="020B0609020204030204" pitchFamily="49" charset="0"/>
+              </a:rPr>
+              <a:t>pmr::vector</a:t>
+            </a:r>
+            <a:r>
+              <a:rPr lang="en-US" smtClean="0">
+                <a:latin typeface="Consolas" panose="020B0609020204030204" pitchFamily="49" charset="0"/>
+              </a:rPr>
+              <a:t>&lt;double</a:t>
+            </a:r>
+            <a:r>
+              <a:rPr lang="en-US">
+                <a:latin typeface="Consolas" panose="020B0609020204030204" pitchFamily="49" charset="0"/>
+              </a:rPr>
+              <a:t>&gt; v1(&amp;alloc</a:t>
+            </a:r>
+            <a:r>
+              <a:rPr lang="en-US" smtClean="0">
+                <a:latin typeface="Consolas" panose="020B0609020204030204" pitchFamily="49" charset="0"/>
+              </a:rPr>
+              <a:t>);</a:t>
+            </a:r>
+            <a:r>
+              <a:rPr lang="ru-RU" smtClean="0">
+                <a:latin typeface="Consolas" panose="020B0609020204030204" pitchFamily="49" charset="0"/>
+              </a:rPr>
+              <a:t/>
+            </a:r>
+            <a:br>
+              <a:rPr lang="ru-RU" smtClean="0">
+                <a:latin typeface="Consolas" panose="020B0609020204030204" pitchFamily="49" charset="0"/>
+              </a:rPr>
+            </a:br>
+            <a:r>
+              <a:rPr lang="en-US" smtClean="0">
+                <a:latin typeface="Consolas" panose="020B0609020204030204" pitchFamily="49" charset="0"/>
+              </a:rPr>
+              <a:t>generate_n(back_inserter(v1</a:t>
+            </a:r>
+            <a:r>
+              <a:rPr lang="en-US">
+                <a:latin typeface="Consolas" panose="020B0609020204030204" pitchFamily="49" charset="0"/>
+              </a:rPr>
+              <a:t>), 100, </a:t>
+            </a:r>
+            <a:r>
+              <a:rPr lang="ru-RU" smtClean="0">
+                <a:latin typeface="Consolas" panose="020B0609020204030204" pitchFamily="49" charset="0"/>
+              </a:rPr>
+              <a:t/>
+            </a:r>
+            <a:br>
+              <a:rPr lang="ru-RU" smtClean="0">
+                <a:latin typeface="Consolas" panose="020B0609020204030204" pitchFamily="49" charset="0"/>
+              </a:rPr>
+            </a:br>
+            <a:r>
+              <a:rPr lang="ru-RU" smtClean="0">
+                <a:latin typeface="Consolas" panose="020B0609020204030204" pitchFamily="49" charset="0"/>
+              </a:rPr>
+              <a:t>  </a:t>
+            </a:r>
+            <a:r>
+              <a:rPr lang="en-US" smtClean="0">
+                <a:latin typeface="Consolas" panose="020B0609020204030204" pitchFamily="49" charset="0"/>
+              </a:rPr>
+              <a:t>[</a:t>
+            </a:r>
+            <a:r>
+              <a:rPr lang="en-US">
+                <a:latin typeface="Consolas" panose="020B0609020204030204" pitchFamily="49" charset="0"/>
+              </a:rPr>
+              <a:t>start] () mutable { return (start += 1.1); });</a:t>
+            </a:r>
+            <a:endParaRPr lang="ru-RU" smtClean="0">
+              <a:latin typeface="Consolas" panose="020B0609020204030204" pitchFamily="49" charset="0"/>
+            </a:endParaRPr>
+          </a:p>
+          <a:p>
+            <a:r>
+              <a:rPr lang="ru-RU" smtClean="0"/>
+              <a:t>В этом примере</a:t>
+            </a:r>
+            <a:r>
+              <a:rPr lang="en-US" smtClean="0"/>
               <a:t> </a:t>
             </a:r>
             <a:r>
-              <a:rPr lang="ru-RU" sz="4800"/>
-              <a:t> </a:t>
-            </a:r>
-            <a:r>
-              <a:rPr lang="ru-RU" sz="4800" smtClean="0"/>
-              <a:t>Аллокатор Хинанта</a:t>
-            </a:r>
+              <a:rPr lang="ru-RU" smtClean="0"/>
+              <a:t>средне </a:t>
+            </a:r>
+            <a:r>
+              <a:rPr lang="ru-RU" smtClean="0"/>
+              <a:t>интригующее </a:t>
+            </a:r>
+            <a:r>
+              <a:rPr lang="ru-RU" smtClean="0"/>
+              <a:t>то, что</a:t>
+            </a:r>
+            <a:r>
+              <a:rPr lang="en-US" smtClean="0"/>
+              <a:t> generate_n </a:t>
+            </a:r>
+            <a:r>
+              <a:rPr lang="ru-RU" smtClean="0"/>
+              <a:t>не вызывает никаких аллокаций </a:t>
+            </a:r>
+            <a:r>
+              <a:rPr lang="ru-RU" smtClean="0"/>
+              <a:t>памяти</a:t>
+            </a:r>
+            <a:r>
+              <a:rPr lang="en-US" smtClean="0"/>
+              <a:t>, </a:t>
+            </a:r>
+            <a:r>
+              <a:rPr lang="ru-RU" smtClean="0"/>
+              <a:t>см</a:t>
+            </a:r>
+            <a:r>
+              <a:rPr lang="ru-RU" smtClean="0"/>
+              <a:t>. </a:t>
+            </a:r>
+            <a:r>
+              <a:rPr lang="en-US" smtClean="0"/>
+              <a:t>case study </a:t>
+            </a:r>
+            <a:r>
+              <a:rPr lang="en-US" smtClean="0">
+                <a:latin typeface="Consolas" panose="020B0609020204030204" pitchFamily="49" charset="0"/>
+              </a:rPr>
+              <a:t>04-memresource.cc</a:t>
+            </a:r>
+          </a:p>
+          <a:p>
+            <a:r>
+              <a:rPr lang="ru-RU" smtClean="0"/>
+              <a:t>Но есть и ещё более интригующий вопрос: что такое </a:t>
+            </a:r>
+            <a:r>
+              <a:rPr lang="en-US" smtClean="0"/>
+              <a:t>pmr::vector?</a:t>
+            </a:r>
+            <a:endParaRPr lang="en-US"/>
           </a:p>
         </p:txBody>
       </p:sp>
     </p:spTree>
     <p:extLst>
       <p:ext uri="{BB962C8B-B14F-4D97-AF65-F5344CB8AC3E}">
-        <p14:creationId xmlns:p14="http://schemas.microsoft.com/office/powerpoint/2010/main" val="2930781051"/>
+        <p14:creationId xmlns:p14="http://schemas.microsoft.com/office/powerpoint/2010/main" val="202987846"/>
       </p:ext>
     </p:extLst>
   </p:cSld>
@@ -10332,6 +11770,14 @@
           <a:bodyPr/>
           <a:lstStyle/>
           <a:p>
+            <a:r>
+              <a:rPr lang="ru-RU" smtClean="0"/>
+              <a:t>Абстракция </a:t>
+            </a:r>
+            <a:r>
+              <a:rPr lang="ru-RU" smtClean="0"/>
+              <a:t>аллокатора</a:t>
+            </a:r>
             <a:endParaRPr lang="en-US"/>
           </a:p>
         </p:txBody>
@@ -10352,24 +11798,236 @@
           <a:lstStyle/>
           <a:p>
             <a:r>
-              <a:rPr lang="en-US"/>
-              <a:t>https://</a:t>
-            </a:r>
-            <a:r>
-              <a:rPr lang="en-US" smtClean="0"/>
-              <a:t>www.youtube.com/watch?v=v3dz-AKOVL8</a:t>
+              <a:rPr lang="ru-RU" smtClean="0"/>
+              <a:t>К сожалению, </a:t>
+            </a:r>
+            <a:r>
+              <a:rPr lang="en-US" smtClean="0"/>
+              <a:t>memory_resource, </a:t>
+            </a:r>
+            <a:r>
+              <a:rPr lang="ru-RU" smtClean="0"/>
+              <a:t>каким он введён в </a:t>
+            </a:r>
+            <a:r>
+              <a:rPr lang="en-US" smtClean="0"/>
+              <a:t>C++</a:t>
+            </a:r>
+            <a:r>
+              <a:rPr lang="en-US" smtClean="0">
+                <a:latin typeface="Consolas" panose="020B0609020204030204" pitchFamily="49" charset="0"/>
+              </a:rPr>
+              <a:t>17</a:t>
+            </a:r>
+            <a:r>
+              <a:rPr lang="en-US" smtClean="0"/>
+              <a:t> </a:t>
+            </a:r>
+            <a:r>
+              <a:rPr lang="ru-RU" smtClean="0"/>
+              <a:t>не совпадает с интерфейсов аллокаторов, которые уже есть во всех контейнерах</a:t>
+            </a:r>
+          </a:p>
+          <a:p>
+            <a:r>
+              <a:rPr lang="ru-RU" smtClean="0"/>
+              <a:t>Идея сделать к нему адаптер, который является честным </a:t>
+            </a:r>
+            <a:r>
+              <a:rPr lang="en-US" smtClean="0"/>
+              <a:t>C++</a:t>
+            </a:r>
+            <a:r>
+              <a:rPr lang="en-US" smtClean="0">
+                <a:latin typeface="Consolas" panose="020B0609020204030204" pitchFamily="49" charset="0"/>
+              </a:rPr>
+              <a:t>11</a:t>
+            </a:r>
+            <a:r>
+              <a:rPr lang="en-US" smtClean="0"/>
+              <a:t> </a:t>
+            </a:r>
+            <a:r>
+              <a:rPr lang="ru-RU" smtClean="0"/>
+              <a:t>аллокатором</a:t>
+            </a:r>
+            <a:endParaRPr lang="en-US" smtClean="0"/>
+          </a:p>
+          <a:p>
+            <a:pPr marL="45720" indent="0">
+              <a:buNone/>
+            </a:pPr>
+            <a:r>
+              <a:rPr lang="en-US">
+                <a:latin typeface="Consolas" panose="020B0609020204030204" pitchFamily="49" charset="0"/>
+              </a:rPr>
+              <a:t>template&lt;typename T&gt; </a:t>
+            </a:r>
+            <a:r>
+              <a:rPr lang="en-US">
+                <a:latin typeface="Consolas" panose="020B0609020204030204" pitchFamily="49" charset="0"/>
+              </a:rPr>
+              <a:t>struct </a:t>
+            </a:r>
+            <a:r>
+              <a:rPr lang="en-US" smtClean="0">
+                <a:latin typeface="Consolas" panose="020B0609020204030204" pitchFamily="49" charset="0"/>
+              </a:rPr>
+              <a:t>polymorphic_allocator {</a:t>
+            </a:r>
+            <a:endParaRPr lang="en-US" smtClean="0">
+              <a:latin typeface="Consolas" panose="020B0609020204030204" pitchFamily="49" charset="0"/>
+            </a:endParaRPr>
+          </a:p>
+          <a:p>
+            <a:pPr marL="45720" indent="0">
+              <a:buNone/>
+            </a:pPr>
+            <a:r>
+              <a:rPr lang="en-US" smtClean="0">
+                <a:latin typeface="Consolas" panose="020B0609020204030204" pitchFamily="49" charset="0"/>
+              </a:rPr>
+              <a:t>  polymorphic_allocator();</a:t>
+            </a:r>
+            <a:br>
+              <a:rPr lang="en-US" smtClean="0">
+                <a:latin typeface="Consolas" panose="020B0609020204030204" pitchFamily="49" charset="0"/>
+              </a:rPr>
+            </a:br>
+            <a:r>
+              <a:rPr lang="en-US" smtClean="0">
+                <a:latin typeface="Consolas" panose="020B0609020204030204" pitchFamily="49" charset="0"/>
+              </a:rPr>
+              <a:t>  polymorphic_allocator(</a:t>
+            </a:r>
+            <a:r>
+              <a:rPr lang="en-US" smtClean="0">
+                <a:solidFill>
+                  <a:srgbClr val="0000FF"/>
+                </a:solidFill>
+                <a:latin typeface="Consolas" panose="020B0609020204030204" pitchFamily="49" charset="0"/>
+              </a:rPr>
+              <a:t>memory_resource *mr</a:t>
+            </a:r>
+            <a:r>
+              <a:rPr lang="en-US" smtClean="0">
+                <a:latin typeface="Consolas" panose="020B0609020204030204" pitchFamily="49" charset="0"/>
+              </a:rPr>
+              <a:t>);</a:t>
+            </a:r>
+          </a:p>
+          <a:p>
+            <a:pPr marL="45720" indent="0">
+              <a:buNone/>
+            </a:pPr>
+            <a:r>
+              <a:rPr lang="ru-RU" smtClean="0">
+                <a:latin typeface="Consolas" panose="020B0609020204030204" pitchFamily="49" charset="0"/>
+              </a:rPr>
+              <a:t>  </a:t>
+            </a:r>
+            <a:r>
+              <a:rPr lang="en-US">
+                <a:latin typeface="Consolas" panose="020B0609020204030204" pitchFamily="49" charset="0"/>
+              </a:rPr>
+              <a:t>T*</a:t>
+            </a:r>
+            <a:r>
+              <a:rPr lang="en-US">
+                <a:solidFill>
+                  <a:srgbClr val="FF0000"/>
+                </a:solidFill>
+                <a:latin typeface="Consolas" panose="020B0609020204030204" pitchFamily="49" charset="0"/>
+              </a:rPr>
+              <a:t> </a:t>
+            </a:r>
+            <a:r>
+              <a:rPr lang="en-US">
+                <a:latin typeface="Consolas" panose="020B0609020204030204" pitchFamily="49" charset="0"/>
+              </a:rPr>
+              <a:t>allocate (size_t n</a:t>
+            </a:r>
+            <a:r>
+              <a:rPr lang="ru-RU">
+                <a:latin typeface="Consolas" panose="020B0609020204030204" pitchFamily="49" charset="0"/>
+              </a:rPr>
+              <a:t>)</a:t>
+            </a:r>
+            <a:r>
+              <a:rPr lang="en-US">
+                <a:latin typeface="Consolas" panose="020B0609020204030204" pitchFamily="49" charset="0"/>
+              </a:rPr>
+              <a:t>;</a:t>
+            </a:r>
+            <a:r>
+              <a:rPr lang="ru-RU">
+                <a:latin typeface="Consolas" panose="020B0609020204030204" pitchFamily="49" charset="0"/>
+              </a:rPr>
+              <a:t/>
+            </a:r>
+            <a:br>
+              <a:rPr lang="ru-RU">
+                <a:latin typeface="Consolas" panose="020B0609020204030204" pitchFamily="49" charset="0"/>
+              </a:rPr>
+            </a:br>
+            <a:r>
+              <a:rPr lang="en-US">
+                <a:latin typeface="Consolas" panose="020B0609020204030204" pitchFamily="49" charset="0"/>
+              </a:rPr>
+              <a:t>  void deallocate(T* p, size_t </a:t>
+            </a:r>
+            <a:r>
+              <a:rPr lang="en-US">
+                <a:latin typeface="Consolas" panose="020B0609020204030204" pitchFamily="49" charset="0"/>
+              </a:rPr>
+              <a:t>n</a:t>
+            </a:r>
+            <a:r>
+              <a:rPr lang="en-US" smtClean="0">
+                <a:latin typeface="Consolas" panose="020B0609020204030204" pitchFamily="49" charset="0"/>
+              </a:rPr>
+              <a:t>);</a:t>
+            </a:r>
+            <a:br>
+              <a:rPr lang="en-US" smtClean="0">
+                <a:latin typeface="Consolas" panose="020B0609020204030204" pitchFamily="49" charset="0"/>
+              </a:rPr>
+            </a:br>
+            <a:r>
+              <a:rPr lang="en-US" smtClean="0">
+                <a:latin typeface="Consolas" panose="020B0609020204030204" pitchFamily="49" charset="0"/>
+              </a:rPr>
+              <a:t>  // </a:t>
+            </a:r>
+            <a:r>
+              <a:rPr lang="ru-RU" smtClean="0">
+                <a:latin typeface="Consolas" panose="020B0609020204030204" pitchFamily="49" charset="0"/>
+              </a:rPr>
+              <a:t>и так далее</a:t>
+            </a:r>
+            <a:r>
+              <a:rPr lang="ru-RU">
+                <a:latin typeface="Consolas" panose="020B0609020204030204" pitchFamily="49" charset="0"/>
+              </a:rPr>
+              <a:t/>
+            </a:r>
+            <a:br>
+              <a:rPr lang="ru-RU">
+                <a:latin typeface="Consolas" panose="020B0609020204030204" pitchFamily="49" charset="0"/>
+              </a:rPr>
+            </a:br>
+            <a:r>
+              <a:rPr lang="en-US" smtClean="0">
+                <a:latin typeface="Consolas" panose="020B0609020204030204" pitchFamily="49" charset="0"/>
+              </a:rPr>
+              <a:t>};</a:t>
             </a:r>
             <a:endParaRPr lang="ru-RU" smtClean="0"/>
           </a:p>
           <a:p>
-            <a:r>
-              <a:rPr lang="en-US" smtClean="0"/>
-              <a:t>slist </a:t>
-            </a:r>
-            <a:r>
-              <a:rPr lang="ru-RU" smtClean="0"/>
-              <a:t>около 39 минуты</a:t>
-            </a:r>
+            <a:pPr marL="45720" indent="0">
+              <a:buNone/>
+            </a:pPr>
             <a:endParaRPr lang="en-US"/>
           </a:p>
         </p:txBody>
@@ -10377,7 +12035,7 @@
     </p:spTree>
     <p:extLst>
       <p:ext uri="{BB962C8B-B14F-4D97-AF65-F5344CB8AC3E}">
-        <p14:creationId xmlns:p14="http://schemas.microsoft.com/office/powerpoint/2010/main" val="1236798388"/>
+        <p14:creationId xmlns:p14="http://schemas.microsoft.com/office/powerpoint/2010/main" val="3203119822"/>
       </p:ext>
     </p:extLst>
   </p:cSld>
@@ -10421,11 +12079,11 @@
           <a:p>
             <a:r>
               <a:rPr lang="ru-RU" smtClean="0"/>
-              <a:t>Возможное устройство узла </a:t>
-            </a:r>
-            <a:r>
-              <a:rPr lang="en-US" smtClean="0"/>
-              <a:t>slist</a:t>
+              <a:t>Пространство имён </a:t>
+            </a:r>
+            <a:r>
+              <a:rPr lang="en-US" smtClean="0"/>
+              <a:t>pmr</a:t>
             </a:r>
             <a:endParaRPr lang="en-US"/>
           </a:p>
@@ -10448,7 +12106,15 @@
           <a:p>
             <a:r>
               <a:rPr lang="ru-RU" smtClean="0"/>
-              <a:t>Устройство узла для такого контейнера</a:t>
+              <a:t>Теперь посмотрим как будет выглядеть вектор</a:t>
+            </a:r>
+            <a:r>
+              <a:rPr lang="en-US" smtClean="0"/>
+              <a:t> </a:t>
+            </a:r>
+            <a:r>
+              <a:rPr lang="ru-RU" smtClean="0"/>
+              <a:t>с таким аллокатором</a:t>
             </a:r>
           </a:p>
           <a:p>
@@ -10459,13 +12125,168 @@
               <a:rPr lang="en-US">
                 <a:latin typeface="Consolas" panose="020B0609020204030204" pitchFamily="49" charset="0"/>
               </a:rPr>
-              <a:t>template &lt;typename Tp&gt; struct </a:t>
-            </a:r>
-            <a:r>
-              <a:rPr lang="en-US" smtClean="0">
-                <a:latin typeface="Consolas" panose="020B0609020204030204" pitchFamily="49" charset="0"/>
-              </a:rPr>
-              <a:t>node;</a:t>
+              <a:t>namespace </a:t>
+            </a:r>
+            <a:r>
+              <a:rPr lang="en-US">
+                <a:latin typeface="Consolas" panose="020B0609020204030204" pitchFamily="49" charset="0"/>
+              </a:rPr>
+              <a:t>pmr </a:t>
+            </a:r>
+            <a:r>
+              <a:rPr lang="en-US" smtClean="0">
+                <a:latin typeface="Consolas" panose="020B0609020204030204" pitchFamily="49" charset="0"/>
+              </a:rPr>
+              <a:t>{</a:t>
+            </a:r>
+            <a:r>
+              <a:rPr lang="ru-RU">
+                <a:latin typeface="Consolas" panose="020B0609020204030204" pitchFamily="49" charset="0"/>
+              </a:rPr>
+              <a:t/>
+            </a:r>
+            <a:br>
+              <a:rPr lang="ru-RU">
+                <a:latin typeface="Consolas" panose="020B0609020204030204" pitchFamily="49" charset="0"/>
+              </a:rPr>
+            </a:br>
+            <a:r>
+              <a:rPr lang="ru-RU" smtClean="0">
+                <a:latin typeface="Consolas" panose="020B0609020204030204" pitchFamily="49" charset="0"/>
+              </a:rPr>
+              <a:t>  </a:t>
+            </a:r>
+            <a:r>
+              <a:rPr lang="en-US" smtClean="0">
+                <a:latin typeface="Consolas" panose="020B0609020204030204" pitchFamily="49" charset="0"/>
+              </a:rPr>
+              <a:t>template </a:t>
+            </a:r>
+            <a:r>
+              <a:rPr lang="en-US">
+                <a:latin typeface="Consolas" panose="020B0609020204030204" pitchFamily="49" charset="0"/>
+              </a:rPr>
+              <a:t>&lt;</a:t>
+            </a:r>
+            <a:r>
+              <a:rPr lang="en-US">
+                <a:latin typeface="Consolas" panose="020B0609020204030204" pitchFamily="49" charset="0"/>
+              </a:rPr>
+              <a:t>class </a:t>
+            </a:r>
+            <a:r>
+              <a:rPr lang="en-US" smtClean="0">
+                <a:latin typeface="Consolas" panose="020B0609020204030204" pitchFamily="49" charset="0"/>
+              </a:rPr>
+              <a:t>T&gt;</a:t>
+            </a:r>
+            <a:r>
+              <a:rPr lang="ru-RU" smtClean="0">
+                <a:latin typeface="Consolas" panose="020B0609020204030204" pitchFamily="49" charset="0"/>
+              </a:rPr>
+              <a:t> </a:t>
+            </a:r>
+            <a:r>
+              <a:rPr lang="en-US" smtClean="0">
+                <a:latin typeface="Consolas" panose="020B0609020204030204" pitchFamily="49" charset="0"/>
+              </a:rPr>
+              <a:t>using </a:t>
+            </a:r>
+            <a:r>
+              <a:rPr lang="en-US">
+                <a:latin typeface="Consolas" panose="020B0609020204030204" pitchFamily="49" charset="0"/>
+              </a:rPr>
+              <a:t>vector </a:t>
+            </a:r>
+            <a:r>
+              <a:rPr lang="en-US">
+                <a:latin typeface="Consolas" panose="020B0609020204030204" pitchFamily="49" charset="0"/>
+              </a:rPr>
+              <a:t>= </a:t>
+            </a:r>
+            <a:r>
+              <a:rPr lang="ru-RU" smtClean="0">
+                <a:latin typeface="Consolas" panose="020B0609020204030204" pitchFamily="49" charset="0"/>
+              </a:rPr>
+              <a:t/>
+            </a:r>
+            <a:br>
+              <a:rPr lang="ru-RU" smtClean="0">
+                <a:latin typeface="Consolas" panose="020B0609020204030204" pitchFamily="49" charset="0"/>
+              </a:rPr>
+            </a:br>
+            <a:r>
+              <a:rPr lang="ru-RU" smtClean="0">
+                <a:latin typeface="Consolas" panose="020B0609020204030204" pitchFamily="49" charset="0"/>
+              </a:rPr>
+              <a:t>    </a:t>
+            </a:r>
+            <a:r>
+              <a:rPr lang="en-US" smtClean="0">
+                <a:latin typeface="Consolas" panose="020B0609020204030204" pitchFamily="49" charset="0"/>
+              </a:rPr>
+              <a:t>::std</a:t>
+            </a:r>
+            <a:r>
+              <a:rPr lang="en-US">
+                <a:latin typeface="Consolas" panose="020B0609020204030204" pitchFamily="49" charset="0"/>
+              </a:rPr>
+              <a:t>::vector&lt;T, std::pmr::</a:t>
+            </a:r>
+            <a:r>
+              <a:rPr lang="en-US">
+                <a:latin typeface="Consolas" panose="020B0609020204030204" pitchFamily="49" charset="0"/>
+              </a:rPr>
+              <a:t>polymorphic_allocator&lt;T</a:t>
+            </a:r>
+            <a:r>
+              <a:rPr lang="en-US" smtClean="0">
+                <a:latin typeface="Consolas" panose="020B0609020204030204" pitchFamily="49" charset="0"/>
+              </a:rPr>
+              <a:t>&gt;&gt;;</a:t>
+            </a:r>
+            <a:br>
+              <a:rPr lang="en-US" smtClean="0">
+                <a:latin typeface="Consolas" panose="020B0609020204030204" pitchFamily="49" charset="0"/>
+              </a:rPr>
+            </a:br>
+            <a:r>
+              <a:rPr lang="en-US" smtClean="0">
+                <a:latin typeface="Consolas" panose="020B0609020204030204" pitchFamily="49" charset="0"/>
+              </a:rPr>
+              <a:t>}</a:t>
+            </a:r>
+            <a:endParaRPr lang="ru-RU" smtClean="0">
+              <a:latin typeface="Consolas" panose="020B0609020204030204" pitchFamily="49" charset="0"/>
+            </a:endParaRPr>
+          </a:p>
+          <a:p>
+            <a:r>
+              <a:rPr lang="ru-RU" smtClean="0"/>
+              <a:t>Начиная с </a:t>
+            </a:r>
+            <a:r>
+              <a:rPr lang="en-US" smtClean="0"/>
+              <a:t>C++17 </a:t>
+            </a:r>
+            <a:r>
+              <a:rPr lang="ru-RU" smtClean="0"/>
+              <a:t>в пространство имён </a:t>
+            </a:r>
+            <a:r>
+              <a:rPr lang="en-US" smtClean="0"/>
+              <a:t>pmr </a:t>
+            </a:r>
+            <a:r>
+              <a:rPr lang="ru-RU" smtClean="0"/>
+              <a:t>затащена вся стандартная библиотека с полиморфной аллокацией</a:t>
+            </a:r>
+            <a:endParaRPr lang="en-US" smtClean="0"/>
+          </a:p>
+          <a:p>
+            <a:r>
+              <a:rPr lang="ru-RU" smtClean="0"/>
+              <a:t>Использование мы уже видели ранее</a:t>
             </a:r>
           </a:p>
           <a:p>
@@ -10473,55 +12294,10 @@
               <a:buNone/>
             </a:pPr>
             <a:r>
-              <a:rPr lang="en-US" smtClean="0">
-                <a:latin typeface="Consolas" panose="020B0609020204030204" pitchFamily="49" charset="0"/>
-              </a:rPr>
-              <a:t>template &lt;typename Tp&gt; struct node_base {</a:t>
-            </a:r>
-            <a:br>
-              <a:rPr lang="en-US" smtClean="0">
-                <a:latin typeface="Consolas" panose="020B0609020204030204" pitchFamily="49" charset="0"/>
-              </a:rPr>
-            </a:br>
-            <a:r>
-              <a:rPr lang="en-US" smtClean="0">
-                <a:latin typeface="Consolas" panose="020B0609020204030204" pitchFamily="49" charset="0"/>
-              </a:rPr>
-              <a:t>  node&lt;Tp&gt; *m_next = nullptr;</a:t>
-            </a:r>
-            <a:br>
-              <a:rPr lang="en-US" smtClean="0">
-                <a:latin typeface="Consolas" panose="020B0609020204030204" pitchFamily="49" charset="0"/>
-              </a:rPr>
-            </a:br>
-            <a:r>
-              <a:rPr lang="en-US" smtClean="0">
-                <a:latin typeface="Consolas" panose="020B0609020204030204" pitchFamily="49" charset="0"/>
-              </a:rPr>
-              <a:t>  // </a:t>
-            </a:r>
-            <a:r>
-              <a:rPr lang="ru-RU" smtClean="0">
-                <a:latin typeface="Consolas" panose="020B0609020204030204" pitchFamily="49" charset="0"/>
-              </a:rPr>
-              <a:t>тут явно запрещены копирование и присваивание</a:t>
-            </a:r>
-            <a:r>
-              <a:rPr lang="en-US" smtClean="0">
-                <a:latin typeface="Consolas" panose="020B0609020204030204" pitchFamily="49" charset="0"/>
-              </a:rPr>
-              <a:t/>
-            </a:r>
-            <a:br>
-              <a:rPr lang="en-US" smtClean="0">
-                <a:latin typeface="Consolas" panose="020B0609020204030204" pitchFamily="49" charset="0"/>
-              </a:rPr>
-            </a:br>
-            <a:r>
-              <a:rPr lang="en-US" smtClean="0">
-                <a:latin typeface="Consolas" panose="020B0609020204030204" pitchFamily="49" charset="0"/>
-              </a:rPr>
-              <a:t>};</a:t>
+              <a:rPr lang="en-US">
+                <a:latin typeface="Consolas" panose="020B0609020204030204" pitchFamily="49" charset="0"/>
+              </a:rPr>
+              <a:t>pmr::monotonic_buffer_resource alloc(buffer, sz);</a:t>
             </a:r>
           </a:p>
           <a:p>
@@ -10529,68 +12305,37 @@
               <a:buNone/>
             </a:pPr>
             <a:r>
-              <a:rPr lang="en-US">
-                <a:latin typeface="Consolas" panose="020B0609020204030204" pitchFamily="49" charset="0"/>
-              </a:rPr>
-              <a:t>template &lt;typename Tp&gt; struct </a:t>
-            </a:r>
-            <a:r>
-              <a:rPr lang="en-US" smtClean="0">
-                <a:latin typeface="Consolas" panose="020B0609020204030204" pitchFamily="49" charset="0"/>
-              </a:rPr>
-              <a:t>node : node_base&lt;Tp&gt; {</a:t>
-            </a:r>
-            <a:br>
-              <a:rPr lang="en-US" smtClean="0">
-                <a:latin typeface="Consolas" panose="020B0609020204030204" pitchFamily="49" charset="0"/>
-              </a:rPr>
-            </a:br>
-            <a:r>
-              <a:rPr lang="en-US" smtClean="0">
-                <a:latin typeface="Consolas" panose="020B0609020204030204" pitchFamily="49" charset="0"/>
-              </a:rPr>
-              <a:t>  Tp m_value</a:t>
-            </a:r>
-            <a:r>
-              <a:rPr lang="en-US">
-                <a:latin typeface="Consolas" panose="020B0609020204030204" pitchFamily="49" charset="0"/>
-              </a:rPr>
-              <a:t>;</a:t>
-            </a:r>
-            <a:r>
-              <a:rPr lang="en-US" smtClean="0">
-                <a:latin typeface="Consolas" panose="020B0609020204030204" pitchFamily="49" charset="0"/>
-              </a:rPr>
-              <a:t/>
-            </a:r>
-            <a:br>
-              <a:rPr lang="en-US" smtClean="0">
-                <a:latin typeface="Consolas" panose="020B0609020204030204" pitchFamily="49" charset="0"/>
-              </a:rPr>
-            </a:br>
-            <a:r>
-              <a:rPr lang="en-US" smtClean="0">
-                <a:latin typeface="Consolas" panose="020B0609020204030204" pitchFamily="49" charset="0"/>
-              </a:rPr>
-              <a:t>};</a:t>
-            </a:r>
-          </a:p>
-          <a:p>
-            <a:r>
-              <a:rPr lang="ru-RU" smtClean="0"/>
-              <a:t>Увы довольно сложно угадать разумное значение по умолчанию для </a:t>
-            </a:r>
-            <a:r>
-              <a:rPr lang="en-US" smtClean="0"/>
-              <a:t>m_value.</a:t>
-            </a:r>
+              <a:rPr lang="en-US" smtClean="0">
+                <a:latin typeface="Consolas" panose="020B0609020204030204" pitchFamily="49" charset="0"/>
+              </a:rPr>
+              <a:t>pmr</a:t>
+            </a:r>
+            <a:r>
+              <a:rPr lang="en-US">
+                <a:latin typeface="Consolas" panose="020B0609020204030204" pitchFamily="49" charset="0"/>
+              </a:rPr>
+              <a:t>::vector&lt;double&gt; v1(&amp;</a:t>
+            </a:r>
+            <a:r>
+              <a:rPr lang="en-US">
+                <a:latin typeface="Consolas" panose="020B0609020204030204" pitchFamily="49" charset="0"/>
+              </a:rPr>
+              <a:t>alloc</a:t>
+            </a:r>
+            <a:r>
+              <a:rPr lang="en-US" smtClean="0">
+                <a:latin typeface="Consolas" panose="020B0609020204030204" pitchFamily="49" charset="0"/>
+              </a:rPr>
+              <a:t>);</a:t>
+            </a:r>
+            <a:endParaRPr lang="en-US"/>
           </a:p>
         </p:txBody>
       </p:sp>
     </p:spTree>
     <p:extLst>
       <p:ext uri="{BB962C8B-B14F-4D97-AF65-F5344CB8AC3E}">
-        <p14:creationId xmlns:p14="http://schemas.microsoft.com/office/powerpoint/2010/main" val="3594350683"/>
+        <p14:creationId xmlns:p14="http://schemas.microsoft.com/office/powerpoint/2010/main" val="3905356245"/>
       </p:ext>
     </p:extLst>
   </p:cSld>
@@ -10633,12 +12378,16 @@
           <a:lstStyle/>
           <a:p>
             <a:r>
-              <a:rPr lang="ru-RU" smtClean="0"/>
-              <a:t>Трюк с </a:t>
-            </a:r>
-            <a:r>
-              <a:rPr lang="en-US" smtClean="0"/>
-              <a:t>union</a:t>
+              <a:rPr lang="en-US" smtClean="0"/>
+              <a:t>Case study: </a:t>
+            </a:r>
+            <a:r>
+              <a:rPr lang="ru-RU" smtClean="0"/>
+              <a:t>тестовый </a:t>
+            </a:r>
+            <a:r>
+              <a:rPr lang="en-US" smtClean="0"/>
+              <a:t>memory resource</a:t>
             </a:r>
             <a:endParaRPr lang="en-US"/>
           </a:p>
@@ -10661,24 +12410,145 @@
           <a:p>
             <a:r>
               <a:rPr lang="ru-RU" smtClean="0"/>
-              <a:t>Устройство узла для такого контейнера</a:t>
-            </a:r>
+              <a:t>Тестовый ресурс памяти проверяет что аллокация соответствует деаллокации и проверяет утечки</a:t>
+            </a:r>
+            <a:endParaRPr lang="en-US" smtClean="0"/>
           </a:p>
           <a:p>
             <a:pPr marL="45720" indent="0">
               <a:buNone/>
             </a:pPr>
             <a:r>
-              <a:rPr lang="en-US">
-                <a:latin typeface="Consolas" panose="020B0609020204030204" pitchFamily="49" charset="0"/>
-              </a:rPr>
-              <a:t>template &lt;typename Tp&gt; struct </a:t>
-            </a:r>
-            <a:r>
-              <a:rPr lang="en-US" smtClean="0">
-                <a:latin typeface="Consolas" panose="020B0609020204030204" pitchFamily="49" charset="0"/>
-              </a:rPr>
-              <a:t>node;</a:t>
+              <a:rPr lang="en-US" smtClean="0">
+                <a:latin typeface="Consolas" panose="020B0609020204030204" pitchFamily="49" charset="0"/>
+              </a:rPr>
+              <a:t>struct </a:t>
+            </a:r>
+            <a:r>
+              <a:rPr lang="en-US">
+                <a:latin typeface="Consolas" panose="020B0609020204030204" pitchFamily="49" charset="0"/>
+              </a:rPr>
+              <a:t>test_resource : public pmr</a:t>
+            </a:r>
+            <a:r>
+              <a:rPr lang="en-US">
+                <a:latin typeface="Consolas" panose="020B0609020204030204" pitchFamily="49" charset="0"/>
+              </a:rPr>
+              <a:t>::</a:t>
+            </a:r>
+            <a:r>
+              <a:rPr lang="en-US">
+                <a:latin typeface="Consolas" panose="020B0609020204030204" pitchFamily="49" charset="0"/>
+              </a:rPr>
+              <a:t>memory_resource {</a:t>
+            </a:r>
+            <a:r>
+              <a:rPr lang="en-US">
+                <a:latin typeface="Consolas" panose="020B0609020204030204" pitchFamily="49" charset="0"/>
+              </a:rPr>
+              <a:t/>
+            </a:r>
+            <a:br>
+              <a:rPr lang="en-US">
+                <a:latin typeface="Consolas" panose="020B0609020204030204" pitchFamily="49" charset="0"/>
+              </a:rPr>
+            </a:br>
+            <a:r>
+              <a:rPr lang="en-US" smtClean="0">
+                <a:latin typeface="Consolas" panose="020B0609020204030204" pitchFamily="49" charset="0"/>
+              </a:rPr>
+              <a:t>  // </a:t>
+            </a:r>
+            <a:r>
+              <a:rPr lang="ru-RU" smtClean="0">
+                <a:latin typeface="Consolas" panose="020B0609020204030204" pitchFamily="49" charset="0"/>
+              </a:rPr>
+              <a:t>тут всякий интерфейс</a:t>
+            </a:r>
+            <a:r>
+              <a:rPr lang="en-US" smtClean="0">
+                <a:latin typeface="Consolas" panose="020B0609020204030204" pitchFamily="49" charset="0"/>
+              </a:rPr>
+              <a:t/>
+            </a:r>
+            <a:br>
+              <a:rPr lang="en-US" smtClean="0">
+                <a:latin typeface="Consolas" panose="020B0609020204030204" pitchFamily="49" charset="0"/>
+              </a:rPr>
+            </a:br>
+            <a:r>
+              <a:rPr lang="en-US" smtClean="0">
+                <a:latin typeface="Consolas" panose="020B0609020204030204" pitchFamily="49" charset="0"/>
+              </a:rPr>
+              <a:t>private</a:t>
+            </a:r>
+            <a:r>
+              <a:rPr lang="en-US">
+                <a:latin typeface="Consolas" panose="020B0609020204030204" pitchFamily="49" charset="0"/>
+              </a:rPr>
+              <a:t>:</a:t>
+            </a:r>
+            <a:r>
+              <a:rPr lang="en-US">
+                <a:latin typeface="Consolas" panose="020B0609020204030204" pitchFamily="49" charset="0"/>
+              </a:rPr>
+              <a:t/>
+            </a:r>
+            <a:br>
+              <a:rPr lang="en-US">
+                <a:latin typeface="Consolas" panose="020B0609020204030204" pitchFamily="49" charset="0"/>
+              </a:rPr>
+            </a:br>
+            <a:r>
+              <a:rPr lang="en-US" smtClean="0">
+                <a:latin typeface="Consolas" panose="020B0609020204030204" pitchFamily="49" charset="0"/>
+              </a:rPr>
+              <a:t>  struct </a:t>
+            </a:r>
+            <a:r>
+              <a:rPr lang="en-US">
+                <a:latin typeface="Consolas" panose="020B0609020204030204" pitchFamily="49" charset="0"/>
+              </a:rPr>
+              <a:t>allocation_rec </a:t>
+            </a:r>
+            <a:r>
+              <a:rPr lang="en-US" smtClean="0">
+                <a:latin typeface="Consolas" panose="020B0609020204030204" pitchFamily="49" charset="0"/>
+              </a:rPr>
+              <a:t>{</a:t>
+            </a:r>
+            <a:br>
+              <a:rPr lang="en-US" smtClean="0">
+                <a:latin typeface="Consolas" panose="020B0609020204030204" pitchFamily="49" charset="0"/>
+              </a:rPr>
+            </a:br>
+            <a:r>
+              <a:rPr lang="en-US" smtClean="0">
+                <a:latin typeface="Consolas" panose="020B0609020204030204" pitchFamily="49" charset="0"/>
+              </a:rPr>
+              <a:t>    void *ptr_;</a:t>
+            </a:r>
+            <a:br>
+              <a:rPr lang="en-US" smtClean="0">
+                <a:latin typeface="Consolas" panose="020B0609020204030204" pitchFamily="49" charset="0"/>
+              </a:rPr>
+            </a:br>
+            <a:r>
+              <a:rPr lang="en-US" smtClean="0">
+                <a:latin typeface="Consolas" panose="020B0609020204030204" pitchFamily="49" charset="0"/>
+              </a:rPr>
+              <a:t>    size_t nbytes_, nalign_;</a:t>
+            </a:r>
+            <a:br>
+              <a:rPr lang="en-US" smtClean="0">
+                <a:latin typeface="Consolas" panose="020B0609020204030204" pitchFamily="49" charset="0"/>
+              </a:rPr>
+            </a:br>
+            <a:r>
+              <a:rPr lang="en-US" smtClean="0">
+                <a:latin typeface="Consolas" panose="020B0609020204030204" pitchFamily="49" charset="0"/>
+              </a:rPr>
+              <a:t>  };</a:t>
             </a:r>
           </a:p>
           <a:p>
@@ -10689,18 +12559,48 @@
               <a:rPr lang="en-US" smtClean="0">
                 <a:latin typeface="Consolas" panose="020B0609020204030204" pitchFamily="49" charset="0"/>
               </a:rPr>
-              <a:t>template &lt;typename Tp&gt; struct node_base {</a:t>
+              <a:t>  pmr</a:t>
+            </a:r>
+            <a:r>
+              <a:rPr lang="en-US">
+                <a:latin typeface="Consolas" panose="020B0609020204030204" pitchFamily="49" charset="0"/>
+              </a:rPr>
+              <a:t>::</a:t>
+            </a:r>
+            <a:r>
+              <a:rPr lang="en-US">
+                <a:latin typeface="Consolas" panose="020B0609020204030204" pitchFamily="49" charset="0"/>
+              </a:rPr>
+              <a:t>memory_resource </a:t>
+            </a:r>
+            <a:r>
+              <a:rPr lang="en-US">
+                <a:latin typeface="Consolas" panose="020B0609020204030204" pitchFamily="49" charset="0"/>
+              </a:rPr>
+              <a:t>*parent_;</a:t>
             </a:r>
             <a:br>
-              <a:rPr lang="en-US" smtClean="0">
+              <a:rPr lang="en-US">
                 <a:latin typeface="Consolas" panose="020B0609020204030204" pitchFamily="49" charset="0"/>
               </a:rPr>
             </a:br>
             <a:r>
-              <a:rPr lang="en-US" smtClean="0">
-                <a:latin typeface="Consolas" panose="020B0609020204030204" pitchFamily="49" charset="0"/>
-              </a:rPr>
-              <a:t>  node&lt;Tp&gt; *m_next = nullptr;</a:t>
+              <a:rPr lang="en-US">
+                <a:latin typeface="Consolas" panose="020B0609020204030204" pitchFamily="49" charset="0"/>
+              </a:rPr>
+              <a:t>  pmr::vector&lt;allocation_rec</a:t>
+            </a:r>
+            <a:r>
+              <a:rPr lang="en-US">
+                <a:latin typeface="Consolas" panose="020B0609020204030204" pitchFamily="49" charset="0"/>
+              </a:rPr>
+              <a:t>&gt; </a:t>
+            </a:r>
+            <a:r>
+              <a:rPr lang="en-US" smtClean="0">
+                <a:latin typeface="Consolas" panose="020B0609020204030204" pitchFamily="49" charset="0"/>
+              </a:rPr>
+              <a:t>blocks_;</a:t>
             </a:r>
             <a:br>
               <a:rPr lang="en-US" smtClean="0">
@@ -10711,114 +12611,16 @@
               <a:rPr lang="en-US" smtClean="0">
                 <a:latin typeface="Consolas" panose="020B0609020204030204" pitchFamily="49" charset="0"/>
               </a:rPr>
-              <a:t>  // </a:t>
-            </a:r>
-            <a:r>
-              <a:rPr lang="ru-RU" smtClean="0">
-                <a:latin typeface="Consolas" panose="020B0609020204030204" pitchFamily="49" charset="0"/>
-              </a:rPr>
-              <a:t>тут явно запрещены копирование и присваивание</a:t>
-            </a:r>
-            <a:r>
-              <a:rPr lang="en-US" smtClean="0">
-                <a:latin typeface="Consolas" panose="020B0609020204030204" pitchFamily="49" charset="0"/>
-              </a:rPr>
-              <a:t/>
-            </a:r>
-            <a:br>
-              <a:rPr lang="en-US" smtClean="0">
-                <a:latin typeface="Consolas" panose="020B0609020204030204" pitchFamily="49" charset="0"/>
-              </a:rPr>
-            </a:br>
-            <a:r>
-              <a:rPr lang="en-US" smtClean="0">
-                <a:latin typeface="Consolas" panose="020B0609020204030204" pitchFamily="49" charset="0"/>
-              </a:rPr>
               <a:t>};</a:t>
             </a:r>
-          </a:p>
-          <a:p>
-            <a:pPr marL="45720" indent="0">
-              <a:buNone/>
-            </a:pPr>
-            <a:r>
-              <a:rPr lang="en-US">
-                <a:latin typeface="Consolas" panose="020B0609020204030204" pitchFamily="49" charset="0"/>
-              </a:rPr>
-              <a:t>template &lt;typename Tp&gt; struct </a:t>
-            </a:r>
-            <a:r>
-              <a:rPr lang="en-US" smtClean="0">
-                <a:latin typeface="Consolas" panose="020B0609020204030204" pitchFamily="49" charset="0"/>
-              </a:rPr>
-              <a:t>node : node_base&lt;Tp&gt; {</a:t>
-            </a:r>
-            <a:br>
-              <a:rPr lang="en-US" smtClean="0">
-                <a:latin typeface="Consolas" panose="020B0609020204030204" pitchFamily="49" charset="0"/>
-              </a:rPr>
-            </a:br>
-            <a:r>
-              <a:rPr lang="en-US" smtClean="0">
-                <a:latin typeface="Consolas" panose="020B0609020204030204" pitchFamily="49" charset="0"/>
-              </a:rPr>
-              <a:t>  </a:t>
-            </a:r>
-            <a:r>
-              <a:rPr lang="en-US" smtClean="0">
-                <a:solidFill>
-                  <a:srgbClr val="0000FF"/>
-                </a:solidFill>
-                <a:latin typeface="Consolas" panose="020B0609020204030204" pitchFamily="49" charset="0"/>
-              </a:rPr>
-              <a:t>union {</a:t>
-            </a:r>
-            <a:r>
-              <a:rPr lang="en-US" smtClean="0">
-                <a:latin typeface="Consolas" panose="020B0609020204030204" pitchFamily="49" charset="0"/>
-              </a:rPr>
-              <a:t> Tp m_value; </a:t>
-            </a:r>
-            <a:r>
-              <a:rPr lang="en-US" smtClean="0">
-                <a:solidFill>
-                  <a:srgbClr val="0000FF"/>
-                </a:solidFill>
-                <a:latin typeface="Consolas" panose="020B0609020204030204" pitchFamily="49" charset="0"/>
-              </a:rPr>
-              <a:t>};</a:t>
-            </a:r>
-            <a:r>
-              <a:rPr lang="en-US" smtClean="0">
-                <a:latin typeface="Consolas" panose="020B0609020204030204" pitchFamily="49" charset="0"/>
-              </a:rPr>
-              <a:t/>
-            </a:r>
-            <a:br>
-              <a:rPr lang="en-US" smtClean="0">
-                <a:latin typeface="Consolas" panose="020B0609020204030204" pitchFamily="49" charset="0"/>
-              </a:rPr>
-            </a:br>
-            <a:r>
-              <a:rPr lang="en-US" smtClean="0">
-                <a:latin typeface="Consolas" panose="020B0609020204030204" pitchFamily="49" charset="0"/>
-              </a:rPr>
-              <a:t>};</a:t>
-            </a:r>
-          </a:p>
-          <a:p>
-            <a:r>
-              <a:rPr lang="ru-RU" smtClean="0"/>
-              <a:t>Теперь это значение вообще не будет инициализировано при конструировании</a:t>
-            </a:r>
-            <a:endParaRPr lang="en-US" smtClean="0"/>
+            <a:endParaRPr lang="en-US"/>
           </a:p>
         </p:txBody>
       </p:sp>
     </p:spTree>
     <p:extLst>
       <p:ext uri="{BB962C8B-B14F-4D97-AF65-F5344CB8AC3E}">
-        <p14:creationId xmlns:p14="http://schemas.microsoft.com/office/powerpoint/2010/main" val="2740946435"/>
+        <p14:creationId xmlns:p14="http://schemas.microsoft.com/office/powerpoint/2010/main" val="388794836"/>
       </p:ext>
     </p:extLst>
   </p:cSld>
@@ -10862,7 +12664,7 @@
           <a:p>
             <a:r>
               <a:rPr lang="ru-RU" smtClean="0"/>
-              <a:t>Инициализация аллокатора</a:t>
+              <a:t>Аллокация</a:t>
             </a:r>
             <a:endParaRPr lang="en-US"/>
           </a:p>
@@ -10878,69 +12680,248 @@
             <p:ph idx="1"/>
           </p:nvPr>
         </p:nvSpPr>
-        <p:spPr/>
+        <p:spPr>
+          <a:xfrm>
+            <a:off x="1143000" y="2057400"/>
+            <a:ext cx="10168128" cy="4038600"/>
+          </a:xfrm>
+        </p:spPr>
         <p:txBody>
           <a:bodyPr/>
           <a:lstStyle/>
           <a:p>
             <a:r>
               <a:rPr lang="ru-RU" smtClean="0"/>
-              <a:t>Удобный алиас</a:t>
-            </a:r>
+              <a:t>Переопределение </a:t>
+            </a:r>
+            <a:r>
+              <a:rPr lang="en-US" smtClean="0"/>
+              <a:t>do_allocate </a:t>
+            </a:r>
+            <a:endParaRPr lang="ru-RU" smtClean="0"/>
           </a:p>
           <a:p>
             <a:pPr marL="45720" indent="0">
               <a:buNone/>
             </a:pPr>
             <a:r>
-              <a:rPr lang="en-US" smtClean="0"/>
-              <a:t>using allocator_t = pmr::polymorphic_allocator&lt;byte&gt;;</a:t>
-            </a:r>
-          </a:p>
-          <a:p>
-            <a:r>
-              <a:rPr lang="ru-RU" smtClean="0"/>
-              <a:t>Аргумент конструктора, а не шаблона</a:t>
-            </a:r>
-          </a:p>
-          <a:p>
-            <a:pPr marL="45720" indent="0">
-              <a:buNone/>
-            </a:pPr>
-            <a:r>
-              <a:rPr lang="en-US" smtClean="0"/>
-              <a:t>slist(allocator_t a = {}) : head_{}, tail_p_{&amp;head_}, size_{0}, alloc_{a} {};</a:t>
-            </a:r>
-          </a:p>
-          <a:p>
-            <a:r>
-              <a:rPr lang="ru-RU" smtClean="0"/>
-              <a:t>Вариант копирующего конструктора с аллокатором</a:t>
-            </a:r>
-          </a:p>
-          <a:p>
-            <a:pPr marL="45720" indent="0">
-              <a:buNone/>
-            </a:pPr>
-            <a:r>
-              <a:rPr lang="en-US" smtClean="0"/>
-              <a:t>slist(const slist&amp; rhs, allocator_t </a:t>
-            </a:r>
-            <a:r>
-              <a:rPr lang="en-US"/>
-              <a:t>a = {})</a:t>
-            </a:r>
-            <a:endParaRPr lang="ru-RU" smtClean="0"/>
-          </a:p>
-          <a:p>
-            <a:endParaRPr lang="en-US"/>
+              <a:rPr lang="en-US">
+                <a:latin typeface="Consolas" panose="020B0609020204030204" pitchFamily="49" charset="0"/>
+              </a:rPr>
+              <a:t>void *test_resource::</a:t>
+            </a:r>
+            <a:r>
+              <a:rPr lang="en-US">
+                <a:latin typeface="Consolas" panose="020B0609020204030204" pitchFamily="49" charset="0"/>
+              </a:rPr>
+              <a:t>do_allocate(size_t </a:t>
+            </a:r>
+            <a:r>
+              <a:rPr lang="en-US" smtClean="0">
+                <a:latin typeface="Consolas" panose="020B0609020204030204" pitchFamily="49" charset="0"/>
+              </a:rPr>
+              <a:t>bytes,</a:t>
+            </a:r>
+            <a:r>
+              <a:rPr lang="ru-RU" smtClean="0">
+                <a:latin typeface="Consolas" panose="020B0609020204030204" pitchFamily="49" charset="0"/>
+              </a:rPr>
+              <a:t> </a:t>
+            </a:r>
+            <a:r>
+              <a:rPr lang="en-US" smtClean="0">
+                <a:latin typeface="Consolas" panose="020B0609020204030204" pitchFamily="49" charset="0"/>
+              </a:rPr>
+              <a:t>size_t align) {</a:t>
+            </a:r>
+            <a:r>
+              <a:rPr lang="ru-RU" smtClean="0">
+                <a:latin typeface="Consolas" panose="020B0609020204030204" pitchFamily="49" charset="0"/>
+              </a:rPr>
+              <a:t/>
+            </a:r>
+            <a:br>
+              <a:rPr lang="ru-RU" smtClean="0">
+                <a:latin typeface="Consolas" panose="020B0609020204030204" pitchFamily="49" charset="0"/>
+              </a:rPr>
+            </a:br>
+            <a:r>
+              <a:rPr lang="en-US" smtClean="0">
+                <a:latin typeface="Consolas" panose="020B0609020204030204" pitchFamily="49" charset="0"/>
+              </a:rPr>
+              <a:t>  </a:t>
+            </a:r>
+            <a:r>
+              <a:rPr lang="en-US">
+                <a:latin typeface="Consolas" panose="020B0609020204030204" pitchFamily="49" charset="0"/>
+              </a:rPr>
+              <a:t>void *ret </a:t>
+            </a:r>
+            <a:r>
+              <a:rPr lang="en-US">
+                <a:latin typeface="Consolas" panose="020B0609020204030204" pitchFamily="49" charset="0"/>
+              </a:rPr>
+              <a:t>= </a:t>
+            </a:r>
+            <a:r>
+              <a:rPr lang="en-US" smtClean="0">
+                <a:latin typeface="Consolas" panose="020B0609020204030204" pitchFamily="49" charset="0"/>
+              </a:rPr>
+              <a:t>parent</a:t>
+            </a:r>
+            <a:r>
+              <a:rPr lang="ru-RU" smtClean="0">
+                <a:latin typeface="Consolas" panose="020B0609020204030204" pitchFamily="49" charset="0"/>
+              </a:rPr>
+              <a:t>_</a:t>
+            </a:r>
+            <a:r>
+              <a:rPr lang="en-US" smtClean="0">
+                <a:latin typeface="Consolas" panose="020B0609020204030204" pitchFamily="49" charset="0"/>
+              </a:rPr>
+              <a:t>-&gt;</a:t>
+            </a:r>
+            <a:r>
+              <a:rPr lang="en-US">
+                <a:latin typeface="Consolas" panose="020B0609020204030204" pitchFamily="49" charset="0"/>
+              </a:rPr>
+              <a:t>allocate(bytes</a:t>
+            </a:r>
+            <a:r>
+              <a:rPr lang="en-US">
+                <a:latin typeface="Consolas" panose="020B0609020204030204" pitchFamily="49" charset="0"/>
+              </a:rPr>
+              <a:t>, </a:t>
+            </a:r>
+            <a:r>
+              <a:rPr lang="en-US" smtClean="0">
+                <a:latin typeface="Consolas" panose="020B0609020204030204" pitchFamily="49" charset="0"/>
+              </a:rPr>
+              <a:t>align);</a:t>
+            </a:r>
+            <a:r>
+              <a:rPr lang="ru-RU" smtClean="0">
+                <a:latin typeface="Consolas" panose="020B0609020204030204" pitchFamily="49" charset="0"/>
+              </a:rPr>
+              <a:t/>
+            </a:r>
+            <a:br>
+              <a:rPr lang="ru-RU" smtClean="0">
+                <a:latin typeface="Consolas" panose="020B0609020204030204" pitchFamily="49" charset="0"/>
+              </a:rPr>
+            </a:br>
+            <a:r>
+              <a:rPr lang="en-US" smtClean="0">
+                <a:latin typeface="Consolas" panose="020B0609020204030204" pitchFamily="49" charset="0"/>
+              </a:rPr>
+              <a:t>  blocks</a:t>
+            </a:r>
+            <a:r>
+              <a:rPr lang="ru-RU" smtClean="0">
+                <a:latin typeface="Consolas" panose="020B0609020204030204" pitchFamily="49" charset="0"/>
+              </a:rPr>
+              <a:t>_</a:t>
+            </a:r>
+            <a:r>
+              <a:rPr lang="en-US" smtClean="0">
+                <a:latin typeface="Consolas" panose="020B0609020204030204" pitchFamily="49" charset="0"/>
+              </a:rPr>
+              <a:t>.emplace_back(ret</a:t>
+            </a:r>
+            <a:r>
+              <a:rPr lang="en-US">
+                <a:latin typeface="Consolas" panose="020B0609020204030204" pitchFamily="49" charset="0"/>
+              </a:rPr>
+              <a:t>, bytes</a:t>
+            </a:r>
+            <a:r>
+              <a:rPr lang="en-US">
+                <a:latin typeface="Consolas" panose="020B0609020204030204" pitchFamily="49" charset="0"/>
+              </a:rPr>
+              <a:t>, </a:t>
+            </a:r>
+            <a:r>
+              <a:rPr lang="en-US" smtClean="0">
+                <a:latin typeface="Consolas" panose="020B0609020204030204" pitchFamily="49" charset="0"/>
+              </a:rPr>
+              <a:t>align);</a:t>
+            </a:r>
+            <a:r>
+              <a:rPr lang="ru-RU" smtClean="0">
+                <a:latin typeface="Consolas" panose="020B0609020204030204" pitchFamily="49" charset="0"/>
+              </a:rPr>
+              <a:t/>
+            </a:r>
+            <a:br>
+              <a:rPr lang="ru-RU" smtClean="0">
+                <a:latin typeface="Consolas" panose="020B0609020204030204" pitchFamily="49" charset="0"/>
+              </a:rPr>
+            </a:br>
+            <a:r>
+              <a:rPr lang="ru-RU" smtClean="0">
+                <a:latin typeface="Consolas" panose="020B0609020204030204" pitchFamily="49" charset="0"/>
+              </a:rPr>
+              <a:t>  </a:t>
+            </a:r>
+            <a:r>
+              <a:rPr lang="en-US" smtClean="0">
+                <a:latin typeface="Consolas" panose="020B0609020204030204" pitchFamily="49" charset="0"/>
+              </a:rPr>
+              <a:t>return </a:t>
+            </a:r>
+            <a:r>
+              <a:rPr lang="en-US">
+                <a:latin typeface="Consolas" panose="020B0609020204030204" pitchFamily="49" charset="0"/>
+              </a:rPr>
+              <a:t>ret</a:t>
+            </a:r>
+            <a:r>
+              <a:rPr lang="en-US" smtClean="0">
+                <a:latin typeface="Consolas" panose="020B0609020204030204" pitchFamily="49" charset="0"/>
+              </a:rPr>
+              <a:t>;</a:t>
+            </a:r>
+            <a:r>
+              <a:rPr lang="ru-RU" smtClean="0">
+                <a:latin typeface="Consolas" panose="020B0609020204030204" pitchFamily="49" charset="0"/>
+              </a:rPr>
+              <a:t/>
+            </a:r>
+            <a:br>
+              <a:rPr lang="ru-RU" smtClean="0">
+                <a:latin typeface="Consolas" panose="020B0609020204030204" pitchFamily="49" charset="0"/>
+              </a:rPr>
+            </a:br>
+            <a:r>
+              <a:rPr lang="en-US" smtClean="0">
+                <a:latin typeface="Consolas" panose="020B0609020204030204" pitchFamily="49" charset="0"/>
+              </a:rPr>
+              <a:t>}</a:t>
+            </a:r>
+            <a:endParaRPr lang="en-US" smtClean="0">
+              <a:latin typeface="Consolas" panose="020B0609020204030204" pitchFamily="49" charset="0"/>
+            </a:endParaRPr>
+          </a:p>
+          <a:p>
+            <a:r>
+              <a:rPr lang="ru-RU" smtClean="0"/>
+              <a:t>Видно, что тестовый ресурс просто сцепляется с тем, над которым он живёт</a:t>
+            </a:r>
+            <a:endParaRPr lang="ru-RU"/>
+          </a:p>
+          <a:p>
+            <a:r>
+              <a:rPr lang="ru-RU" smtClean="0"/>
+              <a:t>Это обычная идея: теперь мы можем жить над любым аллокатором</a:t>
+            </a:r>
+            <a:endParaRPr lang="en-US" smtClean="0"/>
           </a:p>
         </p:txBody>
       </p:sp>
     </p:spTree>
     <p:extLst>
       <p:ext uri="{BB962C8B-B14F-4D97-AF65-F5344CB8AC3E}">
-        <p14:creationId xmlns:p14="http://schemas.microsoft.com/office/powerpoint/2010/main" val="2824013710"/>
+        <p14:creationId xmlns:p14="http://schemas.microsoft.com/office/powerpoint/2010/main" val="4077178870"/>
       </p:ext>
     </p:extLst>
   </p:cSld>
@@ -10984,7 +12965,7 @@
           <a:p>
             <a:r>
               <a:rPr lang="ru-RU" smtClean="0"/>
-              <a:t>Использование аллокатора</a:t>
+              <a:t>Обсуждение: цепочки ресурсов</a:t>
             </a:r>
             <a:endParaRPr lang="en-US"/>
           </a:p>
@@ -11006,36 +12987,36 @@
           <a:lstStyle/>
           <a:p>
             <a:r>
-              <a:rPr lang="en-US" smtClean="0"/>
-              <a:t>TODO: emplace (46 </a:t>
-            </a:r>
-            <a:r>
-              <a:rPr lang="ru-RU" smtClean="0"/>
-              <a:t>минута)</a:t>
-            </a:r>
-          </a:p>
-          <a:p>
-            <a:r>
-              <a:rPr lang="ru-RU" smtClean="0"/>
-              <a:t>Ключевая идея:</a:t>
-            </a:r>
-          </a:p>
-          <a:p>
-            <a:pPr marL="45720" indent="0">
-              <a:buNone/>
-            </a:pPr>
-            <a:r>
-              <a:rPr lang="en-US" smtClean="0"/>
-              <a:t>alloc_.resource()-&gt;allocate(sizeof node, alignof node)</a:t>
-            </a:r>
-          </a:p>
-          <a:p>
-            <a:pPr marL="45720" indent="0">
-              <a:buNone/>
-            </a:pPr>
-            <a:r>
-              <a:rPr lang="en-US" smtClean="0"/>
-              <a:t>alloc_.construct(addressof node-&gt;value, forward&lt;Args&gt;(args)...);</a:t>
+              <a:rPr lang="ru-RU" smtClean="0"/>
+              <a:t>Сейчас в </a:t>
+            </a:r>
+            <a:r>
+              <a:rPr lang="en-US" smtClean="0"/>
+              <a:t>C++</a:t>
+            </a:r>
+            <a:r>
+              <a:rPr lang="en-US" smtClean="0">
+                <a:latin typeface="Consolas" panose="020B0609020204030204" pitchFamily="49" charset="0"/>
+              </a:rPr>
+              <a:t>17</a:t>
+            </a:r>
+            <a:r>
+              <a:rPr lang="en-US" smtClean="0"/>
+              <a:t> </a:t>
+            </a:r>
+            <a:r>
+              <a:rPr lang="ru-RU" smtClean="0"/>
+              <a:t>комбинирование осуществляется за счёт одного параметра </a:t>
+            </a:r>
+            <a:r>
+              <a:rPr lang="en-US" smtClean="0"/>
+              <a:t>parent</a:t>
+            </a:r>
+          </a:p>
+          <a:p>
+            <a:r>
+              <a:rPr lang="ru-RU" smtClean="0"/>
+              <a:t>Много ли можно выиграть, если придумать иные стратегии объединения распределителей?</a:t>
             </a:r>
             <a:endParaRPr lang="en-US"/>
           </a:p>
@@ -11044,7 +13025,7 @@
     </p:spTree>
     <p:extLst>
       <p:ext uri="{BB962C8B-B14F-4D97-AF65-F5344CB8AC3E}">
-        <p14:creationId xmlns:p14="http://schemas.microsoft.com/office/powerpoint/2010/main" val="1612980060"/>
+        <p14:creationId xmlns:p14="http://schemas.microsoft.com/office/powerpoint/2010/main" val="307312454"/>
       </p:ext>
     </p:extLst>
   </p:cSld>
@@ -11073,29 +13054,6 @@
       </p:grpSpPr>
       <p:sp>
         <p:nvSpPr>
-          <p:cNvPr id="2" name="Title 1"/>
-          <p:cNvSpPr>
-            <a:spLocks noGrp="1"/>
-          </p:cNvSpPr>
-          <p:nvPr>
-            <p:ph type="title"/>
-          </p:nvPr>
-        </p:nvSpPr>
-        <p:spPr/>
-        <p:txBody>
-          <a:bodyPr/>
-          <a:lstStyle/>
-          <a:p>
-            <a:r>
-              <a:rPr lang="ru-RU" smtClean="0"/>
-              <a:t>Очистка памяти</a:t>
-            </a:r>
-            <a:endParaRPr lang="en-US"/>
-          </a:p>
-        </p:txBody>
-      </p:sp>
-      <p:sp>
-        <p:nvSpPr>
           <p:cNvPr id="3" name="Content Placeholder 2"/>
           <p:cNvSpPr>
             <a:spLocks noGrp="1"/>
@@ -11104,37 +13062,92 @@
             <p:ph idx="1"/>
           </p:nvPr>
         </p:nvSpPr>
-        <p:spPr/>
-        <p:txBody>
-          <a:bodyPr/>
-          <a:lstStyle/>
-          <a:p>
-            <a:r>
-              <a:rPr lang="ru-RU" smtClean="0"/>
-              <a:t>Около 50 минуты</a:t>
-            </a:r>
-          </a:p>
-          <a:p>
-            <a:r>
-              <a:rPr lang="en-US" smtClean="0"/>
-              <a:t>destroy, </a:t>
-            </a:r>
-            <a:r>
-              <a:rPr lang="ru-RU" smtClean="0"/>
-              <a:t>потом </a:t>
-            </a:r>
-            <a:r>
-              <a:rPr lang="en-US" smtClean="0"/>
-              <a:t>deallocate</a:t>
-            </a:r>
-            <a:endParaRPr lang="en-US"/>
+        <p:spPr>
+          <a:xfrm>
+            <a:off x="1143000" y="742122"/>
+            <a:ext cx="9872871" cy="5353878"/>
+          </a:xfrm>
+        </p:spPr>
+        <p:txBody>
+          <a:bodyPr>
+            <a:noAutofit/>
+          </a:bodyPr>
+          <a:lstStyle/>
+          <a:p>
+            <a:pPr>
+              <a:lnSpc>
+                <a:spcPct val="150000"/>
+              </a:lnSpc>
+              <a:buFont typeface="Wingdings" panose="05000000000000000000" pitchFamily="2" charset="2"/>
+              <a:buChar char="q"/>
+            </a:pPr>
+            <a:r>
+              <a:rPr lang="ru-RU" sz="4800" smtClean="0"/>
+              <a:t>  Плохая репутация аллокаторов</a:t>
+            </a:r>
+          </a:p>
+          <a:p>
+            <a:pPr>
+              <a:lnSpc>
+                <a:spcPct val="150000"/>
+              </a:lnSpc>
+              <a:buFont typeface="Wingdings" panose="05000000000000000000" pitchFamily="2" charset="2"/>
+              <a:buChar char="q"/>
+            </a:pPr>
+            <a:r>
+              <a:rPr lang="ru-RU" sz="4800" smtClean="0"/>
+              <a:t>  Полиморфные аллокаторы</a:t>
+            </a:r>
+          </a:p>
+          <a:p>
+            <a:pPr>
+              <a:lnSpc>
+                <a:spcPct val="150000"/>
+              </a:lnSpc>
+              <a:buFont typeface="Wingdings" panose="05000000000000000000" pitchFamily="2" charset="2"/>
+              <a:buChar char="Ø"/>
+            </a:pPr>
+            <a:r>
+              <a:rPr lang="ru-RU" sz="4800" smtClean="0"/>
+              <a:t>  Собственный </a:t>
+            </a:r>
+            <a:r>
+              <a:rPr lang="en-US" sz="4800" smtClean="0"/>
+              <a:t>pmr </a:t>
+            </a:r>
+            <a:r>
+              <a:rPr lang="ru-RU" sz="4800" smtClean="0"/>
+              <a:t>контейнер</a:t>
+            </a:r>
+            <a:endParaRPr lang="en-US" sz="4800" smtClean="0"/>
+          </a:p>
+          <a:p>
+            <a:pPr>
+              <a:lnSpc>
+                <a:spcPct val="150000"/>
+              </a:lnSpc>
+              <a:buFont typeface="Wingdings" panose="05000000000000000000" pitchFamily="2" charset="2"/>
+              <a:buChar char="q"/>
+            </a:pPr>
+            <a:r>
+              <a:rPr lang="en-US" sz="4800"/>
+              <a:t> </a:t>
+            </a:r>
+            <a:r>
+              <a:rPr lang="ru-RU" sz="4800"/>
+              <a:t> </a:t>
+            </a:r>
+            <a:r>
+              <a:rPr lang="ru-RU" sz="4800" smtClean="0"/>
+              <a:t>Аллокатор Хинанта</a:t>
+            </a:r>
           </a:p>
         </p:txBody>
       </p:sp>
     </p:spTree>
     <p:extLst>
       <p:ext uri="{BB962C8B-B14F-4D97-AF65-F5344CB8AC3E}">
-        <p14:creationId xmlns:p14="http://schemas.microsoft.com/office/powerpoint/2010/main" val="4089096844"/>
+        <p14:creationId xmlns:p14="http://schemas.microsoft.com/office/powerpoint/2010/main" val="2930781051"/>
       </p:ext>
     </p:extLst>
   </p:cSld>
@@ -11356,10 +13369,6 @@
           <a:bodyPr/>
           <a:lstStyle/>
           <a:p>
-            <a:r>
-              <a:rPr lang="ru-RU" smtClean="0"/>
-              <a:t>Тонкость в реализации перемещения</a:t>
-            </a:r>
             <a:endParaRPr lang="en-US"/>
           </a:p>
         </p:txBody>
@@ -11380,91 +13389,23 @@
           <a:lstStyle/>
           <a:p>
             <a:r>
-              <a:rPr lang="ru-RU" smtClean="0"/>
-              <a:t>Стандартная реализация перемещения в данном случае будет очевидно плоха:</a:t>
-            </a:r>
-          </a:p>
-          <a:p>
-            <a:pPr marL="45720" indent="0">
-              <a:buNone/>
-            </a:pPr>
-            <a:r>
-              <a:rPr lang="en-US" smtClean="0"/>
-              <a:t>slist&amp; operator=(slist&amp;&amp; rhs) {</a:t>
-            </a:r>
-            <a:br>
-              <a:rPr lang="en-US" smtClean="0"/>
-            </a:br>
-            <a:r>
-              <a:rPr lang="ru-RU" smtClean="0"/>
-              <a:t>  </a:t>
-            </a:r>
-            <a:r>
-              <a:rPr lang="en-US" smtClean="0"/>
-              <a:t>swap(rhs.head_, head_);</a:t>
-            </a:r>
-            <a:br>
-              <a:rPr lang="en-US" smtClean="0"/>
-            </a:br>
-            <a:r>
-              <a:rPr lang="en-US" smtClean="0"/>
-              <a:t> </a:t>
-            </a:r>
-            <a:r>
-              <a:rPr lang="ru-RU" smtClean="0"/>
-              <a:t> </a:t>
-            </a:r>
-            <a:r>
-              <a:rPr lang="en-US" smtClean="0"/>
-              <a:t>swap(rhs.tail_p_, tail_p_);</a:t>
-            </a:r>
-            <a:r>
-              <a:rPr lang="ru-RU"/>
-              <a:t/>
-            </a:r>
-            <a:br>
-              <a:rPr lang="ru-RU"/>
-            </a:br>
-            <a:r>
-              <a:rPr lang="en-US" smtClean="0"/>
-              <a:t>  swap(rhs.alloc_, alloc_); // </a:t>
-            </a:r>
-            <a:r>
-              <a:rPr lang="ru-RU" smtClean="0"/>
-              <a:t>ошибка</a:t>
-            </a:r>
-            <a:r>
-              <a:rPr lang="en-US" smtClean="0"/>
-              <a:t>, </a:t>
-            </a:r>
-            <a:r>
-              <a:rPr lang="ru-RU" smtClean="0"/>
-              <a:t>у аллокатора может не быть </a:t>
-            </a:r>
-            <a:r>
-              <a:rPr lang="en-US" smtClean="0"/>
-              <a:t>move-ctor</a:t>
-            </a:r>
-            <a:br>
-              <a:rPr lang="en-US" smtClean="0"/>
-            </a:br>
-            <a:r>
-              <a:rPr lang="en-US" smtClean="0"/>
-              <a:t>  return *this;</a:t>
-            </a:r>
-            <a:br>
-              <a:rPr lang="en-US" smtClean="0"/>
-            </a:br>
-            <a:r>
-              <a:rPr lang="en-US" smtClean="0"/>
-              <a:t>}</a:t>
-            </a:r>
-            <a:endParaRPr lang="ru-RU"/>
-          </a:p>
-          <a:p>
-            <a:r>
-              <a:rPr lang="ru-RU" smtClean="0"/>
-              <a:t>На самом деле аллокатор никогда нельзя двигать</a:t>
+              <a:rPr lang="en-US"/>
+              <a:t>https://</a:t>
+            </a:r>
+            <a:r>
+              <a:rPr lang="en-US" smtClean="0"/>
+              <a:t>www.youtube.com/watch?v=v3dz-AKOVL8</a:t>
+            </a:r>
+            <a:endParaRPr lang="ru-RU" smtClean="0"/>
+          </a:p>
+          <a:p>
+            <a:r>
+              <a:rPr lang="en-US" smtClean="0"/>
+              <a:t>slist </a:t>
+            </a:r>
+            <a:r>
+              <a:rPr lang="ru-RU" smtClean="0"/>
+              <a:t>около 39 минуты</a:t>
             </a:r>
             <a:endParaRPr lang="en-US"/>
           </a:p>
@@ -11473,7 +13414,7 @@
     </p:spTree>
     <p:extLst>
       <p:ext uri="{BB962C8B-B14F-4D97-AF65-F5344CB8AC3E}">
-        <p14:creationId xmlns:p14="http://schemas.microsoft.com/office/powerpoint/2010/main" val="1832753146"/>
+        <p14:creationId xmlns:p14="http://schemas.microsoft.com/office/powerpoint/2010/main" val="1236798388"/>
       </p:ext>
     </p:extLst>
   </p:cSld>
@@ -11517,7 +13458,11 @@
           <a:p>
             <a:r>
               <a:rPr lang="ru-RU" smtClean="0"/>
-              <a:t>Тонкость в реализации перемещения</a:t>
+              <a:t>Возможное устройство узла </a:t>
+            </a:r>
+            <a:r>
+              <a:rPr lang="en-US" smtClean="0"/>
+              <a:t>slist</a:t>
             </a:r>
             <a:endParaRPr lang="en-US"/>
           </a:p>
@@ -11540,7 +13485,7 @@
           <a:p>
             <a:r>
               <a:rPr lang="ru-RU" smtClean="0"/>
-              <a:t>Поэтому необходимо предусмотреть копирование если пришёл объект того же класса с другим аллокатором</a:t>
+              <a:t>Устройство узла для такого контейнера</a:t>
             </a:r>
           </a:p>
           <a:p>
@@ -11548,10 +13493,27 @@
               <a:buNone/>
             </a:pPr>
             <a:r>
-              <a:rPr lang="en-US" smtClean="0">
-                <a:latin typeface="Consolas" panose="020B0609020204030204" pitchFamily="49" charset="0"/>
-              </a:rPr>
-              <a:t>slist&amp; operator=(slist&amp;&amp; rhs) {</a:t>
+              <a:rPr lang="en-US">
+                <a:latin typeface="Consolas" panose="020B0609020204030204" pitchFamily="49" charset="0"/>
+              </a:rPr>
+              <a:t>template &lt;typename Tp&gt; struct </a:t>
+            </a:r>
+            <a:r>
+              <a:rPr lang="en-US" smtClean="0">
+                <a:latin typeface="Consolas" panose="020B0609020204030204" pitchFamily="49" charset="0"/>
+              </a:rPr>
+              <a:t>node;</a:t>
+            </a:r>
+          </a:p>
+          <a:p>
+            <a:pPr marL="45720" indent="0">
+              <a:buNone/>
+            </a:pPr>
+            <a:r>
+              <a:rPr lang="en-US" smtClean="0">
+                <a:latin typeface="Consolas" panose="020B0609020204030204" pitchFamily="49" charset="0"/>
+              </a:rPr>
+              <a:t>template &lt;typename Tp&gt; struct node_base {</a:t>
             </a:r>
             <a:br>
               <a:rPr lang="en-US" smtClean="0">
@@ -11559,16 +13521,33 @@
               </a:rPr>
             </a:br>
             <a:r>
+              <a:rPr lang="en-US" smtClean="0">
+                <a:latin typeface="Consolas" panose="020B0609020204030204" pitchFamily="49" charset="0"/>
+              </a:rPr>
+              <a:t>  node&lt;Tp&gt; *m_next = nullptr;</a:t>
+            </a:r>
+            <a:br>
+              <a:rPr lang="en-US" smtClean="0">
+                <a:latin typeface="Consolas" panose="020B0609020204030204" pitchFamily="49" charset="0"/>
+              </a:rPr>
+            </a:br>
+            <a:r>
+              <a:rPr lang="en-US" smtClean="0">
+                <a:latin typeface="Consolas" panose="020B0609020204030204" pitchFamily="49" charset="0"/>
+              </a:rPr>
+              <a:t>  // </a:t>
+            </a:r>
+            <a:r>
               <a:rPr lang="ru-RU" smtClean="0">
                 <a:latin typeface="Consolas" panose="020B0609020204030204" pitchFamily="49" charset="0"/>
               </a:rPr>
-              <a:t>  </a:t>
-            </a:r>
-            <a:r>
-              <a:rPr lang="en-US" smtClean="0">
-                <a:latin typeface="Consolas" panose="020B0609020204030204" pitchFamily="49" charset="0"/>
-              </a:rPr>
-              <a:t>if (alloc_ == rhs.alloc_)</a:t>
+              <a:t>тут явно запрещены копирование и присваивание</a:t>
+            </a:r>
+            <a:r>
+              <a:rPr lang="en-US" smtClean="0">
+                <a:latin typeface="Consolas" panose="020B0609020204030204" pitchFamily="49" charset="0"/>
+              </a:rPr>
+              <a:t/>
             </a:r>
             <a:br>
               <a:rPr lang="en-US" smtClean="0">
@@ -11579,30 +13558,47 @@
               <a:rPr lang="en-US" smtClean="0">
                 <a:latin typeface="Consolas" panose="020B0609020204030204" pitchFamily="49" charset="0"/>
               </a:rPr>
-              <a:t>    // </a:t>
-            </a:r>
-            <a:r>
-              <a:rPr lang="ru-RU" smtClean="0">
-                <a:latin typeface="Consolas" panose="020B0609020204030204" pitchFamily="49" charset="0"/>
-              </a:rPr>
-              <a:t>тогда можно перемещать</a:t>
+              <a:t>};</a:t>
+            </a:r>
+          </a:p>
+          <a:p>
+            <a:pPr marL="45720" indent="0">
+              <a:buNone/>
+            </a:pPr>
+            <a:r>
+              <a:rPr lang="en-US">
+                <a:latin typeface="Consolas" panose="020B0609020204030204" pitchFamily="49" charset="0"/>
+              </a:rPr>
+              <a:t>template &lt;typename Tp&gt; struct </a:t>
+            </a:r>
+            <a:r>
+              <a:rPr lang="en-US" smtClean="0">
+                <a:latin typeface="Consolas" panose="020B0609020204030204" pitchFamily="49" charset="0"/>
+              </a:rPr>
+              <a:t>node : node_base&lt;Tp&gt; {</a:t>
             </a:r>
             <a:br>
-              <a:rPr lang="ru-RU" smtClean="0">
+              <a:rPr lang="en-US" smtClean="0">
                 <a:latin typeface="Consolas" panose="020B0609020204030204" pitchFamily="49" charset="0"/>
               </a:rPr>
             </a:br>
             <a:r>
-              <a:rPr lang="ru-RU" smtClean="0">
-                <a:latin typeface="Consolas" panose="020B0609020204030204" pitchFamily="49" charset="0"/>
-              </a:rPr>
-              <a:t>  </a:t>
-            </a:r>
-            <a:r>
-              <a:rPr lang="en-US" smtClean="0">
-                <a:latin typeface="Consolas" panose="020B0609020204030204" pitchFamily="49" charset="0"/>
-              </a:rPr>
-              <a:t>else</a:t>
+              <a:rPr lang="en-US" smtClean="0">
+                <a:latin typeface="Consolas" panose="020B0609020204030204" pitchFamily="49" charset="0"/>
+              </a:rPr>
+              <a:t>  Tp m_value</a:t>
+            </a:r>
+            <a:r>
+              <a:rPr lang="en-US">
+                <a:latin typeface="Consolas" panose="020B0609020204030204" pitchFamily="49" charset="0"/>
+              </a:rPr>
+              <a:t>;</a:t>
+            </a:r>
+            <a:r>
+              <a:rPr lang="en-US" smtClean="0">
+                <a:latin typeface="Consolas" panose="020B0609020204030204" pitchFamily="49" charset="0"/>
+              </a:rPr>
+              <a:t/>
             </a:r>
             <a:br>
               <a:rPr lang="en-US" smtClean="0">
@@ -11613,65 +13609,25 @@
               <a:rPr lang="en-US" smtClean="0">
                 <a:latin typeface="Consolas" panose="020B0609020204030204" pitchFamily="49" charset="0"/>
               </a:rPr>
-              <a:t>    operator=(rhs); // </a:t>
-            </a:r>
-            <a:r>
-              <a:rPr lang="ru-RU" smtClean="0">
-                <a:latin typeface="Consolas" panose="020B0609020204030204" pitchFamily="49" charset="0"/>
-              </a:rPr>
-              <a:t>копирование</a:t>
-            </a:r>
-            <a:r>
-              <a:rPr lang="ru-RU">
-                <a:latin typeface="Consolas" panose="020B0609020204030204" pitchFamily="49" charset="0"/>
-              </a:rPr>
-              <a:t/>
-            </a:r>
-            <a:br>
-              <a:rPr lang="ru-RU">
-                <a:latin typeface="Consolas" panose="020B0609020204030204" pitchFamily="49" charset="0"/>
-              </a:rPr>
-            </a:br>
-            <a:r>
-              <a:rPr lang="ru-RU" smtClean="0">
-                <a:latin typeface="Consolas" panose="020B0609020204030204" pitchFamily="49" charset="0"/>
-              </a:rPr>
-              <a:t>  </a:t>
-            </a:r>
-            <a:r>
-              <a:rPr lang="en-US" smtClean="0">
-                <a:latin typeface="Consolas" panose="020B0609020204030204" pitchFamily="49" charset="0"/>
-              </a:rPr>
-              <a:t>return *this;</a:t>
-            </a:r>
-            <a:br>
-              <a:rPr lang="en-US" smtClean="0">
-                <a:latin typeface="Consolas" panose="020B0609020204030204" pitchFamily="49" charset="0"/>
-              </a:rPr>
-            </a:br>
-            <a:r>
-              <a:rPr lang="en-US" smtClean="0">
-                <a:latin typeface="Consolas" panose="020B0609020204030204" pitchFamily="49" charset="0"/>
-              </a:rPr>
-              <a:t>}</a:t>
-            </a:r>
-            <a:endParaRPr lang="ru-RU">
-              <a:latin typeface="Consolas" panose="020B0609020204030204" pitchFamily="49" charset="0"/>
-            </a:endParaRPr>
-          </a:p>
-          <a:p>
-            <a:r>
-              <a:rPr lang="ru-RU" smtClean="0"/>
-              <a:t>Обычно это усложнение незначительно, но оно показывает, что аллокаторы влияют на архитектуру.</a:t>
-            </a:r>
-            <a:endParaRPr lang="en-US"/>
+              <a:t>};</a:t>
+            </a:r>
+          </a:p>
+          <a:p>
+            <a:r>
+              <a:rPr lang="ru-RU" smtClean="0"/>
+              <a:t>Увы довольно сложно угадать разумное значение по умолчанию для </a:t>
+            </a:r>
+            <a:r>
+              <a:rPr lang="en-US" smtClean="0"/>
+              <a:t>m_value.</a:t>
+            </a:r>
           </a:p>
         </p:txBody>
       </p:sp>
     </p:spTree>
     <p:extLst>
       <p:ext uri="{BB962C8B-B14F-4D97-AF65-F5344CB8AC3E}">
-        <p14:creationId xmlns:p14="http://schemas.microsoft.com/office/powerpoint/2010/main" val="1406412870"/>
+        <p14:creationId xmlns:p14="http://schemas.microsoft.com/office/powerpoint/2010/main" val="3594350683"/>
       </p:ext>
     </p:extLst>
   </p:cSld>
@@ -11715,7 +13671,11 @@
           <a:p>
             <a:r>
               <a:rPr lang="ru-RU" smtClean="0"/>
-              <a:t>Обсуждение</a:t>
+              <a:t>Трюк с </a:t>
+            </a:r>
+            <a:r>
+              <a:rPr lang="en-US" smtClean="0"/>
+              <a:t>union</a:t>
             </a:r>
             <a:endParaRPr lang="en-US"/>
           </a:p>
@@ -11738,26 +13698,164 @@
           <a:p>
             <a:r>
               <a:rPr lang="ru-RU" smtClean="0"/>
-              <a:t>Представьте, что аллокатор -- шаблонный параметр как в </a:t>
-            </a:r>
-            <a:r>
-              <a:rPr lang="en-US" smtClean="0"/>
-              <a:t>C++98</a:t>
-            </a:r>
-          </a:p>
-          <a:p>
-            <a:r>
-              <a:rPr lang="ru-RU" smtClean="0"/>
-              <a:t>Как в этом случае могло бы быть устроено перемещающее присваивание?</a:t>
-            </a:r>
-            <a:endParaRPr lang="en-US"/>
+              <a:t>Устройство узла для такого контейнера</a:t>
+            </a:r>
+          </a:p>
+          <a:p>
+            <a:pPr marL="45720" indent="0">
+              <a:buNone/>
+            </a:pPr>
+            <a:r>
+              <a:rPr lang="en-US">
+                <a:latin typeface="Consolas" panose="020B0609020204030204" pitchFamily="49" charset="0"/>
+              </a:rPr>
+              <a:t>template &lt;typename Tp&gt; struct </a:t>
+            </a:r>
+            <a:r>
+              <a:rPr lang="en-US" smtClean="0">
+                <a:latin typeface="Consolas" panose="020B0609020204030204" pitchFamily="49" charset="0"/>
+              </a:rPr>
+              <a:t>node;</a:t>
+            </a:r>
+          </a:p>
+          <a:p>
+            <a:pPr marL="45720" indent="0">
+              <a:buNone/>
+            </a:pPr>
+            <a:r>
+              <a:rPr lang="en-US" smtClean="0">
+                <a:latin typeface="Consolas" panose="020B0609020204030204" pitchFamily="49" charset="0"/>
+              </a:rPr>
+              <a:t>template &lt;typename Tp&gt; struct node_base {</a:t>
+            </a:r>
+            <a:br>
+              <a:rPr lang="en-US" smtClean="0">
+                <a:latin typeface="Consolas" panose="020B0609020204030204" pitchFamily="49" charset="0"/>
+              </a:rPr>
+            </a:br>
+            <a:r>
+              <a:rPr lang="en-US" smtClean="0">
+                <a:latin typeface="Consolas" panose="020B0609020204030204" pitchFamily="49" charset="0"/>
+              </a:rPr>
+              <a:t>  node&lt;Tp&gt; *m_next = nullptr;</a:t>
+            </a:r>
+            <a:br>
+              <a:rPr lang="en-US" smtClean="0">
+                <a:latin typeface="Consolas" panose="020B0609020204030204" pitchFamily="49" charset="0"/>
+              </a:rPr>
+            </a:br>
+            <a:r>
+              <a:rPr lang="en-US" smtClean="0">
+                <a:latin typeface="Consolas" panose="020B0609020204030204" pitchFamily="49" charset="0"/>
+              </a:rPr>
+              <a:t>  // </a:t>
+            </a:r>
+            <a:r>
+              <a:rPr lang="ru-RU" smtClean="0">
+                <a:latin typeface="Consolas" panose="020B0609020204030204" pitchFamily="49" charset="0"/>
+              </a:rPr>
+              <a:t>тут явно запрещены копирование и присваивание</a:t>
+            </a:r>
+            <a:r>
+              <a:rPr lang="en-US" smtClean="0">
+                <a:latin typeface="Consolas" panose="020B0609020204030204" pitchFamily="49" charset="0"/>
+              </a:rPr>
+              <a:t/>
+            </a:r>
+            <a:br>
+              <a:rPr lang="en-US" smtClean="0">
+                <a:latin typeface="Consolas" panose="020B0609020204030204" pitchFamily="49" charset="0"/>
+              </a:rPr>
+            </a:br>
+            <a:r>
+              <a:rPr lang="en-US" smtClean="0">
+                <a:latin typeface="Consolas" panose="020B0609020204030204" pitchFamily="49" charset="0"/>
+              </a:rPr>
+              <a:t>};</a:t>
+            </a:r>
+          </a:p>
+          <a:p>
+            <a:pPr marL="45720" indent="0">
+              <a:buNone/>
+            </a:pPr>
+            <a:r>
+              <a:rPr lang="en-US">
+                <a:latin typeface="Consolas" panose="020B0609020204030204" pitchFamily="49" charset="0"/>
+              </a:rPr>
+              <a:t>template &lt;typename Tp&gt; struct </a:t>
+            </a:r>
+            <a:r>
+              <a:rPr lang="en-US" smtClean="0">
+                <a:latin typeface="Consolas" panose="020B0609020204030204" pitchFamily="49" charset="0"/>
+              </a:rPr>
+              <a:t>node : node_base&lt;Tp&gt; {</a:t>
+            </a:r>
+            <a:br>
+              <a:rPr lang="en-US" smtClean="0">
+                <a:latin typeface="Consolas" panose="020B0609020204030204" pitchFamily="49" charset="0"/>
+              </a:rPr>
+            </a:br>
+            <a:r>
+              <a:rPr lang="en-US" smtClean="0">
+                <a:latin typeface="Consolas" panose="020B0609020204030204" pitchFamily="49" charset="0"/>
+              </a:rPr>
+              <a:t>  </a:t>
+            </a:r>
+            <a:r>
+              <a:rPr lang="en-US" smtClean="0">
+                <a:solidFill>
+                  <a:srgbClr val="0000FF"/>
+                </a:solidFill>
+                <a:latin typeface="Consolas" panose="020B0609020204030204" pitchFamily="49" charset="0"/>
+              </a:rPr>
+              <a:t>union {</a:t>
+            </a:r>
+            <a:r>
+              <a:rPr lang="en-US" smtClean="0">
+                <a:latin typeface="Consolas" panose="020B0609020204030204" pitchFamily="49" charset="0"/>
+              </a:rPr>
+              <a:t> Tp m_value; </a:t>
+            </a:r>
+            <a:r>
+              <a:rPr lang="en-US" smtClean="0">
+                <a:solidFill>
+                  <a:srgbClr val="0000FF"/>
+                </a:solidFill>
+                <a:latin typeface="Consolas" panose="020B0609020204030204" pitchFamily="49" charset="0"/>
+              </a:rPr>
+              <a:t>};</a:t>
+            </a:r>
+            <a:r>
+              <a:rPr lang="en-US" smtClean="0">
+                <a:latin typeface="Consolas" panose="020B0609020204030204" pitchFamily="49" charset="0"/>
+              </a:rPr>
+              <a:t/>
+            </a:r>
+            <a:br>
+              <a:rPr lang="en-US" smtClean="0">
+                <a:latin typeface="Consolas" panose="020B0609020204030204" pitchFamily="49" charset="0"/>
+              </a:rPr>
+            </a:br>
+            <a:r>
+              <a:rPr lang="en-US" smtClean="0">
+                <a:latin typeface="Consolas" panose="020B0609020204030204" pitchFamily="49" charset="0"/>
+              </a:rPr>
+              <a:t>};</a:t>
+            </a:r>
+          </a:p>
+          <a:p>
+            <a:r>
+              <a:rPr lang="ru-RU" smtClean="0"/>
+              <a:t>Теперь это значение вообще не будет инициализировано при конструировании</a:t>
+            </a:r>
+            <a:endParaRPr lang="en-US" smtClean="0"/>
           </a:p>
         </p:txBody>
       </p:sp>
     </p:spTree>
     <p:extLst>
       <p:ext uri="{BB962C8B-B14F-4D97-AF65-F5344CB8AC3E}">
-        <p14:creationId xmlns:p14="http://schemas.microsoft.com/office/powerpoint/2010/main" val="4223636990"/>
+        <p14:creationId xmlns:p14="http://schemas.microsoft.com/office/powerpoint/2010/main" val="2740946435"/>
       </p:ext>
     </p:extLst>
   </p:cSld>
@@ -11801,7 +13899,7 @@
           <a:p>
             <a:r>
               <a:rPr lang="ru-RU" smtClean="0"/>
-              <a:t>Обсуждение</a:t>
+              <a:t>Инициализация аллокатора</a:t>
             </a:r>
             <a:endParaRPr lang="en-US"/>
           </a:p>
@@ -11824,32 +13922,54 @@
           <a:p>
             <a:r>
               <a:rPr lang="ru-RU" smtClean="0"/>
-              <a:t>Представьте, что аллокатор -- шаблонный параметр как в </a:t>
-            </a:r>
-            <a:r>
-              <a:rPr lang="en-US" smtClean="0"/>
-              <a:t>C++98</a:t>
-            </a:r>
-          </a:p>
-          <a:p>
-            <a:r>
-              <a:rPr lang="ru-RU" smtClean="0"/>
-              <a:t>Как в этом случае могло бы быть устроено перемещающее присваивание?</a:t>
-            </a:r>
-          </a:p>
-          <a:p>
-            <a:r>
-              <a:rPr lang="ru-RU" smtClean="0"/>
-              <a:t>Это один из мрачнейших вопросов. Краткий ответ: </a:t>
-            </a:r>
-            <a:r>
-              <a:rPr lang="en-US" smtClean="0"/>
-              <a:t>rebind. </a:t>
-            </a:r>
-            <a:r>
-              <a:rPr lang="ru-RU" smtClean="0"/>
-              <a:t>Подробный ответ вы не хотите знать.</a:t>
-            </a:r>
+              <a:t>Удобный алиас</a:t>
+            </a:r>
+          </a:p>
+          <a:p>
+            <a:pPr marL="45720" indent="0">
+              <a:buNone/>
+            </a:pPr>
+            <a:r>
+              <a:rPr lang="en-US" smtClean="0"/>
+              <a:t>using allocator_t = pmr::polymorphic_allocator&lt;byte&gt;;</a:t>
+            </a:r>
+          </a:p>
+          <a:p>
+            <a:r>
+              <a:rPr lang="ru-RU" smtClean="0"/>
+              <a:t>Аргумент конструктора, а не шаблона</a:t>
+            </a:r>
+          </a:p>
+          <a:p>
+            <a:pPr marL="45720" indent="0">
+              <a:buNone/>
+            </a:pPr>
+            <a:r>
+              <a:rPr lang="en-US" smtClean="0"/>
+              <a:t>slist(allocator_t a = {}) : head_{}, tail_p_{&amp;head_}, size_{0}, alloc_{a} {};</a:t>
+            </a:r>
+          </a:p>
+          <a:p>
+            <a:r>
+              <a:rPr lang="ru-RU" smtClean="0"/>
+              <a:t>Вариант копирующего конструктора с аллокатором</a:t>
+            </a:r>
+          </a:p>
+          <a:p>
+            <a:pPr marL="45720" indent="0">
+              <a:buNone/>
+            </a:pPr>
+            <a:r>
+              <a:rPr lang="en-US" smtClean="0"/>
+              <a:t>slist(const slist&amp; rhs, allocator_t </a:t>
+            </a:r>
+            <a:r>
+              <a:rPr lang="en-US"/>
+              <a:t>a = {})</a:t>
+            </a:r>
+            <a:endParaRPr lang="ru-RU" smtClean="0"/>
+          </a:p>
+          <a:p>
             <a:endParaRPr lang="en-US"/>
           </a:p>
         </p:txBody>
@@ -11857,7 +13977,7 @@
     </p:spTree>
     <p:extLst>
       <p:ext uri="{BB962C8B-B14F-4D97-AF65-F5344CB8AC3E}">
-        <p14:creationId xmlns:p14="http://schemas.microsoft.com/office/powerpoint/2010/main" val="1650874779"/>
+        <p14:creationId xmlns:p14="http://schemas.microsoft.com/office/powerpoint/2010/main" val="2824013710"/>
       </p:ext>
     </p:extLst>
   </p:cSld>
@@ -11901,7 +14021,7 @@
           <a:p>
             <a:r>
               <a:rPr lang="ru-RU" smtClean="0"/>
-              <a:t>Копирующее конструирование</a:t>
+              <a:t>Использование аллокатора</a:t>
             </a:r>
             <a:endParaRPr lang="en-US"/>
           </a:p>
@@ -11923,8 +14043,36 @@
           <a:lstStyle/>
           <a:p>
             <a:r>
-              <a:rPr lang="ru-RU" smtClean="0"/>
-              <a:t>Около 54 минуты</a:t>
+              <a:rPr lang="en-US" smtClean="0"/>
+              <a:t>TODO: emplace (46 </a:t>
+            </a:r>
+            <a:r>
+              <a:rPr lang="ru-RU" smtClean="0"/>
+              <a:t>минута)</a:t>
+            </a:r>
+          </a:p>
+          <a:p>
+            <a:r>
+              <a:rPr lang="ru-RU" smtClean="0"/>
+              <a:t>Ключевая идея:</a:t>
+            </a:r>
+          </a:p>
+          <a:p>
+            <a:pPr marL="45720" indent="0">
+              <a:buNone/>
+            </a:pPr>
+            <a:r>
+              <a:rPr lang="en-US" smtClean="0"/>
+              <a:t>alloc_.resource()-&gt;allocate(sizeof node, alignof node)</a:t>
+            </a:r>
+          </a:p>
+          <a:p>
+            <a:pPr marL="45720" indent="0">
+              <a:buNone/>
+            </a:pPr>
+            <a:r>
+              <a:rPr lang="en-US" smtClean="0"/>
+              <a:t>alloc_.construct(addressof node-&gt;value, forward&lt;Args&gt;(args)...);</a:t>
             </a:r>
             <a:endParaRPr lang="en-US"/>
           </a:p>
@@ -11933,7 +14081,7 @@
     </p:spTree>
     <p:extLst>
       <p:ext uri="{BB962C8B-B14F-4D97-AF65-F5344CB8AC3E}">
-        <p14:creationId xmlns:p14="http://schemas.microsoft.com/office/powerpoint/2010/main" val="3714508453"/>
+        <p14:creationId xmlns:p14="http://schemas.microsoft.com/office/powerpoint/2010/main" val="1612980060"/>
       </p:ext>
     </p:extLst>
   </p:cSld>
@@ -11962,6 +14110,29 @@
       </p:grpSpPr>
       <p:sp>
         <p:nvSpPr>
+          <p:cNvPr id="2" name="Title 1"/>
+          <p:cNvSpPr>
+            <a:spLocks noGrp="1"/>
+          </p:cNvSpPr>
+          <p:nvPr>
+            <p:ph type="title"/>
+          </p:nvPr>
+        </p:nvSpPr>
+        <p:spPr/>
+        <p:txBody>
+          <a:bodyPr/>
+          <a:lstStyle/>
+          <a:p>
+            <a:r>
+              <a:rPr lang="ru-RU" smtClean="0"/>
+              <a:t>Очистка памяти</a:t>
+            </a:r>
+            <a:endParaRPr lang="en-US"/>
+          </a:p>
+        </p:txBody>
+      </p:sp>
+      <p:sp>
+        <p:nvSpPr>
           <p:cNvPr id="3" name="Content Placeholder 2"/>
           <p:cNvSpPr>
             <a:spLocks noGrp="1"/>
@@ -11970,92 +14141,37 @@
             <p:ph idx="1"/>
           </p:nvPr>
         </p:nvSpPr>
-        <p:spPr>
-          <a:xfrm>
-            <a:off x="1143000" y="742122"/>
-            <a:ext cx="9872871" cy="5353878"/>
-          </a:xfrm>
-        </p:spPr>
-        <p:txBody>
-          <a:bodyPr>
-            <a:noAutofit/>
-          </a:bodyPr>
-          <a:lstStyle/>
-          <a:p>
-            <a:pPr>
-              <a:lnSpc>
-                <a:spcPct val="150000"/>
-              </a:lnSpc>
-              <a:buFont typeface="Wingdings" panose="05000000000000000000" pitchFamily="2" charset="2"/>
-              <a:buChar char="q"/>
-            </a:pPr>
-            <a:r>
-              <a:rPr lang="ru-RU" sz="4800" smtClean="0"/>
-              <a:t>  Плохая репутация аллокаторов</a:t>
-            </a:r>
-          </a:p>
-          <a:p>
-            <a:pPr>
-              <a:lnSpc>
-                <a:spcPct val="150000"/>
-              </a:lnSpc>
-              <a:buFont typeface="Wingdings" panose="05000000000000000000" pitchFamily="2" charset="2"/>
-              <a:buChar char="q"/>
-            </a:pPr>
-            <a:r>
-              <a:rPr lang="ru-RU" sz="4800" smtClean="0"/>
-              <a:t>  Полиморфные аллокаторы</a:t>
-            </a:r>
-          </a:p>
-          <a:p>
-            <a:pPr>
-              <a:lnSpc>
-                <a:spcPct val="150000"/>
-              </a:lnSpc>
-              <a:buFont typeface="Wingdings" panose="05000000000000000000" pitchFamily="2" charset="2"/>
-              <a:buChar char="q"/>
-            </a:pPr>
-            <a:r>
-              <a:rPr lang="ru-RU" sz="4800" smtClean="0"/>
-              <a:t>  Собственный </a:t>
-            </a:r>
-            <a:r>
-              <a:rPr lang="en-US" sz="4800" smtClean="0"/>
-              <a:t>pmr </a:t>
-            </a:r>
-            <a:r>
-              <a:rPr lang="ru-RU" sz="4800" smtClean="0"/>
-              <a:t>контейнер</a:t>
-            </a:r>
-            <a:endParaRPr lang="en-US" sz="4800" smtClean="0"/>
-          </a:p>
-          <a:p>
-            <a:pPr>
-              <a:lnSpc>
-                <a:spcPct val="150000"/>
-              </a:lnSpc>
-              <a:buFont typeface="Wingdings" panose="05000000000000000000" pitchFamily="2" charset="2"/>
-              <a:buChar char="Ø"/>
-            </a:pPr>
-            <a:r>
-              <a:rPr lang="en-US" sz="4800"/>
-              <a:t> </a:t>
-            </a:r>
-            <a:r>
-              <a:rPr lang="ru-RU" sz="4800"/>
-              <a:t> </a:t>
-            </a:r>
-            <a:r>
-              <a:rPr lang="ru-RU" sz="4800" smtClean="0"/>
-              <a:t>Аллокатор Хинанта</a:t>
-            </a:r>
+        <p:spPr/>
+        <p:txBody>
+          <a:bodyPr/>
+          <a:lstStyle/>
+          <a:p>
+            <a:r>
+              <a:rPr lang="ru-RU" smtClean="0"/>
+              <a:t>Около 50 минуты</a:t>
+            </a:r>
+          </a:p>
+          <a:p>
+            <a:r>
+              <a:rPr lang="en-US" smtClean="0"/>
+              <a:t>destroy, </a:t>
+            </a:r>
+            <a:r>
+              <a:rPr lang="ru-RU" smtClean="0"/>
+              <a:t>потом </a:t>
+            </a:r>
+            <a:r>
+              <a:rPr lang="en-US" smtClean="0"/>
+              <a:t>deallocate</a:t>
+            </a:r>
+            <a:endParaRPr lang="en-US"/>
           </a:p>
         </p:txBody>
       </p:sp>
     </p:spTree>
     <p:extLst>
       <p:ext uri="{BB962C8B-B14F-4D97-AF65-F5344CB8AC3E}">
-        <p14:creationId xmlns:p14="http://schemas.microsoft.com/office/powerpoint/2010/main" val="1004029259"/>
+        <p14:creationId xmlns:p14="http://schemas.microsoft.com/office/powerpoint/2010/main" val="4089096844"/>
       </p:ext>
     </p:extLst>
   </p:cSld>
@@ -12097,6 +14213,10 @@
           <a:bodyPr/>
           <a:lstStyle/>
           <a:p>
+            <a:r>
+              <a:rPr lang="ru-RU" smtClean="0"/>
+              <a:t>Тонкость в реализации перемещения</a:t>
+            </a:r>
             <a:endParaRPr lang="en-US"/>
           </a:p>
         </p:txBody>
@@ -12117,16 +14237,100 @@
           <a:lstStyle/>
           <a:p>
             <a:r>
-              <a:rPr lang="en-US"/>
-              <a:t>https://howardhinnant.github.io/stack_alloc.html</a:t>
-            </a:r>
+              <a:rPr lang="ru-RU" smtClean="0"/>
+              <a:t>Стандартная реализация перемещения в данном случае будет очевидно плоха:</a:t>
+            </a:r>
+          </a:p>
+          <a:p>
+            <a:pPr marL="45720" indent="0">
+              <a:buNone/>
+            </a:pPr>
+            <a:r>
+              <a:rPr lang="en-US" smtClean="0"/>
+              <a:t>slist&amp; operator=(slist&amp;&amp; rhs) {</a:t>
+            </a:r>
+            <a:br>
+              <a:rPr lang="en-US" smtClean="0"/>
+            </a:br>
+            <a:r>
+              <a:rPr lang="ru-RU" smtClean="0"/>
+              <a:t>  </a:t>
+            </a:r>
+            <a:r>
+              <a:rPr lang="en-US" smtClean="0"/>
+              <a:t>swap(rhs.head_, head_);</a:t>
+            </a:r>
+            <a:br>
+              <a:rPr lang="en-US" smtClean="0"/>
+            </a:br>
+            <a:r>
+              <a:rPr lang="en-US" smtClean="0"/>
+              <a:t> </a:t>
+            </a:r>
+            <a:r>
+              <a:rPr lang="ru-RU" smtClean="0"/>
+              <a:t> </a:t>
+            </a:r>
+            <a:r>
+              <a:rPr lang="en-US" smtClean="0"/>
+              <a:t>swap(rhs.tail_p_, tail_p_);</a:t>
+            </a:r>
+            <a:r>
+              <a:rPr lang="ru-RU"/>
+              <a:t/>
+            </a:r>
+            <a:br>
+              <a:rPr lang="ru-RU"/>
+            </a:br>
+            <a:r>
+              <a:rPr lang="en-US" smtClean="0"/>
+              <a:t>  swap(rhs.alloc_, alloc_); // </a:t>
+            </a:r>
+            <a:r>
+              <a:rPr lang="ru-RU" smtClean="0"/>
+              <a:t>ошибка</a:t>
+            </a:r>
+            <a:r>
+              <a:rPr lang="en-US" smtClean="0"/>
+              <a:t>, </a:t>
+            </a:r>
+            <a:r>
+              <a:rPr lang="ru-RU" smtClean="0"/>
+              <a:t>у аллокатора может не быть </a:t>
+            </a:r>
+            <a:r>
+              <a:rPr lang="en-US" smtClean="0"/>
+              <a:t>move-ctor</a:t>
+            </a:r>
+            <a:br>
+              <a:rPr lang="en-US" smtClean="0"/>
+            </a:br>
+            <a:r>
+              <a:rPr lang="en-US" smtClean="0"/>
+              <a:t>  return *this;</a:t>
+            </a:r>
+            <a:br>
+              <a:rPr lang="en-US" smtClean="0"/>
+            </a:br>
+            <a:r>
+              <a:rPr lang="en-US" smtClean="0"/>
+              <a:t>}</a:t>
+            </a:r>
+            <a:endParaRPr lang="ru-RU"/>
+          </a:p>
+          <a:p>
+            <a:r>
+              <a:rPr lang="ru-RU" smtClean="0"/>
+              <a:t>На самом деле аллокатор никогда нельзя двигать</a:t>
+            </a:r>
+            <a:endParaRPr lang="en-US"/>
           </a:p>
         </p:txBody>
       </p:sp>
     </p:spTree>
     <p:extLst>
       <p:ext uri="{BB962C8B-B14F-4D97-AF65-F5344CB8AC3E}">
-        <p14:creationId xmlns:p14="http://schemas.microsoft.com/office/powerpoint/2010/main" val="2848263361"/>
+        <p14:creationId xmlns:p14="http://schemas.microsoft.com/office/powerpoint/2010/main" val="1832753146"/>
       </p:ext>
     </p:extLst>
   </p:cSld>
@@ -12169,6 +14373,1078 @@
           <a:lstStyle/>
           <a:p>
             <a:r>
+              <a:rPr lang="ru-RU" smtClean="0"/>
+              <a:t>Тонкость в реализации перемещения</a:t>
+            </a:r>
+            <a:endParaRPr lang="en-US"/>
+          </a:p>
+        </p:txBody>
+      </p:sp>
+      <p:sp>
+        <p:nvSpPr>
+          <p:cNvPr id="3" name="Content Placeholder 2"/>
+          <p:cNvSpPr>
+            <a:spLocks noGrp="1"/>
+          </p:cNvSpPr>
+          <p:nvPr>
+            <p:ph idx="1"/>
+          </p:nvPr>
+        </p:nvSpPr>
+        <p:spPr/>
+        <p:txBody>
+          <a:bodyPr/>
+          <a:lstStyle/>
+          <a:p>
+            <a:r>
+              <a:rPr lang="ru-RU" smtClean="0"/>
+              <a:t>Поэтому необходимо предусмотреть копирование если пришёл объект того же класса с другим аллокатором</a:t>
+            </a:r>
+          </a:p>
+          <a:p>
+            <a:pPr marL="45720" indent="0">
+              <a:buNone/>
+            </a:pPr>
+            <a:r>
+              <a:rPr lang="en-US" smtClean="0">
+                <a:latin typeface="Consolas" panose="020B0609020204030204" pitchFamily="49" charset="0"/>
+              </a:rPr>
+              <a:t>slist&amp; operator=(slist&amp;&amp; rhs) {</a:t>
+            </a:r>
+            <a:br>
+              <a:rPr lang="en-US" smtClean="0">
+                <a:latin typeface="Consolas" panose="020B0609020204030204" pitchFamily="49" charset="0"/>
+              </a:rPr>
+            </a:br>
+            <a:r>
+              <a:rPr lang="ru-RU" smtClean="0">
+                <a:latin typeface="Consolas" panose="020B0609020204030204" pitchFamily="49" charset="0"/>
+              </a:rPr>
+              <a:t>  </a:t>
+            </a:r>
+            <a:r>
+              <a:rPr lang="en-US" smtClean="0">
+                <a:latin typeface="Consolas" panose="020B0609020204030204" pitchFamily="49" charset="0"/>
+              </a:rPr>
+              <a:t>if (alloc_ == rhs.alloc_)</a:t>
+            </a:r>
+            <a:br>
+              <a:rPr lang="en-US" smtClean="0">
+                <a:latin typeface="Consolas" panose="020B0609020204030204" pitchFamily="49" charset="0"/>
+              </a:rPr>
+            </a:br>
+            <a:r>
+              <a:rPr lang="en-US" smtClean="0">
+                <a:latin typeface="Consolas" panose="020B0609020204030204" pitchFamily="49" charset="0"/>
+              </a:rPr>
+              <a:t>    // </a:t>
+            </a:r>
+            <a:r>
+              <a:rPr lang="ru-RU" smtClean="0">
+                <a:latin typeface="Consolas" panose="020B0609020204030204" pitchFamily="49" charset="0"/>
+              </a:rPr>
+              <a:t>тогда можно перемещать</a:t>
+            </a:r>
+            <a:br>
+              <a:rPr lang="ru-RU" smtClean="0">
+                <a:latin typeface="Consolas" panose="020B0609020204030204" pitchFamily="49" charset="0"/>
+              </a:rPr>
+            </a:br>
+            <a:r>
+              <a:rPr lang="ru-RU" smtClean="0">
+                <a:latin typeface="Consolas" panose="020B0609020204030204" pitchFamily="49" charset="0"/>
+              </a:rPr>
+              <a:t>  </a:t>
+            </a:r>
+            <a:r>
+              <a:rPr lang="en-US" smtClean="0">
+                <a:latin typeface="Consolas" panose="020B0609020204030204" pitchFamily="49" charset="0"/>
+              </a:rPr>
+              <a:t>else</a:t>
+            </a:r>
+            <a:br>
+              <a:rPr lang="en-US" smtClean="0">
+                <a:latin typeface="Consolas" panose="020B0609020204030204" pitchFamily="49" charset="0"/>
+              </a:rPr>
+            </a:br>
+            <a:r>
+              <a:rPr lang="en-US" smtClean="0">
+                <a:latin typeface="Consolas" panose="020B0609020204030204" pitchFamily="49" charset="0"/>
+              </a:rPr>
+              <a:t>    operator=(rhs); // </a:t>
+            </a:r>
+            <a:r>
+              <a:rPr lang="ru-RU" smtClean="0">
+                <a:latin typeface="Consolas" panose="020B0609020204030204" pitchFamily="49" charset="0"/>
+              </a:rPr>
+              <a:t>копирование</a:t>
+            </a:r>
+            <a:r>
+              <a:rPr lang="ru-RU">
+                <a:latin typeface="Consolas" panose="020B0609020204030204" pitchFamily="49" charset="0"/>
+              </a:rPr>
+              <a:t/>
+            </a:r>
+            <a:br>
+              <a:rPr lang="ru-RU">
+                <a:latin typeface="Consolas" panose="020B0609020204030204" pitchFamily="49" charset="0"/>
+              </a:rPr>
+            </a:br>
+            <a:r>
+              <a:rPr lang="ru-RU" smtClean="0">
+                <a:latin typeface="Consolas" panose="020B0609020204030204" pitchFamily="49" charset="0"/>
+              </a:rPr>
+              <a:t>  </a:t>
+            </a:r>
+            <a:r>
+              <a:rPr lang="en-US" smtClean="0">
+                <a:latin typeface="Consolas" panose="020B0609020204030204" pitchFamily="49" charset="0"/>
+              </a:rPr>
+              <a:t>return *this;</a:t>
+            </a:r>
+            <a:br>
+              <a:rPr lang="en-US" smtClean="0">
+                <a:latin typeface="Consolas" panose="020B0609020204030204" pitchFamily="49" charset="0"/>
+              </a:rPr>
+            </a:br>
+            <a:r>
+              <a:rPr lang="en-US" smtClean="0">
+                <a:latin typeface="Consolas" panose="020B0609020204030204" pitchFamily="49" charset="0"/>
+              </a:rPr>
+              <a:t>}</a:t>
+            </a:r>
+            <a:endParaRPr lang="ru-RU">
+              <a:latin typeface="Consolas" panose="020B0609020204030204" pitchFamily="49" charset="0"/>
+            </a:endParaRPr>
+          </a:p>
+          <a:p>
+            <a:r>
+              <a:rPr lang="ru-RU" smtClean="0"/>
+              <a:t>Обычно это усложнение незначительно, но оно показывает, что аллокаторы влияют на архитектуру.</a:t>
+            </a:r>
+            <a:endParaRPr lang="en-US"/>
+          </a:p>
+        </p:txBody>
+      </p:sp>
+    </p:spTree>
+    <p:extLst>
+      <p:ext uri="{BB962C8B-B14F-4D97-AF65-F5344CB8AC3E}">
+        <p14:creationId xmlns:p14="http://schemas.microsoft.com/office/powerpoint/2010/main" val="1406412870"/>
+      </p:ext>
+    </p:extLst>
+  </p:cSld>
+  <p:clrMapOvr>
+    <a:masterClrMapping/>
+  </p:clrMapOvr>
+</p:sld>
+</file>
+
+<file path=ppt/slides/slide48.xml><?xml version="1.0" encoding="utf-8"?>
+<p:sld xmlns:a="http://schemas.openxmlformats.org/drawingml/2006/main" xmlns:r="http://schemas.openxmlformats.org/officeDocument/2006/relationships" xmlns:p="http://schemas.openxmlformats.org/presentationml/2006/main">
+  <p:cSld>
+    <p:spTree>
+      <p:nvGrpSpPr>
+        <p:cNvPr id="1" name=""/>
+        <p:cNvGrpSpPr/>
+        <p:nvPr/>
+      </p:nvGrpSpPr>
+      <p:grpSpPr>
+        <a:xfrm>
+          <a:off x="0" y="0"/>
+          <a:ext cx="0" cy="0"/>
+          <a:chOff x="0" y="0"/>
+          <a:chExt cx="0" cy="0"/>
+        </a:xfrm>
+      </p:grpSpPr>
+      <p:sp>
+        <p:nvSpPr>
+          <p:cNvPr id="2" name="Title 1"/>
+          <p:cNvSpPr>
+            <a:spLocks noGrp="1"/>
+          </p:cNvSpPr>
+          <p:nvPr>
+            <p:ph type="title"/>
+          </p:nvPr>
+        </p:nvSpPr>
+        <p:spPr/>
+        <p:txBody>
+          <a:bodyPr/>
+          <a:lstStyle/>
+          <a:p>
+            <a:r>
+              <a:rPr lang="ru-RU" smtClean="0"/>
+              <a:t>Обсуждение</a:t>
+            </a:r>
+            <a:endParaRPr lang="en-US"/>
+          </a:p>
+        </p:txBody>
+      </p:sp>
+      <p:sp>
+        <p:nvSpPr>
+          <p:cNvPr id="3" name="Content Placeholder 2"/>
+          <p:cNvSpPr>
+            <a:spLocks noGrp="1"/>
+          </p:cNvSpPr>
+          <p:nvPr>
+            <p:ph idx="1"/>
+          </p:nvPr>
+        </p:nvSpPr>
+        <p:spPr/>
+        <p:txBody>
+          <a:bodyPr/>
+          <a:lstStyle/>
+          <a:p>
+            <a:r>
+              <a:rPr lang="ru-RU" smtClean="0"/>
+              <a:t>Представьте, что аллокатор -- шаблонный параметр как в </a:t>
+            </a:r>
+            <a:r>
+              <a:rPr lang="en-US" smtClean="0"/>
+              <a:t>C</a:t>
+            </a:r>
+            <a:r>
+              <a:rPr lang="en-US" smtClean="0"/>
+              <a:t>++</a:t>
+            </a:r>
+            <a:r>
+              <a:rPr lang="en-US" smtClean="0">
+                <a:latin typeface="Consolas" panose="020B0609020204030204" pitchFamily="49" charset="0"/>
+              </a:rPr>
+              <a:t>11</a:t>
+            </a:r>
+            <a:endParaRPr lang="en-US" smtClean="0">
+              <a:latin typeface="Consolas" panose="020B0609020204030204" pitchFamily="49" charset="0"/>
+            </a:endParaRPr>
+          </a:p>
+          <a:p>
+            <a:r>
+              <a:rPr lang="ru-RU" smtClean="0"/>
+              <a:t>Как в этом случае могло бы быть устроено перемещающее присваивание?</a:t>
+            </a:r>
+            <a:endParaRPr lang="en-US"/>
+          </a:p>
+        </p:txBody>
+      </p:sp>
+    </p:spTree>
+    <p:extLst>
+      <p:ext uri="{BB962C8B-B14F-4D97-AF65-F5344CB8AC3E}">
+        <p14:creationId xmlns:p14="http://schemas.microsoft.com/office/powerpoint/2010/main" val="4223636990"/>
+      </p:ext>
+    </p:extLst>
+  </p:cSld>
+  <p:clrMapOvr>
+    <a:masterClrMapping/>
+  </p:clrMapOvr>
+</p:sld>
+</file>
+
+<file path=ppt/slides/slide49.xml><?xml version="1.0" encoding="utf-8"?>
+<p:sld xmlns:a="http://schemas.openxmlformats.org/drawingml/2006/main" xmlns:r="http://schemas.openxmlformats.org/officeDocument/2006/relationships" xmlns:p="http://schemas.openxmlformats.org/presentationml/2006/main">
+  <p:cSld>
+    <p:spTree>
+      <p:nvGrpSpPr>
+        <p:cNvPr id="1" name=""/>
+        <p:cNvGrpSpPr/>
+        <p:nvPr/>
+      </p:nvGrpSpPr>
+      <p:grpSpPr>
+        <a:xfrm>
+          <a:off x="0" y="0"/>
+          <a:ext cx="0" cy="0"/>
+          <a:chOff x="0" y="0"/>
+          <a:chExt cx="0" cy="0"/>
+        </a:xfrm>
+      </p:grpSpPr>
+      <p:sp>
+        <p:nvSpPr>
+          <p:cNvPr id="2" name="Title 1"/>
+          <p:cNvSpPr>
+            <a:spLocks noGrp="1"/>
+          </p:cNvSpPr>
+          <p:nvPr>
+            <p:ph type="title"/>
+          </p:nvPr>
+        </p:nvSpPr>
+        <p:spPr/>
+        <p:txBody>
+          <a:bodyPr/>
+          <a:lstStyle/>
+          <a:p>
+            <a:r>
+              <a:rPr lang="ru-RU" smtClean="0"/>
+              <a:t>Обсуждение</a:t>
+            </a:r>
+            <a:endParaRPr lang="en-US"/>
+          </a:p>
+        </p:txBody>
+      </p:sp>
+      <p:sp>
+        <p:nvSpPr>
+          <p:cNvPr id="3" name="Content Placeholder 2"/>
+          <p:cNvSpPr>
+            <a:spLocks noGrp="1"/>
+          </p:cNvSpPr>
+          <p:nvPr>
+            <p:ph idx="1"/>
+          </p:nvPr>
+        </p:nvSpPr>
+        <p:spPr/>
+        <p:txBody>
+          <a:bodyPr/>
+          <a:lstStyle/>
+          <a:p>
+            <a:r>
+              <a:rPr lang="ru-RU" smtClean="0"/>
+              <a:t>Представьте, что аллокатор -- шаблонный параметр как в </a:t>
+            </a:r>
+            <a:r>
+              <a:rPr lang="en-US" smtClean="0"/>
+              <a:t>C</a:t>
+            </a:r>
+            <a:r>
+              <a:rPr lang="en-US" smtClean="0"/>
+              <a:t>++</a:t>
+            </a:r>
+            <a:r>
+              <a:rPr lang="en-US" smtClean="0">
+                <a:latin typeface="Consolas" panose="020B0609020204030204" pitchFamily="49" charset="0"/>
+              </a:rPr>
+              <a:t>11</a:t>
+            </a:r>
+            <a:endParaRPr lang="en-US" smtClean="0">
+              <a:latin typeface="Consolas" panose="020B0609020204030204" pitchFamily="49" charset="0"/>
+            </a:endParaRPr>
+          </a:p>
+          <a:p>
+            <a:r>
+              <a:rPr lang="ru-RU" smtClean="0"/>
+              <a:t>Как в этом случае могло бы быть устроено перемещающее присваивание?</a:t>
+            </a:r>
+          </a:p>
+          <a:p>
+            <a:r>
+              <a:rPr lang="ru-RU" smtClean="0"/>
+              <a:t>Это один из мрачнейших вопросов. Краткий ответ: </a:t>
+            </a:r>
+            <a:r>
+              <a:rPr lang="en-US" smtClean="0"/>
+              <a:t>rebind. </a:t>
+            </a:r>
+            <a:r>
+              <a:rPr lang="ru-RU" smtClean="0"/>
+              <a:t>Подробный ответ вы не хотите знать.</a:t>
+            </a:r>
+            <a:endParaRPr lang="en-US"/>
+          </a:p>
+        </p:txBody>
+      </p:sp>
+    </p:spTree>
+    <p:extLst>
+      <p:ext uri="{BB962C8B-B14F-4D97-AF65-F5344CB8AC3E}">
+        <p14:creationId xmlns:p14="http://schemas.microsoft.com/office/powerpoint/2010/main" val="1650874779"/>
+      </p:ext>
+    </p:extLst>
+  </p:cSld>
+  <p:clrMapOvr>
+    <a:masterClrMapping/>
+  </p:clrMapOvr>
+</p:sld>
+</file>
+
+<file path=ppt/slides/slide5.xml><?xml version="1.0" encoding="utf-8"?>
+<p:sld xmlns:a="http://schemas.openxmlformats.org/drawingml/2006/main" xmlns:r="http://schemas.openxmlformats.org/officeDocument/2006/relationships" xmlns:p="http://schemas.openxmlformats.org/presentationml/2006/main">
+  <p:cSld>
+    <p:spTree>
+      <p:nvGrpSpPr>
+        <p:cNvPr id="1" name=""/>
+        <p:cNvGrpSpPr/>
+        <p:nvPr/>
+      </p:nvGrpSpPr>
+      <p:grpSpPr>
+        <a:xfrm>
+          <a:off x="0" y="0"/>
+          <a:ext cx="0" cy="0"/>
+          <a:chOff x="0" y="0"/>
+          <a:chExt cx="0" cy="0"/>
+        </a:xfrm>
+      </p:grpSpPr>
+      <p:sp>
+        <p:nvSpPr>
+          <p:cNvPr id="2" name="Title 1"/>
+          <p:cNvSpPr>
+            <a:spLocks noGrp="1"/>
+          </p:cNvSpPr>
+          <p:nvPr>
+            <p:ph type="title"/>
+          </p:nvPr>
+        </p:nvSpPr>
+        <p:spPr/>
+        <p:txBody>
+          <a:bodyPr/>
+          <a:lstStyle/>
+          <a:p>
+            <a:r>
+              <a:rPr lang="ru-RU" smtClean="0"/>
+              <a:t>Как это было</a:t>
+            </a:r>
+            <a:endParaRPr lang="en-US"/>
+          </a:p>
+        </p:txBody>
+      </p:sp>
+      <p:sp>
+        <p:nvSpPr>
+          <p:cNvPr id="3" name="Content Placeholder 2"/>
+          <p:cNvSpPr>
+            <a:spLocks noGrp="1"/>
+          </p:cNvSpPr>
+          <p:nvPr>
+            <p:ph idx="1"/>
+          </p:nvPr>
+        </p:nvSpPr>
+        <p:spPr>
+          <a:xfrm>
+            <a:off x="1143000" y="2057400"/>
+            <a:ext cx="10296144" cy="4038600"/>
+          </a:xfrm>
+        </p:spPr>
+        <p:txBody>
+          <a:bodyPr/>
+          <a:lstStyle/>
+          <a:p>
+            <a:r>
+              <a:rPr lang="ru-RU" smtClean="0"/>
+              <a:t>Представим, что у вас в программе есть особый распределитель памяти </a:t>
+            </a:r>
+            <a:r>
+              <a:rPr lang="en-US" smtClean="0"/>
+              <a:t>s</a:t>
+            </a:r>
+            <a:r>
+              <a:rPr lang="ru-RU" smtClean="0"/>
+              <a:t>_</a:t>
+            </a:r>
+            <a:r>
+              <a:rPr lang="en-US" smtClean="0"/>
+              <a:t>malloc </a:t>
+            </a:r>
+            <a:r>
+              <a:rPr lang="ru-RU" smtClean="0"/>
+              <a:t>и вы пишете аллокатор с функциями </a:t>
+            </a:r>
+            <a:r>
+              <a:rPr lang="en-US" smtClean="0"/>
+              <a:t>allocate</a:t>
+            </a:r>
+            <a:r>
+              <a:rPr lang="ru-RU" smtClean="0"/>
+              <a:t> и </a:t>
+            </a:r>
+            <a:r>
+              <a:rPr lang="en-US" smtClean="0"/>
+              <a:t>deallocate:</a:t>
+            </a:r>
+          </a:p>
+          <a:p>
+            <a:pPr marL="45720" indent="0">
+              <a:buNone/>
+            </a:pPr>
+            <a:r>
+              <a:rPr lang="en-US" smtClean="0">
+                <a:latin typeface="Consolas" panose="020B0609020204030204" pitchFamily="49" charset="0"/>
+              </a:rPr>
+              <a:t>template&lt;typename T&gt; struct s_alloc {</a:t>
+            </a:r>
+            <a:br>
+              <a:rPr lang="en-US" smtClean="0">
+                <a:latin typeface="Consolas" panose="020B0609020204030204" pitchFamily="49" charset="0"/>
+              </a:rPr>
+            </a:br>
+            <a:r>
+              <a:rPr lang="en-US" smtClean="0">
+                <a:latin typeface="Consolas" panose="020B0609020204030204" pitchFamily="49" charset="0"/>
+              </a:rPr>
+              <a:t>  typedef T value_type;</a:t>
+            </a:r>
+            <a:r>
+              <a:rPr lang="ru-RU" smtClean="0">
+                <a:latin typeface="Consolas" panose="020B0609020204030204" pitchFamily="49" charset="0"/>
+              </a:rPr>
+              <a:t/>
+            </a:r>
+            <a:br>
+              <a:rPr lang="ru-RU" smtClean="0">
+                <a:latin typeface="Consolas" panose="020B0609020204030204" pitchFamily="49" charset="0"/>
+              </a:rPr>
+            </a:br>
+            <a:r>
+              <a:rPr lang="ru-RU" smtClean="0">
+                <a:latin typeface="Consolas" panose="020B0609020204030204" pitchFamily="49" charset="0"/>
+              </a:rPr>
+              <a:t>  </a:t>
+            </a:r>
+            <a:r>
+              <a:rPr lang="en-US" smtClean="0">
+                <a:latin typeface="Consolas" panose="020B0609020204030204" pitchFamily="49" charset="0"/>
+              </a:rPr>
+              <a:t>typedef T</a:t>
+            </a:r>
+            <a:r>
+              <a:rPr lang="ru-RU" smtClean="0">
+                <a:latin typeface="Consolas" panose="020B0609020204030204" pitchFamily="49" charset="0"/>
+              </a:rPr>
+              <a:t>*</a:t>
+            </a:r>
+            <a:r>
+              <a:rPr lang="en-US" smtClean="0">
+                <a:latin typeface="Consolas" panose="020B0609020204030204" pitchFamily="49" charset="0"/>
+              </a:rPr>
+              <a:t> pointer;</a:t>
+            </a:r>
+            <a:r>
+              <a:rPr lang="ru-RU" smtClean="0">
+                <a:latin typeface="Consolas" panose="020B0609020204030204" pitchFamily="49" charset="0"/>
+              </a:rPr>
+              <a:t/>
+            </a:r>
+            <a:br>
+              <a:rPr lang="ru-RU" smtClean="0">
+                <a:latin typeface="Consolas" panose="020B0609020204030204" pitchFamily="49" charset="0"/>
+              </a:rPr>
+            </a:br>
+            <a:r>
+              <a:rPr lang="ru-RU" smtClean="0">
+                <a:latin typeface="Consolas" panose="020B0609020204030204" pitchFamily="49" charset="0"/>
+              </a:rPr>
+              <a:t>  </a:t>
+            </a:r>
+            <a:r>
+              <a:rPr lang="en-US" smtClean="0">
+                <a:latin typeface="Consolas" panose="020B0609020204030204" pitchFamily="49" charset="0"/>
+              </a:rPr>
+              <a:t>pointer</a:t>
+            </a:r>
+            <a:r>
+              <a:rPr lang="en-US" smtClean="0">
+                <a:solidFill>
+                  <a:srgbClr val="FF0000"/>
+                </a:solidFill>
+                <a:latin typeface="Consolas" panose="020B0609020204030204" pitchFamily="49" charset="0"/>
+              </a:rPr>
+              <a:t> </a:t>
+            </a:r>
+            <a:r>
+              <a:rPr lang="en-US" smtClean="0">
+                <a:latin typeface="Consolas" panose="020B0609020204030204" pitchFamily="49" charset="0"/>
+              </a:rPr>
+              <a:t>allocate </a:t>
+            </a:r>
+            <a:r>
+              <a:rPr lang="en-US">
+                <a:latin typeface="Consolas" panose="020B0609020204030204" pitchFamily="49" charset="0"/>
+              </a:rPr>
+              <a:t>(</a:t>
+            </a:r>
+            <a:r>
+              <a:rPr lang="en-US" smtClean="0">
+                <a:latin typeface="Consolas" panose="020B0609020204030204" pitchFamily="49" charset="0"/>
+              </a:rPr>
+              <a:t>size_t n</a:t>
+            </a:r>
+            <a:r>
+              <a:rPr lang="ru-RU" smtClean="0">
+                <a:latin typeface="Consolas" panose="020B0609020204030204" pitchFamily="49" charset="0"/>
+              </a:rPr>
+              <a:t>) </a:t>
+            </a:r>
+            <a:r>
+              <a:rPr lang="en-US" smtClean="0">
+                <a:latin typeface="Consolas" panose="020B0609020204030204" pitchFamily="49" charset="0"/>
+              </a:rPr>
+              <a:t>{</a:t>
+            </a:r>
+            <a:r>
+              <a:rPr lang="ru-RU" smtClean="0">
+                <a:latin typeface="Consolas" panose="020B0609020204030204" pitchFamily="49" charset="0"/>
+              </a:rPr>
+              <a:t> </a:t>
+            </a:r>
+            <a:r>
+              <a:rPr lang="en-US" smtClean="0">
+                <a:latin typeface="Consolas" panose="020B0609020204030204" pitchFamily="49" charset="0"/>
+              </a:rPr>
+              <a:t/>
+            </a:r>
+            <a:br>
+              <a:rPr lang="en-US" smtClean="0">
+                <a:latin typeface="Consolas" panose="020B0609020204030204" pitchFamily="49" charset="0"/>
+              </a:rPr>
+            </a:br>
+            <a:r>
+              <a:rPr lang="en-US" smtClean="0">
+                <a:latin typeface="Consolas" panose="020B0609020204030204" pitchFamily="49" charset="0"/>
+              </a:rPr>
+              <a:t>    return static_cast&lt;pointer&gt;(</a:t>
+            </a:r>
+            <a:r>
+              <a:rPr lang="en-US" smtClean="0">
+                <a:solidFill>
+                  <a:srgbClr val="0000FF"/>
+                </a:solidFill>
+                <a:latin typeface="Consolas" panose="020B0609020204030204" pitchFamily="49" charset="0"/>
+              </a:rPr>
+              <a:t>s_malloc(n * sizeof(T))</a:t>
+            </a:r>
+            <a:r>
+              <a:rPr lang="en-US" smtClean="0">
+                <a:latin typeface="Consolas" panose="020B0609020204030204" pitchFamily="49" charset="0"/>
+              </a:rPr>
+              <a:t>);</a:t>
+            </a:r>
+            <a:r>
+              <a:rPr lang="ru-RU" smtClean="0">
+                <a:latin typeface="Consolas" panose="020B0609020204030204" pitchFamily="49" charset="0"/>
+              </a:rPr>
+              <a:t> </a:t>
+            </a:r>
+            <a:r>
+              <a:rPr lang="en-US" smtClean="0">
+                <a:latin typeface="Consolas" panose="020B0609020204030204" pitchFamily="49" charset="0"/>
+              </a:rPr>
+              <a:t/>
+            </a:r>
+            <a:br>
+              <a:rPr lang="en-US" smtClean="0">
+                <a:latin typeface="Consolas" panose="020B0609020204030204" pitchFamily="49" charset="0"/>
+              </a:rPr>
+            </a:br>
+            <a:r>
+              <a:rPr lang="en-US" smtClean="0">
+                <a:latin typeface="Consolas" panose="020B0609020204030204" pitchFamily="49" charset="0"/>
+              </a:rPr>
+              <a:t>  }</a:t>
+            </a:r>
+            <a:r>
+              <a:rPr lang="ru-RU" smtClean="0">
+                <a:latin typeface="Consolas" panose="020B0609020204030204" pitchFamily="49" charset="0"/>
+              </a:rPr>
+              <a:t/>
+            </a:r>
+            <a:br>
+              <a:rPr lang="ru-RU" smtClean="0">
+                <a:latin typeface="Consolas" panose="020B0609020204030204" pitchFamily="49" charset="0"/>
+              </a:rPr>
+            </a:br>
+            <a:r>
+              <a:rPr lang="en-US" smtClean="0">
+                <a:latin typeface="Consolas" panose="020B0609020204030204" pitchFamily="49" charset="0"/>
+              </a:rPr>
+              <a:t>  void deallocate(pointer p, size_t n) { </a:t>
+            </a:r>
+            <a:r>
+              <a:rPr lang="en-US" smtClean="0">
+                <a:solidFill>
+                  <a:srgbClr val="0000FF"/>
+                </a:solidFill>
+                <a:latin typeface="Consolas" panose="020B0609020204030204" pitchFamily="49" charset="0"/>
+              </a:rPr>
+              <a:t>s_free(p);</a:t>
+            </a:r>
+            <a:r>
+              <a:rPr lang="en-US" smtClean="0">
+                <a:latin typeface="Consolas" panose="020B0609020204030204" pitchFamily="49" charset="0"/>
+              </a:rPr>
+              <a:t> }</a:t>
+            </a:r>
+            <a:r>
+              <a:rPr lang="ru-RU" smtClean="0">
+                <a:latin typeface="Consolas" panose="020B0609020204030204" pitchFamily="49" charset="0"/>
+              </a:rPr>
+              <a:t/>
+            </a:r>
+            <a:br>
+              <a:rPr lang="ru-RU" smtClean="0">
+                <a:latin typeface="Consolas" panose="020B0609020204030204" pitchFamily="49" charset="0"/>
+              </a:rPr>
+            </a:br>
+            <a:r>
+              <a:rPr lang="en-US" smtClean="0">
+                <a:latin typeface="Consolas" panose="020B0609020204030204" pitchFamily="49" charset="0"/>
+              </a:rPr>
+              <a:t>};</a:t>
+            </a:r>
+          </a:p>
+          <a:p>
+            <a:r>
+              <a:rPr lang="ru-RU" smtClean="0"/>
+              <a:t>Теперь это</a:t>
+            </a:r>
+            <a:r>
+              <a:rPr lang="en-US" smtClean="0"/>
+              <a:t> </a:t>
+            </a:r>
+            <a:r>
+              <a:rPr lang="ru-RU" smtClean="0"/>
+              <a:t>наверное можно использовать, размещая нечто в это</a:t>
+            </a:r>
+            <a:r>
+              <a:rPr lang="ru-RU"/>
+              <a:t>й</a:t>
+            </a:r>
+            <a:r>
+              <a:rPr lang="ru-RU" smtClean="0"/>
+              <a:t> памяти</a:t>
+            </a:r>
+            <a:r>
+              <a:rPr lang="en-US"/>
+              <a:t>?</a:t>
+            </a:r>
+            <a:endParaRPr lang="en-US" smtClean="0"/>
+          </a:p>
+          <a:p>
+            <a:pPr marL="45720" indent="0">
+              <a:buNone/>
+            </a:pPr>
+            <a:r>
+              <a:rPr lang="en-US" smtClean="0">
+                <a:latin typeface="Consolas" panose="020B0609020204030204" pitchFamily="49" charset="0"/>
+              </a:rPr>
+              <a:t>template &lt;typename T&gt; using s_vector = vector&lt;T, </a:t>
+            </a:r>
+            <a:r>
+              <a:rPr lang="en-US" smtClean="0">
+                <a:solidFill>
+                  <a:srgbClr val="0000FF"/>
+                </a:solidFill>
+                <a:latin typeface="Consolas" panose="020B0609020204030204" pitchFamily="49" charset="0"/>
+              </a:rPr>
+              <a:t>s_alloc&lt;T&gt;</a:t>
+            </a:r>
+            <a:r>
+              <a:rPr lang="en-US" smtClean="0">
+                <a:latin typeface="Consolas" panose="020B0609020204030204" pitchFamily="49" charset="0"/>
+              </a:rPr>
+              <a:t>&gt;;</a:t>
+            </a:r>
+            <a:endParaRPr lang="en-US">
+              <a:latin typeface="Consolas" panose="020B0609020204030204" pitchFamily="49" charset="0"/>
+            </a:endParaRPr>
+          </a:p>
+        </p:txBody>
+      </p:sp>
+    </p:spTree>
+    <p:extLst>
+      <p:ext uri="{BB962C8B-B14F-4D97-AF65-F5344CB8AC3E}">
+        <p14:creationId xmlns:p14="http://schemas.microsoft.com/office/powerpoint/2010/main" val="2428728568"/>
+      </p:ext>
+    </p:extLst>
+  </p:cSld>
+  <p:clrMapOvr>
+    <a:masterClrMapping/>
+  </p:clrMapOvr>
+</p:sld>
+</file>
+
+<file path=ppt/slides/slide50.xml><?xml version="1.0" encoding="utf-8"?>
+<p:sld xmlns:a="http://schemas.openxmlformats.org/drawingml/2006/main" xmlns:r="http://schemas.openxmlformats.org/officeDocument/2006/relationships" xmlns:p="http://schemas.openxmlformats.org/presentationml/2006/main">
+  <p:cSld>
+    <p:spTree>
+      <p:nvGrpSpPr>
+        <p:cNvPr id="1" name=""/>
+        <p:cNvGrpSpPr/>
+        <p:nvPr/>
+      </p:nvGrpSpPr>
+      <p:grpSpPr>
+        <a:xfrm>
+          <a:off x="0" y="0"/>
+          <a:ext cx="0" cy="0"/>
+          <a:chOff x="0" y="0"/>
+          <a:chExt cx="0" cy="0"/>
+        </a:xfrm>
+      </p:grpSpPr>
+      <p:sp>
+        <p:nvSpPr>
+          <p:cNvPr id="2" name="Title 1"/>
+          <p:cNvSpPr>
+            <a:spLocks noGrp="1"/>
+          </p:cNvSpPr>
+          <p:nvPr>
+            <p:ph type="title"/>
+          </p:nvPr>
+        </p:nvSpPr>
+        <p:spPr/>
+        <p:txBody>
+          <a:bodyPr/>
+          <a:lstStyle/>
+          <a:p>
+            <a:r>
+              <a:rPr lang="ru-RU" smtClean="0"/>
+              <a:t>Копирующее конструирование</a:t>
+            </a:r>
+            <a:endParaRPr lang="en-US"/>
+          </a:p>
+        </p:txBody>
+      </p:sp>
+      <p:sp>
+        <p:nvSpPr>
+          <p:cNvPr id="3" name="Content Placeholder 2"/>
+          <p:cNvSpPr>
+            <a:spLocks noGrp="1"/>
+          </p:cNvSpPr>
+          <p:nvPr>
+            <p:ph idx="1"/>
+          </p:nvPr>
+        </p:nvSpPr>
+        <p:spPr/>
+        <p:txBody>
+          <a:bodyPr/>
+          <a:lstStyle/>
+          <a:p>
+            <a:r>
+              <a:rPr lang="ru-RU" smtClean="0"/>
+              <a:t>Около 54 минуты</a:t>
+            </a:r>
+            <a:endParaRPr lang="en-US"/>
+          </a:p>
+        </p:txBody>
+      </p:sp>
+    </p:spTree>
+    <p:extLst>
+      <p:ext uri="{BB962C8B-B14F-4D97-AF65-F5344CB8AC3E}">
+        <p14:creationId xmlns:p14="http://schemas.microsoft.com/office/powerpoint/2010/main" val="3714508453"/>
+      </p:ext>
+    </p:extLst>
+  </p:cSld>
+  <p:clrMapOvr>
+    <a:masterClrMapping/>
+  </p:clrMapOvr>
+</p:sld>
+</file>
+
+<file path=ppt/slides/slide51.xml><?xml version="1.0" encoding="utf-8"?>
+<p:sld xmlns:a="http://schemas.openxmlformats.org/drawingml/2006/main" xmlns:r="http://schemas.openxmlformats.org/officeDocument/2006/relationships" xmlns:p="http://schemas.openxmlformats.org/presentationml/2006/main">
+  <p:cSld>
+    <p:spTree>
+      <p:nvGrpSpPr>
+        <p:cNvPr id="1" name=""/>
+        <p:cNvGrpSpPr/>
+        <p:nvPr/>
+      </p:nvGrpSpPr>
+      <p:grpSpPr>
+        <a:xfrm>
+          <a:off x="0" y="0"/>
+          <a:ext cx="0" cy="0"/>
+          <a:chOff x="0" y="0"/>
+          <a:chExt cx="0" cy="0"/>
+        </a:xfrm>
+      </p:grpSpPr>
+      <p:sp>
+        <p:nvSpPr>
+          <p:cNvPr id="3" name="Content Placeholder 2"/>
+          <p:cNvSpPr>
+            <a:spLocks noGrp="1"/>
+          </p:cNvSpPr>
+          <p:nvPr>
+            <p:ph idx="1"/>
+          </p:nvPr>
+        </p:nvSpPr>
+        <p:spPr>
+          <a:xfrm>
+            <a:off x="1143000" y="742122"/>
+            <a:ext cx="9872871" cy="5353878"/>
+          </a:xfrm>
+        </p:spPr>
+        <p:txBody>
+          <a:bodyPr>
+            <a:noAutofit/>
+          </a:bodyPr>
+          <a:lstStyle/>
+          <a:p>
+            <a:pPr>
+              <a:lnSpc>
+                <a:spcPct val="150000"/>
+              </a:lnSpc>
+              <a:buFont typeface="Wingdings" panose="05000000000000000000" pitchFamily="2" charset="2"/>
+              <a:buChar char="q"/>
+            </a:pPr>
+            <a:r>
+              <a:rPr lang="ru-RU" sz="4800" smtClean="0"/>
+              <a:t>  Плохая репутация аллокаторов</a:t>
+            </a:r>
+          </a:p>
+          <a:p>
+            <a:pPr>
+              <a:lnSpc>
+                <a:spcPct val="150000"/>
+              </a:lnSpc>
+              <a:buFont typeface="Wingdings" panose="05000000000000000000" pitchFamily="2" charset="2"/>
+              <a:buChar char="q"/>
+            </a:pPr>
+            <a:r>
+              <a:rPr lang="ru-RU" sz="4800" smtClean="0"/>
+              <a:t>  Полиморфные аллокаторы</a:t>
+            </a:r>
+          </a:p>
+          <a:p>
+            <a:pPr>
+              <a:lnSpc>
+                <a:spcPct val="150000"/>
+              </a:lnSpc>
+              <a:buFont typeface="Wingdings" panose="05000000000000000000" pitchFamily="2" charset="2"/>
+              <a:buChar char="q"/>
+            </a:pPr>
+            <a:r>
+              <a:rPr lang="ru-RU" sz="4800" smtClean="0"/>
+              <a:t>  Собственный </a:t>
+            </a:r>
+            <a:r>
+              <a:rPr lang="en-US" sz="4800" smtClean="0"/>
+              <a:t>pmr </a:t>
+            </a:r>
+            <a:r>
+              <a:rPr lang="ru-RU" sz="4800" smtClean="0"/>
+              <a:t>контейнер</a:t>
+            </a:r>
+            <a:endParaRPr lang="en-US" sz="4800" smtClean="0"/>
+          </a:p>
+          <a:p>
+            <a:pPr>
+              <a:lnSpc>
+                <a:spcPct val="150000"/>
+              </a:lnSpc>
+              <a:buFont typeface="Wingdings" panose="05000000000000000000" pitchFamily="2" charset="2"/>
+              <a:buChar char="Ø"/>
+            </a:pPr>
+            <a:r>
+              <a:rPr lang="en-US" sz="4800"/>
+              <a:t> </a:t>
+            </a:r>
+            <a:r>
+              <a:rPr lang="ru-RU" sz="4800"/>
+              <a:t> </a:t>
+            </a:r>
+            <a:r>
+              <a:rPr lang="ru-RU" sz="4800" smtClean="0"/>
+              <a:t>Аллокатор Хинанта</a:t>
+            </a:r>
+          </a:p>
+        </p:txBody>
+      </p:sp>
+    </p:spTree>
+    <p:extLst>
+      <p:ext uri="{BB962C8B-B14F-4D97-AF65-F5344CB8AC3E}">
+        <p14:creationId xmlns:p14="http://schemas.microsoft.com/office/powerpoint/2010/main" val="1004029259"/>
+      </p:ext>
+    </p:extLst>
+  </p:cSld>
+  <p:clrMapOvr>
+    <a:masterClrMapping/>
+  </p:clrMapOvr>
+</p:sld>
+</file>
+
+<file path=ppt/slides/slide52.xml><?xml version="1.0" encoding="utf-8"?>
+<p:sld xmlns:a="http://schemas.openxmlformats.org/drawingml/2006/main" xmlns:r="http://schemas.openxmlformats.org/officeDocument/2006/relationships" xmlns:p="http://schemas.openxmlformats.org/presentationml/2006/main">
+  <p:cSld>
+    <p:spTree>
+      <p:nvGrpSpPr>
+        <p:cNvPr id="1" name=""/>
+        <p:cNvGrpSpPr/>
+        <p:nvPr/>
+      </p:nvGrpSpPr>
+      <p:grpSpPr>
+        <a:xfrm>
+          <a:off x="0" y="0"/>
+          <a:ext cx="0" cy="0"/>
+          <a:chOff x="0" y="0"/>
+          <a:chExt cx="0" cy="0"/>
+        </a:xfrm>
+      </p:grpSpPr>
+      <p:sp>
+        <p:nvSpPr>
+          <p:cNvPr id="2" name="Title 1"/>
+          <p:cNvSpPr>
+            <a:spLocks noGrp="1"/>
+          </p:cNvSpPr>
+          <p:nvPr>
+            <p:ph type="title"/>
+          </p:nvPr>
+        </p:nvSpPr>
+        <p:spPr/>
+        <p:txBody>
+          <a:bodyPr/>
+          <a:lstStyle/>
+          <a:p>
+            <a:endParaRPr lang="en-US"/>
+          </a:p>
+        </p:txBody>
+      </p:sp>
+      <p:sp>
+        <p:nvSpPr>
+          <p:cNvPr id="3" name="Content Placeholder 2"/>
+          <p:cNvSpPr>
+            <a:spLocks noGrp="1"/>
+          </p:cNvSpPr>
+          <p:nvPr>
+            <p:ph idx="1"/>
+          </p:nvPr>
+        </p:nvSpPr>
+        <p:spPr/>
+        <p:txBody>
+          <a:bodyPr/>
+          <a:lstStyle/>
+          <a:p>
+            <a:r>
+              <a:rPr lang="en-US"/>
+              <a:t>https://howardhinnant.github.io/stack_alloc.html</a:t>
+            </a:r>
+          </a:p>
+        </p:txBody>
+      </p:sp>
+    </p:spTree>
+    <p:extLst>
+      <p:ext uri="{BB962C8B-B14F-4D97-AF65-F5344CB8AC3E}">
+        <p14:creationId xmlns:p14="http://schemas.microsoft.com/office/powerpoint/2010/main" val="2848263361"/>
+      </p:ext>
+    </p:extLst>
+  </p:cSld>
+  <p:clrMapOvr>
+    <a:masterClrMapping/>
+  </p:clrMapOvr>
+</p:sld>
+</file>
+
+<file path=ppt/slides/slide53.xml><?xml version="1.0" encoding="utf-8"?>
+<p:sld xmlns:a="http://schemas.openxmlformats.org/drawingml/2006/main" xmlns:r="http://schemas.openxmlformats.org/officeDocument/2006/relationships" xmlns:p="http://schemas.openxmlformats.org/presentationml/2006/main">
+  <p:cSld>
+    <p:spTree>
+      <p:nvGrpSpPr>
+        <p:cNvPr id="1" name=""/>
+        <p:cNvGrpSpPr/>
+        <p:nvPr/>
+      </p:nvGrpSpPr>
+      <p:grpSpPr>
+        <a:xfrm>
+          <a:off x="0" y="0"/>
+          <a:ext cx="0" cy="0"/>
+          <a:chOff x="0" y="0"/>
+          <a:chExt cx="0" cy="0"/>
+        </a:xfrm>
+      </p:grpSpPr>
+      <p:sp>
+        <p:nvSpPr>
+          <p:cNvPr id="2" name="Title 1"/>
+          <p:cNvSpPr>
+            <a:spLocks noGrp="1"/>
+          </p:cNvSpPr>
+          <p:nvPr>
+            <p:ph type="title"/>
+          </p:nvPr>
+        </p:nvSpPr>
+        <p:spPr/>
+        <p:txBody>
+          <a:bodyPr/>
+          <a:lstStyle/>
+          <a:p>
+            <a:r>
               <a:rPr lang="ru-RU" dirty="0" smtClean="0"/>
               <a:t>Литература</a:t>
             </a:r>
@@ -12176,8 +15452,8 @@
           </a:p>
         </p:txBody>
       </p:sp>
-      <mc:AlternateContent xmlns:mc="http://schemas.openxmlformats.org/markup-compatibility/2006" xmlns:a14="http://schemas.microsoft.com/office/drawing/2010/main">
-        <mc:Choice Requires="a14">
+      <mc:AlternateContent xmlns:mc="http://schemas.openxmlformats.org/markup-compatibility/2006">
+        <mc:Choice xmlns:a14="http://schemas.microsoft.com/office/drawing/2010/main" Requires="a14">
           <p:sp>
             <p:nvSpPr>
               <p:cNvPr id="3" name="Content Placeholder 2"/>
@@ -12188,46 +15464,53 @@
                 <p:ph idx="1"/>
               </p:nvPr>
             </p:nvSpPr>
-            <p:spPr/>
+            <p:spPr>
+              <a:xfrm>
+                <a:off x="1143000" y="2057400"/>
+                <a:ext cx="10040112" cy="4038600"/>
+              </a:xfrm>
+            </p:spPr>
             <p:txBody>
-              <a:bodyPr/>
+              <a:bodyPr>
+                <a:normAutofit/>
+              </a:bodyPr>
               <a:lstStyle/>
               <a:p>
                 <a:pPr lvl="0"/>
                 <a:r>
-                  <a:rPr lang="en-US" dirty="0"/>
+                  <a:rPr lang="en-US" sz="1800" dirty="0"/>
                   <a:t>ISO/IEC, "Information technology -- Programming languages – C++", </a:t>
                 </a:r>
                 <a:r>
-                  <a:rPr lang="en-US"/>
+                  <a:rPr lang="en-US" sz="1800"/>
                   <a:t>ISO/IEC </a:t>
                 </a:r>
                 <a14:m>
                   <m:oMath xmlns:m="http://schemas.openxmlformats.org/officeDocument/2006/math">
                     <m:r>
-                      <a:rPr lang="en-US" i="1" smtClean="0">
+                      <a:rPr lang="en-US" sz="1800" i="1" smtClean="0">
                         <a:latin typeface="Cambria Math" panose="02040503050406030204" pitchFamily="18" charset="0"/>
                       </a:rPr>
                       <m:t>14882:2017</m:t>
                     </m:r>
                   </m:oMath>
                 </a14:m>
-                <a:endParaRPr lang="en-US" dirty="0"/>
+                <a:endParaRPr lang="en-US" sz="1800" dirty="0"/>
               </a:p>
               <a:p>
                 <a:pPr lvl="0"/>
                 <a:r>
-                  <a:rPr lang="en-US"/>
+                  <a:rPr lang="en-US" sz="1800"/>
                   <a:t>Bjarne Stroustrup, The </a:t>
                 </a:r>
                 <a:r>
-                  <a:rPr lang="en-US" dirty="0"/>
+                  <a:rPr lang="en-US" sz="1800" dirty="0"/>
                   <a:t>C++ Programming Language (</a:t>
                 </a:r>
                 <a14:m>
                   <m:oMath xmlns:m="http://schemas.openxmlformats.org/officeDocument/2006/math">
                     <m:r>
-                      <a:rPr lang="en-US" i="1" dirty="0" smtClean="0">
+                      <a:rPr lang="en-US" sz="1800" i="1" dirty="0" smtClean="0">
                         <a:latin typeface="Cambria Math" panose="02040503050406030204" pitchFamily="18" charset="0"/>
                       </a:rPr>
                       <m:t>4</m:t>
@@ -12235,23 +15518,164 @@
                   </m:oMath>
                 </a14:m>
                 <a:r>
-                  <a:rPr lang="en-US" dirty="0"/>
+                  <a:rPr lang="en-US" sz="1800" dirty="0"/>
                   <a:t>th </a:t>
                 </a:r>
                 <a:r>
-                  <a:rPr lang="en-US"/>
+                  <a:rPr lang="en-US" sz="1800"/>
                   <a:t>Edition</a:t>
                 </a:r>
                 <a:r>
-                  <a:rPr lang="en-US" smtClean="0"/>
+                  <a:rPr lang="en-US" sz="1800" smtClean="0"/>
                   <a:t>)</a:t>
                 </a:r>
-                <a:endParaRPr lang="en-US" dirty="0"/>
+              </a:p>
+              <a:p>
+                <a:pPr lvl="0"/>
+                <a:r>
+                  <a:rPr lang="en-US" sz="1800"/>
+                  <a:t>Pablo </a:t>
+                </a:r>
+                <a:r>
+                  <a:rPr lang="en-US" sz="1800" smtClean="0"/>
+                  <a:t>Halpern </a:t>
+                </a:r>
+              </a:p>
+              <a:p>
+                <a:pPr lvl="1"/>
+                <a:r>
+                  <a:rPr lang="en-US" sz="1600" smtClean="0">
+                    <a:latin typeface="Consolas" panose="020B0609020204030204" pitchFamily="49" charset="0"/>
+                  </a:rPr>
+                  <a:t>N3916</a:t>
+                </a:r>
+                <a:r>
+                  <a:rPr lang="en-US" sz="1600" smtClean="0"/>
+                  <a:t> proposal</a:t>
+                </a:r>
+                <a:r>
+                  <a:rPr lang="en-US" sz="1600" smtClean="0">
+                    <a:latin typeface="Courier" pitchFamily="49" charset="0"/>
+                  </a:rPr>
+                  <a:t>: open-std.org/jtc1/sc22/wg21/docs/papers/2014/n3916.pdf</a:t>
+                </a:r>
+              </a:p>
+              <a:p>
+                <a:pPr lvl="1"/>
+                <a:r>
+                  <a:rPr lang="en-US" sz="1600" smtClean="0"/>
+                  <a:t>"Allocators, the good parts", CppCon'</a:t>
+                </a:r>
+                <a:r>
+                  <a:rPr lang="en-US" sz="1600" smtClean="0">
+                    <a:latin typeface="Consolas" panose="020B0609020204030204" pitchFamily="49" charset="0"/>
+                  </a:rPr>
+                  <a:t>2017</a:t>
+                </a:r>
+                <a:r>
+                  <a:rPr lang="en-US" sz="1600" smtClean="0">
+                    <a:latin typeface="Courier" pitchFamily="49" charset="0"/>
+                  </a:rPr>
+                  <a:t>: youtube.com/watch?v=v3dz-AKOVL8</a:t>
+                </a:r>
+                <a:endParaRPr lang="ru-RU" sz="1600" smtClean="0"/>
+              </a:p>
+              <a:p>
+                <a:pPr lvl="0"/>
+                <a:r>
+                  <a:rPr lang="en-US" sz="1800" smtClean="0"/>
+                  <a:t>John </a:t>
+                </a:r>
+                <a:r>
+                  <a:rPr lang="en-US" sz="1800"/>
+                  <a:t>Lakos</a:t>
+                </a:r>
+                <a:r>
+                  <a:rPr lang="en-US" sz="1800"/>
+                  <a:t>, </a:t>
+                </a:r>
+                <a:endParaRPr lang="en-US" sz="1800" smtClean="0"/>
+              </a:p>
+              <a:p>
+                <a:pPr lvl="1"/>
+                <a:r>
+                  <a:rPr lang="en-US" sz="1600" smtClean="0"/>
+                  <a:t>Quantifying memory allocation strategies (with Meredith and others):     </a:t>
+                </a:r>
+                <a:r>
+                  <a:rPr lang="en-US" sz="1600" smtClean="0">
+                    <a:latin typeface="Courier" pitchFamily="49" charset="0"/>
+                  </a:rPr>
+                  <a:t>open</a:t>
+                </a:r>
+                <a:r>
+                  <a:rPr lang="en-US" sz="1600" b="1" smtClean="0"/>
+                  <a:t>‑</a:t>
+                </a:r>
+                <a:r>
+                  <a:rPr lang="en-US" sz="1600" smtClean="0">
+                    <a:latin typeface="Courier" pitchFamily="49" charset="0"/>
+                  </a:rPr>
+                  <a:t>std.org/jtc1/sc22/wg21/docs/papers/2015/p0089r0.pdf</a:t>
+                </a:r>
+              </a:p>
+              <a:p>
+                <a:pPr lvl="1"/>
+                <a:r>
+                  <a:rPr lang="en-US" sz="1600"/>
+                  <a:t>"Local memory allocators", part </a:t>
+                </a:r>
+                <a:r>
+                  <a:rPr lang="en-US" sz="1600">
+                    <a:latin typeface="Consolas" panose="020B0609020204030204" pitchFamily="49" charset="0"/>
+                  </a:rPr>
+                  <a:t>1</a:t>
+                </a:r>
+                <a:r>
+                  <a:rPr lang="en-US" sz="1600"/>
+                  <a:t>, </a:t>
+                </a:r>
+                <a:r>
+                  <a:rPr lang="en-US" sz="1600" smtClean="0">
+                    <a:latin typeface="Courier" pitchFamily="49" charset="0"/>
+                  </a:rPr>
+                  <a:t>youtube.com/watch?v=nZNd5FjSquk</a:t>
+                </a:r>
+              </a:p>
+              <a:p>
+                <a:pPr lvl="1"/>
+                <a:r>
+                  <a:rPr lang="en-US" sz="1600"/>
+                  <a:t>"Local memory allocators", </a:t>
+                </a:r>
+                <a:r>
+                  <a:rPr lang="en-US" sz="1600"/>
+                  <a:t>part </a:t>
+                </a:r>
+                <a:r>
+                  <a:rPr lang="en-US" sz="1600">
+                    <a:latin typeface="Consolas" panose="020B0609020204030204" pitchFamily="49" charset="0"/>
+                  </a:rPr>
+                  <a:t>2</a:t>
+                </a:r>
+                <a:r>
+                  <a:rPr lang="en-US" sz="1600"/>
+                  <a:t>, </a:t>
+                </a:r>
+                <a:r>
+                  <a:rPr lang="en-US" sz="1600">
+                    <a:latin typeface="Courier" pitchFamily="49" charset="0"/>
+                  </a:rPr>
+                  <a:t>youtube.com/watch?v=CFzuFNSpycI</a:t>
+                </a:r>
+                <a:endParaRPr lang="en-US" sz="1600" dirty="0">
+                  <a:latin typeface="Courier" pitchFamily="49" charset="0"/>
+                </a:endParaRPr>
               </a:p>
             </p:txBody>
           </p:sp>
         </mc:Choice>
-        <mc:Fallback xmlns="">
+        <mc:Fallback>
           <p:sp>
             <p:nvSpPr>
               <p:cNvPr id="3" name="Content Placeholder 2"/>
@@ -12263,10 +15687,14 @@
               </p:nvPr>
             </p:nvSpPr>
             <p:spPr>
+              <a:xfrm>
+                <a:off x="1143000" y="2057400"/>
+                <a:ext cx="10040112" cy="4038600"/>
+              </a:xfrm>
               <a:blipFill rotWithShape="0">
                 <a:blip r:embed="rId2"/>
                 <a:stretch>
-                  <a:fillRect t="-1964"/>
+                  <a:fillRect t="-1511"/>
                 </a:stretch>
               </a:blipFill>
             </p:spPr>
@@ -12298,453 +15726,6 @@
 </p:sld>
 </file>
 
-<file path=ppt/slides/slide5.xml><?xml version="1.0" encoding="utf-8"?>
-<p:sld xmlns:a="http://schemas.openxmlformats.org/drawingml/2006/main" xmlns:r="http://schemas.openxmlformats.org/officeDocument/2006/relationships" xmlns:p="http://schemas.openxmlformats.org/presentationml/2006/main">
-  <p:cSld>
-    <p:spTree>
-      <p:nvGrpSpPr>
-        <p:cNvPr id="1" name=""/>
-        <p:cNvGrpSpPr/>
-        <p:nvPr/>
-      </p:nvGrpSpPr>
-      <p:grpSpPr>
-        <a:xfrm>
-          <a:off x="0" y="0"/>
-          <a:ext cx="0" cy="0"/>
-          <a:chOff x="0" y="0"/>
-          <a:chExt cx="0" cy="0"/>
-        </a:xfrm>
-      </p:grpSpPr>
-      <p:sp>
-        <p:nvSpPr>
-          <p:cNvPr id="2" name="Title 1"/>
-          <p:cNvSpPr>
-            <a:spLocks noGrp="1"/>
-          </p:cNvSpPr>
-          <p:nvPr>
-            <p:ph type="title"/>
-          </p:nvPr>
-        </p:nvSpPr>
-        <p:spPr/>
-        <p:txBody>
-          <a:bodyPr/>
-          <a:lstStyle/>
-          <a:p>
-            <a:r>
-              <a:rPr lang="ru-RU" smtClean="0"/>
-              <a:t>Как это было</a:t>
-            </a:r>
-            <a:endParaRPr lang="en-US"/>
-          </a:p>
-        </p:txBody>
-      </p:sp>
-      <p:sp>
-        <p:nvSpPr>
-          <p:cNvPr id="3" name="Content Placeholder 2"/>
-          <p:cNvSpPr>
-            <a:spLocks noGrp="1"/>
-          </p:cNvSpPr>
-          <p:nvPr>
-            <p:ph idx="1"/>
-          </p:nvPr>
-        </p:nvSpPr>
-        <p:spPr>
-          <a:xfrm>
-            <a:off x="1143000" y="2057400"/>
-            <a:ext cx="10296144" cy="4038600"/>
-          </a:xfrm>
-        </p:spPr>
-        <p:txBody>
-          <a:bodyPr/>
-          <a:lstStyle/>
-          <a:p>
-            <a:r>
-              <a:rPr lang="ru-RU" smtClean="0"/>
-              <a:t>Представим, что у вас в программе есть особый распределитель памяти </a:t>
-            </a:r>
-            <a:r>
-              <a:rPr lang="en-US" smtClean="0"/>
-              <a:t>s</a:t>
-            </a:r>
-            <a:r>
-              <a:rPr lang="ru-RU" smtClean="0"/>
-              <a:t>_</a:t>
-            </a:r>
-            <a:r>
-              <a:rPr lang="en-US" smtClean="0"/>
-              <a:t>malloc </a:t>
-            </a:r>
-            <a:r>
-              <a:rPr lang="ru-RU" smtClean="0"/>
-              <a:t>и вы </a:t>
-            </a:r>
-            <a:r>
-              <a:rPr lang="ru-RU" smtClean="0"/>
-              <a:t>пишете аллокатор с функциями </a:t>
-            </a:r>
-            <a:r>
-              <a:rPr lang="en-US" smtClean="0"/>
-              <a:t>allocate</a:t>
-            </a:r>
-            <a:r>
-              <a:rPr lang="ru-RU" smtClean="0"/>
-              <a:t> и </a:t>
-            </a:r>
-            <a:r>
-              <a:rPr lang="en-US" smtClean="0"/>
-              <a:t>deallocate:</a:t>
-            </a:r>
-          </a:p>
-          <a:p>
-            <a:pPr marL="45720" indent="0">
-              <a:buNone/>
-            </a:pPr>
-            <a:r>
-              <a:rPr lang="en-US" smtClean="0">
-                <a:latin typeface="Consolas" panose="020B0609020204030204" pitchFamily="49" charset="0"/>
-              </a:rPr>
-              <a:t>template&lt;typename T&gt; struct s_alloc {</a:t>
-            </a:r>
-            <a:br>
-              <a:rPr lang="en-US" smtClean="0">
-                <a:latin typeface="Consolas" panose="020B0609020204030204" pitchFamily="49" charset="0"/>
-              </a:rPr>
-            </a:br>
-            <a:r>
-              <a:rPr lang="en-US" smtClean="0">
-                <a:latin typeface="Consolas" panose="020B0609020204030204" pitchFamily="49" charset="0"/>
-              </a:rPr>
-              <a:t>  typedef T value_type</a:t>
-            </a:r>
-            <a:r>
-              <a:rPr lang="en-US" smtClean="0">
-                <a:latin typeface="Consolas" panose="020B0609020204030204" pitchFamily="49" charset="0"/>
-              </a:rPr>
-              <a:t>;</a:t>
-            </a:r>
-            <a:r>
-              <a:rPr lang="ru-RU" smtClean="0">
-                <a:latin typeface="Consolas" panose="020B0609020204030204" pitchFamily="49" charset="0"/>
-              </a:rPr>
-              <a:t/>
-            </a:r>
-            <a:br>
-              <a:rPr lang="ru-RU" smtClean="0">
-                <a:latin typeface="Consolas" panose="020B0609020204030204" pitchFamily="49" charset="0"/>
-              </a:rPr>
-            </a:br>
-            <a:r>
-              <a:rPr lang="ru-RU" smtClean="0">
-                <a:latin typeface="Consolas" panose="020B0609020204030204" pitchFamily="49" charset="0"/>
-              </a:rPr>
-              <a:t>  </a:t>
-            </a:r>
-            <a:r>
-              <a:rPr lang="en-US" smtClean="0">
-                <a:latin typeface="Consolas" panose="020B0609020204030204" pitchFamily="49" charset="0"/>
-              </a:rPr>
-              <a:t>typedef T</a:t>
-            </a:r>
-            <a:r>
-              <a:rPr lang="ru-RU" smtClean="0">
-                <a:latin typeface="Consolas" panose="020B0609020204030204" pitchFamily="49" charset="0"/>
-              </a:rPr>
-              <a:t>*</a:t>
-            </a:r>
-            <a:r>
-              <a:rPr lang="en-US" smtClean="0">
-                <a:latin typeface="Consolas" panose="020B0609020204030204" pitchFamily="49" charset="0"/>
-              </a:rPr>
-              <a:t> pointer;</a:t>
-            </a:r>
-            <a:r>
-              <a:rPr lang="ru-RU" smtClean="0">
-                <a:latin typeface="Consolas" panose="020B0609020204030204" pitchFamily="49" charset="0"/>
-              </a:rPr>
-              <a:t/>
-            </a:r>
-            <a:br>
-              <a:rPr lang="ru-RU" smtClean="0">
-                <a:latin typeface="Consolas" panose="020B0609020204030204" pitchFamily="49" charset="0"/>
-              </a:rPr>
-            </a:br>
-            <a:r>
-              <a:rPr lang="ru-RU" smtClean="0">
-                <a:latin typeface="Consolas" panose="020B0609020204030204" pitchFamily="49" charset="0"/>
-              </a:rPr>
-              <a:t>  </a:t>
-            </a:r>
-            <a:r>
-              <a:rPr lang="en-US" smtClean="0">
-                <a:latin typeface="Consolas" panose="020B0609020204030204" pitchFamily="49" charset="0"/>
-              </a:rPr>
-              <a:t>pointer</a:t>
-            </a:r>
-            <a:r>
-              <a:rPr lang="en-US" smtClean="0">
-                <a:solidFill>
-                  <a:srgbClr val="FF0000"/>
-                </a:solidFill>
-                <a:latin typeface="Consolas" panose="020B0609020204030204" pitchFamily="49" charset="0"/>
-              </a:rPr>
-              <a:t> </a:t>
-            </a:r>
-            <a:r>
-              <a:rPr lang="en-US" smtClean="0">
-                <a:latin typeface="Consolas" panose="020B0609020204030204" pitchFamily="49" charset="0"/>
-              </a:rPr>
-              <a:t>allocate </a:t>
-            </a:r>
-            <a:r>
-              <a:rPr lang="en-US">
-                <a:latin typeface="Consolas" panose="020B0609020204030204" pitchFamily="49" charset="0"/>
-              </a:rPr>
-              <a:t>(</a:t>
-            </a:r>
-            <a:r>
-              <a:rPr lang="en-US" smtClean="0">
-                <a:latin typeface="Consolas" panose="020B0609020204030204" pitchFamily="49" charset="0"/>
-              </a:rPr>
-              <a:t>size_t n</a:t>
-            </a:r>
-            <a:r>
-              <a:rPr lang="ru-RU" smtClean="0">
-                <a:latin typeface="Consolas" panose="020B0609020204030204" pitchFamily="49" charset="0"/>
-              </a:rPr>
-              <a:t>) </a:t>
-            </a:r>
-            <a:r>
-              <a:rPr lang="en-US" smtClean="0">
-                <a:latin typeface="Consolas" panose="020B0609020204030204" pitchFamily="49" charset="0"/>
-              </a:rPr>
-              <a:t>{</a:t>
-            </a:r>
-            <a:r>
-              <a:rPr lang="ru-RU" smtClean="0">
-                <a:latin typeface="Consolas" panose="020B0609020204030204" pitchFamily="49" charset="0"/>
-              </a:rPr>
-              <a:t> </a:t>
-            </a:r>
-            <a:r>
-              <a:rPr lang="en-US" smtClean="0">
-                <a:latin typeface="Consolas" panose="020B0609020204030204" pitchFamily="49" charset="0"/>
-              </a:rPr>
-              <a:t/>
-            </a:r>
-            <a:br>
-              <a:rPr lang="en-US" smtClean="0">
-                <a:latin typeface="Consolas" panose="020B0609020204030204" pitchFamily="49" charset="0"/>
-              </a:rPr>
-            </a:br>
-            <a:r>
-              <a:rPr lang="en-US" smtClean="0">
-                <a:latin typeface="Consolas" panose="020B0609020204030204" pitchFamily="49" charset="0"/>
-              </a:rPr>
-              <a:t>    return </a:t>
-            </a:r>
-            <a:r>
-              <a:rPr lang="en-US" smtClean="0">
-                <a:latin typeface="Consolas" panose="020B0609020204030204" pitchFamily="49" charset="0"/>
-              </a:rPr>
-              <a:t>static_cast&lt;pointer&gt;(</a:t>
-            </a:r>
-            <a:r>
-              <a:rPr lang="en-US" smtClean="0">
-                <a:solidFill>
-                  <a:srgbClr val="0000FF"/>
-                </a:solidFill>
-                <a:latin typeface="Consolas" panose="020B0609020204030204" pitchFamily="49" charset="0"/>
-              </a:rPr>
-              <a:t>s_malloc(n * sizeof(T))</a:t>
-            </a:r>
-            <a:r>
-              <a:rPr lang="en-US" smtClean="0">
-                <a:latin typeface="Consolas" panose="020B0609020204030204" pitchFamily="49" charset="0"/>
-              </a:rPr>
-              <a:t>);</a:t>
-            </a:r>
-            <a:r>
-              <a:rPr lang="ru-RU" smtClean="0">
-                <a:latin typeface="Consolas" panose="020B0609020204030204" pitchFamily="49" charset="0"/>
-              </a:rPr>
-              <a:t> </a:t>
-            </a:r>
-            <a:r>
-              <a:rPr lang="en-US" smtClean="0">
-                <a:latin typeface="Consolas" panose="020B0609020204030204" pitchFamily="49" charset="0"/>
-              </a:rPr>
-              <a:t/>
-            </a:r>
-            <a:br>
-              <a:rPr lang="en-US" smtClean="0">
-                <a:latin typeface="Consolas" panose="020B0609020204030204" pitchFamily="49" charset="0"/>
-              </a:rPr>
-            </a:br>
-            <a:r>
-              <a:rPr lang="en-US" smtClean="0">
-                <a:latin typeface="Consolas" panose="020B0609020204030204" pitchFamily="49" charset="0"/>
-              </a:rPr>
-              <a:t>  }</a:t>
-            </a:r>
-            <a:r>
-              <a:rPr lang="ru-RU" smtClean="0">
-                <a:latin typeface="Consolas" panose="020B0609020204030204" pitchFamily="49" charset="0"/>
-              </a:rPr>
-              <a:t/>
-            </a:r>
-            <a:br>
-              <a:rPr lang="ru-RU" smtClean="0">
-                <a:latin typeface="Consolas" panose="020B0609020204030204" pitchFamily="49" charset="0"/>
-              </a:rPr>
-            </a:br>
-            <a:r>
-              <a:rPr lang="en-US" smtClean="0">
-                <a:latin typeface="Consolas" panose="020B0609020204030204" pitchFamily="49" charset="0"/>
-              </a:rPr>
-              <a:t>  void </a:t>
-            </a:r>
-            <a:r>
-              <a:rPr lang="en-US" smtClean="0">
-                <a:latin typeface="Consolas" panose="020B0609020204030204" pitchFamily="49" charset="0"/>
-              </a:rPr>
-              <a:t>deallocate(pointer </a:t>
-            </a:r>
-            <a:r>
-              <a:rPr lang="en-US" smtClean="0">
-                <a:latin typeface="Consolas" panose="020B0609020204030204" pitchFamily="49" charset="0"/>
-              </a:rPr>
-              <a:t>p, size_t n) { </a:t>
-            </a:r>
-            <a:r>
-              <a:rPr lang="en-US" smtClean="0">
-                <a:solidFill>
-                  <a:srgbClr val="0000FF"/>
-                </a:solidFill>
-                <a:latin typeface="Consolas" panose="020B0609020204030204" pitchFamily="49" charset="0"/>
-              </a:rPr>
-              <a:t>s_free(p);</a:t>
-            </a:r>
-            <a:r>
-              <a:rPr lang="en-US" smtClean="0">
-                <a:latin typeface="Consolas" panose="020B0609020204030204" pitchFamily="49" charset="0"/>
-              </a:rPr>
-              <a:t> }</a:t>
-            </a:r>
-            <a:r>
-              <a:rPr lang="ru-RU" smtClean="0">
-                <a:latin typeface="Consolas" panose="020B0609020204030204" pitchFamily="49" charset="0"/>
-              </a:rPr>
-              <a:t/>
-            </a:r>
-            <a:br>
-              <a:rPr lang="ru-RU" smtClean="0">
-                <a:latin typeface="Consolas" panose="020B0609020204030204" pitchFamily="49" charset="0"/>
-              </a:rPr>
-            </a:br>
-            <a:r>
-              <a:rPr lang="en-US" smtClean="0">
-                <a:latin typeface="Consolas" panose="020B0609020204030204" pitchFamily="49" charset="0"/>
-              </a:rPr>
-              <a:t>};</a:t>
-            </a:r>
-          </a:p>
-          <a:p>
-            <a:r>
-              <a:rPr lang="ru-RU" smtClean="0"/>
-              <a:t>Теперь </a:t>
-            </a:r>
-            <a:r>
-              <a:rPr lang="ru-RU" smtClean="0"/>
-              <a:t>это</a:t>
-            </a:r>
-            <a:r>
-              <a:rPr lang="en-US" smtClean="0"/>
-              <a:t> </a:t>
-            </a:r>
-            <a:r>
-              <a:rPr lang="ru-RU" smtClean="0"/>
-              <a:t>наверное </a:t>
-            </a:r>
-            <a:r>
-              <a:rPr lang="ru-RU" smtClean="0"/>
-              <a:t>можно использовать, </a:t>
-            </a:r>
-            <a:r>
-              <a:rPr lang="ru-RU" smtClean="0"/>
-              <a:t>размещая нечто в </a:t>
-            </a:r>
-            <a:r>
-              <a:rPr lang="ru-RU" smtClean="0"/>
-              <a:t>это</a:t>
-            </a:r>
-            <a:r>
-              <a:rPr lang="ru-RU"/>
-              <a:t>й</a:t>
-            </a:r>
-            <a:r>
-              <a:rPr lang="ru-RU" smtClean="0"/>
-              <a:t> </a:t>
-            </a:r>
-            <a:r>
-              <a:rPr lang="ru-RU" smtClean="0"/>
-              <a:t>памяти</a:t>
-            </a:r>
-            <a:r>
-              <a:rPr lang="en-US"/>
-              <a:t>?</a:t>
-            </a:r>
-            <a:endParaRPr lang="en-US" smtClean="0"/>
-          </a:p>
-          <a:p>
-            <a:pPr marL="45720" indent="0">
-              <a:buNone/>
-            </a:pPr>
-            <a:r>
-              <a:rPr lang="en-US" smtClean="0">
-                <a:latin typeface="Consolas" panose="020B0609020204030204" pitchFamily="49" charset="0"/>
-              </a:rPr>
-              <a:t>template &lt;typename T&gt; using s_vector = </a:t>
-            </a:r>
-            <a:r>
-              <a:rPr lang="en-US" smtClean="0">
-                <a:latin typeface="Consolas" panose="020B0609020204030204" pitchFamily="49" charset="0"/>
-              </a:rPr>
-              <a:t>vector&lt;T, </a:t>
-            </a:r>
-            <a:r>
-              <a:rPr lang="en-US" smtClean="0">
-                <a:solidFill>
-                  <a:srgbClr val="0000FF"/>
-                </a:solidFill>
-                <a:latin typeface="Consolas" panose="020B0609020204030204" pitchFamily="49" charset="0"/>
-              </a:rPr>
-              <a:t>s_alloc&lt;T&gt;</a:t>
-            </a:r>
-            <a:r>
-              <a:rPr lang="en-US" smtClean="0">
-                <a:latin typeface="Consolas" panose="020B0609020204030204" pitchFamily="49" charset="0"/>
-              </a:rPr>
-              <a:t>&gt;;</a:t>
-            </a:r>
-            <a:endParaRPr lang="en-US">
-              <a:latin typeface="Consolas" panose="020B0609020204030204" pitchFamily="49" charset="0"/>
-            </a:endParaRPr>
-          </a:p>
-        </p:txBody>
-      </p:sp>
-    </p:spTree>
-    <p:extLst>
-      <p:ext uri="{BB962C8B-B14F-4D97-AF65-F5344CB8AC3E}">
-        <p14:creationId xmlns:p14="http://schemas.microsoft.com/office/powerpoint/2010/main" val="2428728568"/>
-      </p:ext>
-    </p:extLst>
-  </p:cSld>
-  <p:clrMapOvr>
-    <a:masterClrMapping/>
-  </p:clrMapOvr>
-</p:sld>
-</file>
-
 <file path=ppt/slides/slide6.xml><?xml version="1.0" encoding="utf-8"?>
 <p:sld xmlns:a="http://schemas.openxmlformats.org/drawingml/2006/main" xmlns:r="http://schemas.openxmlformats.org/officeDocument/2006/relationships" xmlns:p="http://schemas.openxmlformats.org/presentationml/2006/main">
   <p:cSld>
@@ -12958,11 +15939,7 @@
             </a:r>
             <a:r>
               <a:rPr lang="ru-RU"/>
-              <a:t>который является совершенно </a:t>
-            </a:r>
-            <a:r>
-              <a:rPr lang="ru-RU"/>
-              <a:t>отдельным </a:t>
+              <a:t>который является совершенно отдельным </a:t>
             </a:r>
             <a:r>
               <a:rPr lang="ru-RU" smtClean="0"/>
@@ -13202,9 +16179,6 @@
               </a:rPr>
               <a:t>}</a:t>
             </a:r>
-            <a:endParaRPr lang="en-US" smtClean="0">
-              <a:latin typeface="Consolas" panose="020B0609020204030204" pitchFamily="49" charset="0"/>
-            </a:endParaRPr>
           </a:p>
         </p:txBody>
       </p:sp>
@@ -13289,7 +16263,6 @@
               <a:rPr lang="ru-RU" smtClean="0"/>
               <a:t>Для приведения аллокаторов одного к другому и чтобы контейнер мог узнать тип аллокатора для чего-то кроме своего типа</a:t>
             </a:r>
-            <a:endParaRPr lang="ru-RU" smtClean="0"/>
           </a:p>
           <a:p>
             <a:pPr marL="45720" indent="0">
@@ -13342,16 +16315,7 @@
                 </a:solidFill>
                 <a:latin typeface="Consolas" panose="020B0609020204030204" pitchFamily="49" charset="0"/>
               </a:rPr>
-              <a:t>const s_alloc&lt;U</a:t>
-            </a:r>
-            <a:r>
-              <a:rPr lang="en-US">
-                <a:solidFill>
-                  <a:srgbClr val="0000FF"/>
-                </a:solidFill>
-                <a:latin typeface="Consolas" panose="020B0609020204030204" pitchFamily="49" charset="0"/>
-              </a:rPr>
-              <a:t>&gt;&amp;</a:t>
+              <a:t>const s_alloc&lt;U&gt;&amp;</a:t>
             </a:r>
             <a:r>
               <a:rPr lang="en-US">
@@ -13389,13 +16353,7 @@
               <a:rPr lang="en-US">
                 <a:latin typeface="Consolas" panose="020B0609020204030204" pitchFamily="49" charset="0"/>
               </a:rPr>
-              <a:t>U</a:t>
-            </a:r>
-            <a:r>
-              <a:rPr lang="en-US">
-                <a:latin typeface="Consolas" panose="020B0609020204030204" pitchFamily="49" charset="0"/>
-              </a:rPr>
-              <a:t>&gt; </a:t>
+              <a:t>U&gt; </a:t>
             </a:r>
             <a:r>
               <a:rPr lang="ru-RU" smtClean="0">
@@ -13424,13 +16382,7 @@
               <a:rPr lang="en-US">
                 <a:latin typeface="Consolas" panose="020B0609020204030204" pitchFamily="49" charset="0"/>
               </a:rPr>
-              <a:t>rebind { typedef s_alloc&lt;U&gt; other</a:t>
-            </a:r>
-            <a:r>
-              <a:rPr lang="en-US">
-                <a:latin typeface="Consolas" panose="020B0609020204030204" pitchFamily="49" charset="0"/>
-              </a:rPr>
-              <a:t>; </a:t>
+              <a:t>rebind { typedef s_alloc&lt;U&gt; other; </a:t>
             </a:r>
             <a:r>
               <a:rPr lang="en-US" smtClean="0">
@@ -13592,13 +16544,8 @@
             </a:r>
             <a:r>
               <a:rPr lang="ru-RU" smtClean="0"/>
-              <a:t>и явного вызова </a:t>
-            </a:r>
-            <a:r>
-              <a:rPr lang="ru-RU" smtClean="0"/>
-              <a:t>деструктора</a:t>
-            </a:r>
-            <a:endParaRPr lang="ru-RU" smtClean="0"/>
+              <a:t>и явного вызова деструктора</a:t>
+            </a:r>
           </a:p>
           <a:p>
             <a:pPr marL="45720" indent="0">
@@ -13693,11 +16640,7 @@
             </a:r>
             <a:r>
               <a:rPr lang="ru-RU" smtClean="0"/>
-              <a:t>для ограничения общего </a:t>
-            </a:r>
-            <a:r>
-              <a:rPr lang="ru-RU" smtClean="0"/>
-              <a:t>размера (а также кучу </a:t>
+              <a:t>для ограничения общего размера (а также кучу </a:t>
             </a:r>
             <a:r>
               <a:rPr lang="en-US" smtClean="0"/>
@@ -13814,11 +16757,7 @@
             </a:r>
             <a:r>
               <a:rPr lang="ru-RU" smtClean="0"/>
-              <a:t> </a:t>
-            </a:r>
-            <a:r>
-              <a:rPr lang="ru-RU" smtClean="0"/>
-              <a:t>году</a:t>
+              <a:t> году</a:t>
             </a:r>
             <a:r>
               <a:rPr lang="en-US" smtClean="0"/>
